--- a/presentation/BTL-OOP-Presentation.pptx
+++ b/presentation/BTL-OOP-Presentation.pptx
@@ -5,7 +5,7 @@
     <p:sldMasterId id="2147483712" r:id="rId4"/>
   </p:sldMasterIdLst>
   <p:notesMasterIdLst>
-    <p:notesMasterId r:id="rId19"/>
+    <p:notesMasterId r:id="rId20"/>
   </p:notesMasterIdLst>
   <p:sldIdLst>
     <p:sldId id="256" r:id="rId5"/>
@@ -20,8 +20,9 @@
     <p:sldId id="277" r:id="rId14"/>
     <p:sldId id="280" r:id="rId15"/>
     <p:sldId id="279" r:id="rId16"/>
-    <p:sldId id="281" r:id="rId17"/>
-    <p:sldId id="272" r:id="rId18"/>
+    <p:sldId id="282" r:id="rId17"/>
+    <p:sldId id="281" r:id="rId18"/>
+    <p:sldId id="272" r:id="rId19"/>
   </p:sldIdLst>
   <p:sldSz cx="12192000" cy="6858000"/>
   <p:notesSz cx="6858000" cy="9144000"/>
@@ -806,6 +807,90 @@
             <a:fld id="{FE277877-A26F-4095-9FE1-08DDF23C3610}" type="slidenum">
               <a:rPr lang="en-US" smtClean="0"/>
               <a:t>13</a:t>
+            </a:fld>
+            <a:endParaRPr lang="en-US"/>
+          </a:p>
+        </p:txBody>
+      </p:sp>
+    </p:spTree>
+    <p:extLst>
+      <p:ext uri="{BB962C8B-B14F-4D97-AF65-F5344CB8AC3E}">
+        <p14:creationId xmlns:p14="http://schemas.microsoft.com/office/powerpoint/2010/main" val="3427329292"/>
+      </p:ext>
+    </p:extLst>
+  </p:cSld>
+  <p:clrMapOvr>
+    <a:masterClrMapping/>
+  </p:clrMapOvr>
+</p:notes>
+</file>
+
+<file path=ppt/notesSlides/notesSlide5.xml><?xml version="1.0" encoding="utf-8"?>
+<p:notes xmlns:a="http://schemas.openxmlformats.org/drawingml/2006/main" xmlns:r="http://schemas.openxmlformats.org/officeDocument/2006/relationships" xmlns:p="http://schemas.openxmlformats.org/presentationml/2006/main">
+  <p:cSld>
+    <p:spTree>
+      <p:nvGrpSpPr>
+        <p:cNvPr id="1" name=""/>
+        <p:cNvGrpSpPr/>
+        <p:nvPr/>
+      </p:nvGrpSpPr>
+      <p:grpSpPr>
+        <a:xfrm>
+          <a:off x="0" y="0"/>
+          <a:ext cx="0" cy="0"/>
+          <a:chOff x="0" y="0"/>
+          <a:chExt cx="0" cy="0"/>
+        </a:xfrm>
+      </p:grpSpPr>
+      <p:sp>
+        <p:nvSpPr>
+          <p:cNvPr id="2" name="Slide Image Placeholder 1"/>
+          <p:cNvSpPr>
+            <a:spLocks noGrp="1" noRot="1" noChangeAspect="1"/>
+          </p:cNvSpPr>
+          <p:nvPr>
+            <p:ph type="sldImg"/>
+          </p:nvPr>
+        </p:nvSpPr>
+        <p:spPr/>
+      </p:sp>
+      <p:sp>
+        <p:nvSpPr>
+          <p:cNvPr id="3" name="Notes Placeholder 2"/>
+          <p:cNvSpPr>
+            <a:spLocks noGrp="1"/>
+          </p:cNvSpPr>
+          <p:nvPr>
+            <p:ph type="body" idx="1"/>
+          </p:nvPr>
+        </p:nvSpPr>
+        <p:spPr/>
+        <p:txBody>
+          <a:bodyPr/>
+          <a:lstStyle/>
+          <a:p>
+            <a:endParaRPr lang="en-US" dirty="0"/>
+          </a:p>
+        </p:txBody>
+      </p:sp>
+      <p:sp>
+        <p:nvSpPr>
+          <p:cNvPr id="4" name="Slide Number Placeholder 3"/>
+          <p:cNvSpPr>
+            <a:spLocks noGrp="1"/>
+          </p:cNvSpPr>
+          <p:nvPr>
+            <p:ph type="sldNum" sz="quarter" idx="5"/>
+          </p:nvPr>
+        </p:nvSpPr>
+        <p:spPr/>
+        <p:txBody>
+          <a:bodyPr/>
+          <a:lstStyle/>
+          <a:p>
+            <a:fld id="{FE277877-A26F-4095-9FE1-08DDF23C3610}" type="slidenum">
+              <a:rPr lang="en-US" smtClean="0"/>
+              <a:t>14</a:t>
             </a:fld>
             <a:endParaRPr lang="en-US"/>
           </a:p>
@@ -5592,6 +5677,9 @@
                     <p:cTn id="3" fill="hold">
                       <p:stCondLst>
                         <p:cond delay="indefinite"/>
+                        <p:cond evt="onBegin" delay="0">
+                          <p:tn val="2"/>
+                        </p:cond>
                       </p:stCondLst>
                       <p:childTnLst>
                         <p:par>
@@ -5601,7 +5689,7 @@
                             </p:stCondLst>
                             <p:childTnLst>
                               <p:par>
-                                <p:cTn id="5" presetID="10" presetClass="entr" presetSubtype="0" fill="hold" grpId="0" nodeType="clickEffect">
+                                <p:cTn id="5" presetID="10" presetClass="entr" presetSubtype="0" fill="hold" nodeType="withEffect">
                                   <p:stCondLst>
                                     <p:cond delay="0"/>
                                   </p:stCondLst>
@@ -5614,7 +5702,7 @@
                                           </p:stCondLst>
                                         </p:cTn>
                                         <p:tgtEl>
-                                          <p:spTgt spid="3"/>
+                                          <p:spTgt spid="18"/>
                                         </p:tgtEl>
                                         <p:attrNameLst>
                                           <p:attrName>style.visibility</p:attrName>
@@ -5628,7 +5716,7 @@
                                       <p:cBhvr>
                                         <p:cTn id="7" dur="500"/>
                                         <p:tgtEl>
-                                          <p:spTgt spid="3"/>
+                                          <p:spTgt spid="18"/>
                                         </p:tgtEl>
                                       </p:cBhvr>
                                     </p:animEffect>
@@ -5638,36 +5726,27 @@
                             </p:childTnLst>
                           </p:cTn>
                         </p:par>
-                      </p:childTnLst>
-                    </p:cTn>
-                  </p:par>
-                  <p:par>
-                    <p:cTn id="8" fill="hold">
-                      <p:stCondLst>
-                        <p:cond delay="indefinite"/>
-                      </p:stCondLst>
-                      <p:childTnLst>
                         <p:par>
-                          <p:cTn id="9" fill="hold">
+                          <p:cTn id="8" fill="hold">
                             <p:stCondLst>
-                              <p:cond delay="0"/>
+                              <p:cond delay="500"/>
                             </p:stCondLst>
                             <p:childTnLst>
                               <p:par>
-                                <p:cTn id="10" presetID="10" presetClass="entr" presetSubtype="0" fill="hold" nodeType="clickEffect">
+                                <p:cTn id="9" presetID="10" presetClass="entr" presetSubtype="0" fill="hold" nodeType="afterEffect">
                                   <p:stCondLst>
                                     <p:cond delay="0"/>
                                   </p:stCondLst>
                                   <p:childTnLst>
                                     <p:set>
                                       <p:cBhvr>
-                                        <p:cTn id="11" dur="1" fill="hold">
+                                        <p:cTn id="10" dur="1" fill="hold">
                                           <p:stCondLst>
                                             <p:cond delay="0"/>
                                           </p:stCondLst>
                                         </p:cTn>
                                         <p:tgtEl>
-                                          <p:spTgt spid="18"/>
+                                          <p:spTgt spid="24"/>
                                         </p:tgtEl>
                                         <p:attrNameLst>
                                           <p:attrName>style.visibility</p:attrName>
@@ -5679,48 +5758,65 @@
                                     </p:set>
                                     <p:animEffect transition="in" filter="fade">
                                       <p:cBhvr>
-                                        <p:cTn id="12" dur="500"/>
-                                        <p:tgtEl>
-                                          <p:spTgt spid="18"/>
+                                        <p:cTn id="11" dur="500"/>
+                                        <p:tgtEl>
+                                          <p:spTgt spid="24"/>
                                         </p:tgtEl>
                                       </p:cBhvr>
                                     </p:animEffect>
                                   </p:childTnLst>
                                 </p:cTn>
                               </p:par>
-                            </p:childTnLst>
-                          </p:cTn>
-                        </p:par>
-                      </p:childTnLst>
-                    </p:cTn>
-                  </p:par>
-                  <p:par>
-                    <p:cTn id="13" fill="hold">
-                      <p:stCondLst>
-                        <p:cond delay="indefinite"/>
-                      </p:stCondLst>
-                      <p:childTnLst>
-                        <p:par>
-                          <p:cTn id="14" fill="hold">
-                            <p:stCondLst>
-                              <p:cond delay="0"/>
-                            </p:stCondLst>
-                            <p:childTnLst>
                               <p:par>
-                                <p:cTn id="15" presetID="10" presetClass="entr" presetSubtype="0" fill="hold" nodeType="clickEffect">
+                                <p:cTn id="12" presetID="10" presetClass="entr" presetSubtype="0" fill="hold" nodeType="withEffect">
                                   <p:stCondLst>
                                     <p:cond delay="0"/>
                                   </p:stCondLst>
                                   <p:childTnLst>
                                     <p:set>
                                       <p:cBhvr>
+                                        <p:cTn id="13" dur="1" fill="hold">
+                                          <p:stCondLst>
+                                            <p:cond delay="0"/>
+                                          </p:stCondLst>
+                                        </p:cTn>
+                                        <p:tgtEl>
+                                          <p:spTgt spid="26"/>
+                                        </p:tgtEl>
+                                        <p:attrNameLst>
+                                          <p:attrName>style.visibility</p:attrName>
+                                        </p:attrNameLst>
+                                      </p:cBhvr>
+                                      <p:to>
+                                        <p:strVal val="visible"/>
+                                      </p:to>
+                                    </p:set>
+                                    <p:animEffect transition="in" filter="fade">
+                                      <p:cBhvr>
+                                        <p:cTn id="14" dur="500"/>
+                                        <p:tgtEl>
+                                          <p:spTgt spid="26"/>
+                                        </p:tgtEl>
+                                      </p:cBhvr>
+                                    </p:animEffect>
+                                  </p:childTnLst>
+                                </p:cTn>
+                              </p:par>
+                              <p:par>
+                                <p:cTn id="15" presetID="10" presetClass="entr" presetSubtype="0" fill="hold" grpId="0" nodeType="withEffect">
+                                  <p:stCondLst>
+                                    <p:cond delay="0"/>
+                                  </p:stCondLst>
+                                  <p:childTnLst>
+                                    <p:set>
+                                      <p:cBhvr>
                                         <p:cTn id="16" dur="1" fill="hold">
                                           <p:stCondLst>
                                             <p:cond delay="0"/>
                                           </p:stCondLst>
                                         </p:cTn>
                                         <p:tgtEl>
-                                          <p:spTgt spid="24"/>
+                                          <p:spTgt spid="32"/>
                                         </p:tgtEl>
                                         <p:attrNameLst>
                                           <p:attrName>style.visibility</p:attrName>
@@ -5734,7 +5830,7 @@
                                       <p:cBhvr>
                                         <p:cTn id="17" dur="500"/>
                                         <p:tgtEl>
-                                          <p:spTgt spid="24"/>
+                                          <p:spTgt spid="32"/>
                                         </p:tgtEl>
                                       </p:cBhvr>
                                     </p:animEffect>
@@ -5742,7 +5838,7 @@
                                 </p:cTn>
                               </p:par>
                               <p:par>
-                                <p:cTn id="18" presetID="10" presetClass="entr" presetSubtype="0" fill="hold" nodeType="withEffect">
+                                <p:cTn id="18" presetID="10" presetClass="entr" presetSubtype="0" fill="hold" grpId="0" nodeType="withEffect">
                                   <p:stCondLst>
                                     <p:cond delay="0"/>
                                   </p:stCondLst>
@@ -5755,7 +5851,7 @@
                                           </p:stCondLst>
                                         </p:cTn>
                                         <p:tgtEl>
-                                          <p:spTgt spid="26"/>
+                                          <p:spTgt spid="33"/>
                                         </p:tgtEl>
                                         <p:attrNameLst>
                                           <p:attrName>style.visibility</p:attrName>
@@ -5769,7 +5865,7 @@
                                       <p:cBhvr>
                                         <p:cTn id="20" dur="500"/>
                                         <p:tgtEl>
-                                          <p:spTgt spid="26"/>
+                                          <p:spTgt spid="33"/>
                                         </p:tgtEl>
                                       </p:cBhvr>
                                     </p:animEffect>
@@ -5777,7 +5873,7 @@
                                 </p:cTn>
                               </p:par>
                               <p:par>
-                                <p:cTn id="21" presetID="10" presetClass="entr" presetSubtype="0" fill="hold" grpId="0" nodeType="withEffect">
+                                <p:cTn id="21" presetID="10" presetClass="entr" presetSubtype="0" fill="hold" nodeType="withEffect">
                                   <p:stCondLst>
                                     <p:cond delay="0"/>
                                   </p:stCondLst>
@@ -5790,7 +5886,7 @@
                                           </p:stCondLst>
                                         </p:cTn>
                                         <p:tgtEl>
-                                          <p:spTgt spid="32"/>
+                                          <p:spTgt spid="45"/>
                                         </p:tgtEl>
                                         <p:attrNameLst>
                                           <p:attrName>style.visibility</p:attrName>
@@ -5804,7 +5900,7 @@
                                       <p:cBhvr>
                                         <p:cTn id="23" dur="500"/>
                                         <p:tgtEl>
-                                          <p:spTgt spid="32"/>
+                                          <p:spTgt spid="45"/>
                                         </p:tgtEl>
                                       </p:cBhvr>
                                     </p:animEffect>
@@ -5812,7 +5908,7 @@
                                 </p:cTn>
                               </p:par>
                               <p:par>
-                                <p:cTn id="24" presetID="10" presetClass="entr" presetSubtype="0" fill="hold" grpId="0" nodeType="withEffect">
+                                <p:cTn id="24" presetID="10" presetClass="entr" presetSubtype="0" fill="hold" nodeType="withEffect">
                                   <p:stCondLst>
                                     <p:cond delay="0"/>
                                   </p:stCondLst>
@@ -5825,7 +5921,7 @@
                                           </p:stCondLst>
                                         </p:cTn>
                                         <p:tgtEl>
-                                          <p:spTgt spid="33"/>
+                                          <p:spTgt spid="47"/>
                                         </p:tgtEl>
                                         <p:attrNameLst>
                                           <p:attrName>style.visibility</p:attrName>
@@ -5839,7 +5935,7 @@
                                       <p:cBhvr>
                                         <p:cTn id="26" dur="500"/>
                                         <p:tgtEl>
-                                          <p:spTgt spid="33"/>
+                                          <p:spTgt spid="47"/>
                                         </p:tgtEl>
                                       </p:cBhvr>
                                     </p:animEffect>
@@ -5860,7 +5956,7 @@
                                           </p:stCondLst>
                                         </p:cTn>
                                         <p:tgtEl>
-                                          <p:spTgt spid="45"/>
+                                          <p:spTgt spid="49"/>
                                         </p:tgtEl>
                                         <p:attrNameLst>
                                           <p:attrName>style.visibility</p:attrName>
@@ -5873,76 +5969,6 @@
                                     <p:animEffect transition="in" filter="fade">
                                       <p:cBhvr>
                                         <p:cTn id="29" dur="500"/>
-                                        <p:tgtEl>
-                                          <p:spTgt spid="45"/>
-                                        </p:tgtEl>
-                                      </p:cBhvr>
-                                    </p:animEffect>
-                                  </p:childTnLst>
-                                </p:cTn>
-                              </p:par>
-                              <p:par>
-                                <p:cTn id="30" presetID="10" presetClass="entr" presetSubtype="0" fill="hold" nodeType="withEffect">
-                                  <p:stCondLst>
-                                    <p:cond delay="0"/>
-                                  </p:stCondLst>
-                                  <p:childTnLst>
-                                    <p:set>
-                                      <p:cBhvr>
-                                        <p:cTn id="31" dur="1" fill="hold">
-                                          <p:stCondLst>
-                                            <p:cond delay="0"/>
-                                          </p:stCondLst>
-                                        </p:cTn>
-                                        <p:tgtEl>
-                                          <p:spTgt spid="47"/>
-                                        </p:tgtEl>
-                                        <p:attrNameLst>
-                                          <p:attrName>style.visibility</p:attrName>
-                                        </p:attrNameLst>
-                                      </p:cBhvr>
-                                      <p:to>
-                                        <p:strVal val="visible"/>
-                                      </p:to>
-                                    </p:set>
-                                    <p:animEffect transition="in" filter="fade">
-                                      <p:cBhvr>
-                                        <p:cTn id="32" dur="500"/>
-                                        <p:tgtEl>
-                                          <p:spTgt spid="47"/>
-                                        </p:tgtEl>
-                                      </p:cBhvr>
-                                    </p:animEffect>
-                                  </p:childTnLst>
-                                </p:cTn>
-                              </p:par>
-                              <p:par>
-                                <p:cTn id="33" presetID="10" presetClass="entr" presetSubtype="0" fill="hold" nodeType="withEffect">
-                                  <p:stCondLst>
-                                    <p:cond delay="0"/>
-                                  </p:stCondLst>
-                                  <p:childTnLst>
-                                    <p:set>
-                                      <p:cBhvr>
-                                        <p:cTn id="34" dur="1" fill="hold">
-                                          <p:stCondLst>
-                                            <p:cond delay="0"/>
-                                          </p:stCondLst>
-                                        </p:cTn>
-                                        <p:tgtEl>
-                                          <p:spTgt spid="49"/>
-                                        </p:tgtEl>
-                                        <p:attrNameLst>
-                                          <p:attrName>style.visibility</p:attrName>
-                                        </p:attrNameLst>
-                                      </p:cBhvr>
-                                      <p:to>
-                                        <p:strVal val="visible"/>
-                                      </p:to>
-                                    </p:set>
-                                    <p:animEffect transition="in" filter="fade">
-                                      <p:cBhvr>
-                                        <p:cTn id="35" dur="500"/>
                                         <p:tgtEl>
                                           <p:spTgt spid="49"/>
                                         </p:tgtEl>
@@ -5954,30 +5980,21 @@
                             </p:childTnLst>
                           </p:cTn>
                         </p:par>
-                      </p:childTnLst>
-                    </p:cTn>
-                  </p:par>
-                  <p:par>
-                    <p:cTn id="36" fill="hold">
-                      <p:stCondLst>
-                        <p:cond delay="indefinite"/>
-                      </p:stCondLst>
-                      <p:childTnLst>
                         <p:par>
-                          <p:cTn id="37" fill="hold">
+                          <p:cTn id="30" fill="hold">
                             <p:stCondLst>
-                              <p:cond delay="0"/>
+                              <p:cond delay="1000"/>
                             </p:stCondLst>
                             <p:childTnLst>
                               <p:par>
-                                <p:cTn id="38" presetID="22" presetClass="entr" presetSubtype="2" fill="hold" nodeType="clickEffect">
+                                <p:cTn id="31" presetID="22" presetClass="entr" presetSubtype="2" fill="hold" nodeType="afterEffect">
                                   <p:stCondLst>
                                     <p:cond delay="0"/>
                                   </p:stCondLst>
                                   <p:childTnLst>
                                     <p:set>
                                       <p:cBhvr>
-                                        <p:cTn id="39" dur="1" fill="hold">
+                                        <p:cTn id="32" dur="1" fill="hold">
                                           <p:stCondLst>
                                             <p:cond delay="0"/>
                                           </p:stCondLst>
@@ -5995,7 +6012,7 @@
                                     </p:set>
                                     <p:animEffect transition="in" filter="wipe(right)">
                                       <p:cBhvr>
-                                        <p:cTn id="40" dur="500"/>
+                                        <p:cTn id="33" dur="500"/>
                                         <p:tgtEl>
                                           <p:spTgt spid="34"/>
                                         </p:tgtEl>
@@ -6005,14 +6022,14 @@
                                 </p:cTn>
                               </p:par>
                               <p:par>
-                                <p:cTn id="41" presetID="22" presetClass="entr" presetSubtype="2" fill="hold" nodeType="withEffect">
+                                <p:cTn id="34" presetID="22" presetClass="entr" presetSubtype="2" fill="hold" nodeType="withEffect">
                                   <p:stCondLst>
                                     <p:cond delay="0"/>
                                   </p:stCondLst>
                                   <p:childTnLst>
                                     <p:set>
                                       <p:cBhvr>
-                                        <p:cTn id="42" dur="1" fill="hold">
+                                        <p:cTn id="35" dur="1" fill="hold">
                                           <p:stCondLst>
                                             <p:cond delay="0"/>
                                           </p:stCondLst>
@@ -6030,7 +6047,7 @@
                                     </p:set>
                                     <p:animEffect transition="in" filter="wipe(right)">
                                       <p:cBhvr>
-                                        <p:cTn id="43" dur="500"/>
+                                        <p:cTn id="36" dur="500"/>
                                         <p:tgtEl>
                                           <p:spTgt spid="37"/>
                                         </p:tgtEl>
@@ -6067,7 +6084,6 @@
       </p:par>
     </p:tnLst>
     <p:bldLst>
-      <p:bldP spid="3" grpId="0"/>
       <p:bldP spid="32" grpId="0" animBg="1"/>
       <p:bldP spid="33" grpId="0" animBg="1"/>
     </p:bldLst>
@@ -6216,10 +6232,10 @@
       </p:sp>
       <p:pic>
         <p:nvPicPr>
-          <p:cNvPr id="7" name="Picture 6">
-            <a:extLst>
-              <a:ext uri="{FF2B5EF4-FFF2-40B4-BE49-F238E27FC236}">
-                <a16:creationId xmlns:a16="http://schemas.microsoft.com/office/drawing/2014/main" id="{C2336205-C0AC-5E4E-EEDC-C0FACE5AB780}"/>
+          <p:cNvPr id="6" name="Picture 5">
+            <a:extLst>
+              <a:ext uri="{FF2B5EF4-FFF2-40B4-BE49-F238E27FC236}">
+                <a16:creationId xmlns:a16="http://schemas.microsoft.com/office/drawing/2014/main" id="{7DA9492F-5603-ECF1-C929-C1263A558E3D}"/>
               </a:ext>
             </a:extLst>
           </p:cNvPr>
@@ -6236,8 +6252,8 @@
         </p:blipFill>
         <p:spPr>
           <a:xfrm>
-            <a:off x="834230" y="5038725"/>
-            <a:ext cx="4877481" cy="1286054"/>
+            <a:off x="497303" y="2287226"/>
+            <a:ext cx="5601482" cy="3219899"/>
           </a:xfrm>
           <a:prstGeom prst="rect">
             <a:avLst/>
@@ -6246,10 +6262,10 @@
       </p:pic>
       <p:pic>
         <p:nvPicPr>
-          <p:cNvPr id="15" name="Picture 14">
-            <a:extLst>
-              <a:ext uri="{FF2B5EF4-FFF2-40B4-BE49-F238E27FC236}">
-                <a16:creationId xmlns:a16="http://schemas.microsoft.com/office/drawing/2014/main" id="{D42AA0F5-29ED-D1C4-8E3C-C37B0BC001FB}"/>
+          <p:cNvPr id="9" name="Picture 8">
+            <a:extLst>
+              <a:ext uri="{FF2B5EF4-FFF2-40B4-BE49-F238E27FC236}">
+                <a16:creationId xmlns:a16="http://schemas.microsoft.com/office/drawing/2014/main" id="{C4AE12A1-9F27-ED99-3CC9-DE22F90BBE04}"/>
               </a:ext>
             </a:extLst>
           </p:cNvPr>
@@ -6266,8 +6282,8 @@
         </p:blipFill>
         <p:spPr>
           <a:xfrm>
-            <a:off x="4743261" y="1902269"/>
-            <a:ext cx="2705478" cy="285790"/>
+            <a:off x="7582043" y="1702090"/>
+            <a:ext cx="3410426" cy="2105319"/>
           </a:xfrm>
           <a:prstGeom prst="rect">
             <a:avLst/>
@@ -6276,10 +6292,10 @@
       </p:pic>
       <p:pic>
         <p:nvPicPr>
-          <p:cNvPr id="16" name="Picture 15">
-            <a:extLst>
-              <a:ext uri="{FF2B5EF4-FFF2-40B4-BE49-F238E27FC236}">
-                <a16:creationId xmlns:a16="http://schemas.microsoft.com/office/drawing/2014/main" id="{93E19573-7D67-DD32-F62F-9FC1A9E9691E}"/>
+          <p:cNvPr id="11" name="Picture 10">
+            <a:extLst>
+              <a:ext uri="{FF2B5EF4-FFF2-40B4-BE49-F238E27FC236}">
+                <a16:creationId xmlns:a16="http://schemas.microsoft.com/office/drawing/2014/main" id="{B548EC3F-A9B0-8DB1-5CFA-67ABD94AC522}"/>
               </a:ext>
             </a:extLst>
           </p:cNvPr>
@@ -6296,128 +6312,8 @@
         </p:blipFill>
         <p:spPr>
           <a:xfrm>
-            <a:off x="1955307" y="3278914"/>
-            <a:ext cx="606654" cy="1530298"/>
-          </a:xfrm>
-          <a:prstGeom prst="rect">
-            <a:avLst/>
-          </a:prstGeom>
-        </p:spPr>
-      </p:pic>
-      <p:pic>
-        <p:nvPicPr>
-          <p:cNvPr id="17" name="Picture 16">
-            <a:extLst>
-              <a:ext uri="{FF2B5EF4-FFF2-40B4-BE49-F238E27FC236}">
-                <a16:creationId xmlns:a16="http://schemas.microsoft.com/office/drawing/2014/main" id="{9A931C5B-B1AF-FB79-16A0-E9E20C534426}"/>
-              </a:ext>
-            </a:extLst>
-          </p:cNvPr>
-          <p:cNvPicPr>
-            <a:picLocks noChangeAspect="1"/>
-          </p:cNvPicPr>
-          <p:nvPr/>
-        </p:nvPicPr>
-        <p:blipFill>
-          <a:blip r:embed="rId6"/>
-          <a:stretch>
-            <a:fillRect/>
-          </a:stretch>
-        </p:blipFill>
-        <p:spPr>
-          <a:xfrm>
-            <a:off x="1242520" y="3278914"/>
-            <a:ext cx="606654" cy="1530298"/>
-          </a:xfrm>
-          <a:prstGeom prst="rect">
-            <a:avLst/>
-          </a:prstGeom>
-        </p:spPr>
-      </p:pic>
-      <p:pic>
-        <p:nvPicPr>
-          <p:cNvPr id="23" name="Picture 22">
-            <a:extLst>
-              <a:ext uri="{FF2B5EF4-FFF2-40B4-BE49-F238E27FC236}">
-                <a16:creationId xmlns:a16="http://schemas.microsoft.com/office/drawing/2014/main" id="{185DC6A3-22A7-5737-0B94-06AD4EDA97B4}"/>
-              </a:ext>
-            </a:extLst>
-          </p:cNvPr>
-          <p:cNvPicPr>
-            <a:picLocks noChangeAspect="1"/>
-          </p:cNvPicPr>
-          <p:nvPr/>
-        </p:nvPicPr>
-        <p:blipFill>
-          <a:blip r:embed="rId7"/>
-          <a:stretch>
-            <a:fillRect/>
-          </a:stretch>
-        </p:blipFill>
-        <p:spPr>
-          <a:xfrm>
-            <a:off x="6480291" y="5038725"/>
-            <a:ext cx="5010849" cy="657317"/>
-          </a:xfrm>
-          <a:prstGeom prst="rect">
-            <a:avLst/>
-          </a:prstGeom>
-        </p:spPr>
-      </p:pic>
-      <p:pic>
-        <p:nvPicPr>
-          <p:cNvPr id="25" name="Picture 24">
-            <a:extLst>
-              <a:ext uri="{FF2B5EF4-FFF2-40B4-BE49-F238E27FC236}">
-                <a16:creationId xmlns:a16="http://schemas.microsoft.com/office/drawing/2014/main" id="{97D4719D-2230-F307-0EFE-C8D5B62DAF04}"/>
-              </a:ext>
-            </a:extLst>
-          </p:cNvPr>
-          <p:cNvPicPr>
-            <a:picLocks noChangeAspect="1"/>
-          </p:cNvPicPr>
-          <p:nvPr/>
-        </p:nvPicPr>
-        <p:blipFill>
-          <a:blip r:embed="rId8"/>
-          <a:stretch>
-            <a:fillRect/>
-          </a:stretch>
-        </p:blipFill>
-        <p:spPr>
-          <a:xfrm>
-            <a:off x="6489817" y="5781767"/>
-            <a:ext cx="5001323" cy="685896"/>
-          </a:xfrm>
-          <a:prstGeom prst="rect">
-            <a:avLst/>
-          </a:prstGeom>
-        </p:spPr>
-      </p:pic>
-      <p:pic>
-        <p:nvPicPr>
-          <p:cNvPr id="26" name="Picture 25">
-            <a:extLst>
-              <a:ext uri="{FF2B5EF4-FFF2-40B4-BE49-F238E27FC236}">
-                <a16:creationId xmlns:a16="http://schemas.microsoft.com/office/drawing/2014/main" id="{66CFBC06-3998-8E5C-E552-3944D09CDDDC}"/>
-              </a:ext>
-            </a:extLst>
-          </p:cNvPr>
-          <p:cNvPicPr>
-            <a:picLocks noChangeAspect="1"/>
-          </p:cNvPicPr>
-          <p:nvPr/>
-        </p:nvPicPr>
-        <p:blipFill>
-          <a:blip r:embed="rId9"/>
-          <a:stretch>
-            <a:fillRect/>
-          </a:stretch>
-        </p:blipFill>
-        <p:spPr>
-          <a:xfrm>
-            <a:off x="9933367" y="3504105"/>
-            <a:ext cx="1228896" cy="1305107"/>
+            <a:off x="7582043" y="4151375"/>
+            <a:ext cx="3658111" cy="1695687"/>
           </a:xfrm>
           <a:prstGeom prst="rect">
             <a:avLst/>
@@ -6426,29 +6322,28 @@
       </p:pic>
       <p:cxnSp>
         <p:nvCxnSpPr>
-          <p:cNvPr id="36" name="Connector: Elbow 35">
-            <a:extLst>
-              <a:ext uri="{FF2B5EF4-FFF2-40B4-BE49-F238E27FC236}">
-                <a16:creationId xmlns:a16="http://schemas.microsoft.com/office/drawing/2014/main" id="{26788375-29BF-4428-2871-F8829FADD35C}"/>
+          <p:cNvPr id="13" name="Connector: Elbow 12">
+            <a:extLst>
+              <a:ext uri="{FF2B5EF4-FFF2-40B4-BE49-F238E27FC236}">
+                <a16:creationId xmlns:a16="http://schemas.microsoft.com/office/drawing/2014/main" id="{3AC6DADB-82FA-901F-5061-72B056D90385}"/>
               </a:ext>
             </a:extLst>
           </p:cNvPr>
           <p:cNvCxnSpPr>
             <a:cxnSpLocks/>
-            <a:stCxn id="15" idx="2"/>
-            <a:endCxn id="23" idx="0"/>
+            <a:stCxn id="6" idx="3"/>
           </p:cNvCxnSpPr>
           <p:nvPr/>
         </p:nvCxnSpPr>
         <p:spPr>
-          <a:xfrm rot="16200000" flipH="1">
-            <a:off x="6115525" y="2168534"/>
-            <a:ext cx="2850666" cy="2889716"/>
+          <a:xfrm>
+            <a:off x="6098785" y="3897176"/>
+            <a:ext cx="1483258" cy="978408"/>
           </a:xfrm>
           <a:prstGeom prst="bentConnector3">
             <a:avLst/>
           </a:prstGeom>
-          <a:ln w="19050">
+          <a:ln w="12700">
             <a:tailEnd type="triangle"/>
           </a:ln>
         </p:spPr>
@@ -6469,10 +6364,10 @@
       </p:cxnSp>
       <p:cxnSp>
         <p:nvCxnSpPr>
-          <p:cNvPr id="38" name="Connector: Elbow 37">
-            <a:extLst>
-              <a:ext uri="{FF2B5EF4-FFF2-40B4-BE49-F238E27FC236}">
-                <a16:creationId xmlns:a16="http://schemas.microsoft.com/office/drawing/2014/main" id="{6B63E060-C199-3BCE-DD8E-B80225DCF634}"/>
+          <p:cNvPr id="18" name="Connector: Elbow 17">
+            <a:extLst>
+              <a:ext uri="{FF2B5EF4-FFF2-40B4-BE49-F238E27FC236}">
+                <a16:creationId xmlns:a16="http://schemas.microsoft.com/office/drawing/2014/main" id="{C0DDB1AB-8E97-ED2C-C5FA-7AD744F27CAE}"/>
               </a:ext>
             </a:extLst>
           </p:cNvPr>
@@ -6482,14 +6377,14 @@
           <p:nvPr/>
         </p:nvCxnSpPr>
         <p:spPr>
-          <a:xfrm rot="5400000">
-            <a:off x="3225810" y="2168534"/>
-            <a:ext cx="2850666" cy="2889716"/>
+          <a:xfrm flipV="1">
+            <a:off x="6096000" y="2906576"/>
+            <a:ext cx="1483258" cy="978408"/>
           </a:xfrm>
           <a:prstGeom prst="bentConnector3">
             <a:avLst/>
           </a:prstGeom>
-          <a:ln w="19050">
+          <a:ln w="12700">
             <a:tailEnd type="triangle"/>
           </a:ln>
         </p:spPr>
@@ -6508,49 +6403,6 @@
           </a:fontRef>
         </p:style>
       </p:cxnSp>
-      <p:sp>
-        <p:nvSpPr>
-          <p:cNvPr id="39" name="TextBox 38">
-            <a:extLst>
-              <a:ext uri="{FF2B5EF4-FFF2-40B4-BE49-F238E27FC236}">
-                <a16:creationId xmlns:a16="http://schemas.microsoft.com/office/drawing/2014/main" id="{5718413C-A089-DED8-2651-360BBDE514F9}"/>
-              </a:ext>
-            </a:extLst>
-          </p:cNvPr>
-          <p:cNvSpPr txBox="1"/>
-          <p:nvPr/>
-        </p:nvSpPr>
-        <p:spPr>
-          <a:xfrm>
-            <a:off x="6170426" y="2683359"/>
-            <a:ext cx="1829932" cy="371959"/>
-          </a:xfrm>
-          <a:prstGeom prst="rect">
-            <a:avLst/>
-          </a:prstGeom>
-          <a:noFill/>
-        </p:spPr>
-        <p:txBody>
-          <a:bodyPr wrap="square" rtlCol="0">
-            <a:spAutoFit/>
-          </a:bodyPr>
-          <a:lstStyle/>
-          <a:p>
-            <a:r>
-              <a:rPr lang="en-US" dirty="0"/>
-              <a:t>(</a:t>
-            </a:r>
-            <a:r>
-              <a:rPr lang="en-US" dirty="0" err="1"/>
-              <a:t>Downcasting</a:t>
-            </a:r>
-            <a:r>
-              <a:rPr lang="en-US" dirty="0"/>
-              <a:t>)</a:t>
-            </a:r>
-          </a:p>
-        </p:txBody>
-      </p:sp>
     </p:spTree>
     <p:extLst>
       <p:ext uri="{BB962C8B-B14F-4D97-AF65-F5344CB8AC3E}">
@@ -6585,6 +6437,9 @@
                     <p:cTn id="3" fill="hold">
                       <p:stCondLst>
                         <p:cond delay="indefinite"/>
+                        <p:cond evt="onBegin" delay="0">
+                          <p:tn val="2"/>
+                        </p:cond>
                       </p:stCondLst>
                       <p:childTnLst>
                         <p:par>
@@ -6594,7 +6449,7 @@
                             </p:stCondLst>
                             <p:childTnLst>
                               <p:par>
-                                <p:cTn id="5" presetID="10" presetClass="entr" presetSubtype="0" fill="hold" grpId="0" nodeType="clickEffect">
+                                <p:cTn id="5" presetID="22" presetClass="entr" presetSubtype="8" fill="hold" nodeType="afterEffect">
                                   <p:stCondLst>
                                     <p:cond delay="0"/>
                                   </p:stCondLst>
@@ -6607,7 +6462,7 @@
                                           </p:stCondLst>
                                         </p:cTn>
                                         <p:tgtEl>
-                                          <p:spTgt spid="2"/>
+                                          <p:spTgt spid="18"/>
                                         </p:tgtEl>
                                         <p:attrNameLst>
                                           <p:attrName>style.visibility</p:attrName>
@@ -6617,11 +6472,630 @@
                                         <p:strVal val="visible"/>
                                       </p:to>
                                     </p:set>
-                                    <p:animEffect transition="in" filter="fade">
+                                    <p:animEffect transition="in" filter="wipe(left)">
                                       <p:cBhvr>
                                         <p:cTn id="7" dur="500"/>
                                         <p:tgtEl>
-                                          <p:spTgt spid="2"/>
+                                          <p:spTgt spid="18"/>
+                                        </p:tgtEl>
+                                      </p:cBhvr>
+                                    </p:animEffect>
+                                  </p:childTnLst>
+                                </p:cTn>
+                              </p:par>
+                              <p:par>
+                                <p:cTn id="8" presetID="22" presetClass="entr" presetSubtype="8" fill="hold" nodeType="withEffect">
+                                  <p:stCondLst>
+                                    <p:cond delay="0"/>
+                                  </p:stCondLst>
+                                  <p:childTnLst>
+                                    <p:set>
+                                      <p:cBhvr>
+                                        <p:cTn id="9" dur="1" fill="hold">
+                                          <p:stCondLst>
+                                            <p:cond delay="0"/>
+                                          </p:stCondLst>
+                                        </p:cTn>
+                                        <p:tgtEl>
+                                          <p:spTgt spid="13"/>
+                                        </p:tgtEl>
+                                        <p:attrNameLst>
+                                          <p:attrName>style.visibility</p:attrName>
+                                        </p:attrNameLst>
+                                      </p:cBhvr>
+                                      <p:to>
+                                        <p:strVal val="visible"/>
+                                      </p:to>
+                                    </p:set>
+                                    <p:animEffect transition="in" filter="wipe(left)">
+                                      <p:cBhvr>
+                                        <p:cTn id="10" dur="500"/>
+                                        <p:tgtEl>
+                                          <p:spTgt spid="13"/>
+                                        </p:tgtEl>
+                                      </p:cBhvr>
+                                    </p:animEffect>
+                                  </p:childTnLst>
+                                </p:cTn>
+                              </p:par>
+                            </p:childTnLst>
+                          </p:cTn>
+                        </p:par>
+                      </p:childTnLst>
+                    </p:cTn>
+                  </p:par>
+                </p:childTnLst>
+              </p:cTn>
+              <p:prevCondLst>
+                <p:cond evt="onPrev" delay="0">
+                  <p:tgtEl>
+                    <p:sldTgt/>
+                  </p:tgtEl>
+                </p:cond>
+              </p:prevCondLst>
+              <p:nextCondLst>
+                <p:cond evt="onNext" delay="0">
+                  <p:tgtEl>
+                    <p:sldTgt/>
+                  </p:tgtEl>
+                </p:cond>
+              </p:nextCondLst>
+            </p:seq>
+          </p:childTnLst>
+        </p:cTn>
+      </p:par>
+    </p:tnLst>
+  </p:timing>
+</p:sld>
+</file>
+
+<file path=ppt/slides/slide13.xml><?xml version="1.0" encoding="utf-8"?>
+<p:sld xmlns:a="http://schemas.openxmlformats.org/drawingml/2006/main" xmlns:r="http://schemas.openxmlformats.org/officeDocument/2006/relationships" xmlns:p="http://schemas.openxmlformats.org/presentationml/2006/main">
+  <p:cSld>
+    <p:spTree>
+      <p:nvGrpSpPr>
+        <p:cNvPr id="1" name=""/>
+        <p:cNvGrpSpPr/>
+        <p:nvPr/>
+      </p:nvGrpSpPr>
+      <p:grpSpPr>
+        <a:xfrm>
+          <a:off x="0" y="0"/>
+          <a:ext cx="0" cy="0"/>
+          <a:chOff x="0" y="0"/>
+          <a:chExt cx="0" cy="0"/>
+        </a:xfrm>
+      </p:grpSpPr>
+      <p:sp>
+        <p:nvSpPr>
+          <p:cNvPr id="4" name="Rectangle 3">
+            <a:extLst>
+              <a:ext uri="{FF2B5EF4-FFF2-40B4-BE49-F238E27FC236}">
+                <a16:creationId xmlns:a16="http://schemas.microsoft.com/office/drawing/2014/main" id="{FD279EC6-212B-2A79-9CA2-3939E4224658}"/>
+              </a:ext>
+            </a:extLst>
+          </p:cNvPr>
+          <p:cNvSpPr/>
+          <p:nvPr/>
+        </p:nvSpPr>
+        <p:spPr>
+          <a:xfrm>
+            <a:off x="0" y="0"/>
+            <a:ext cx="12192000" cy="1320800"/>
+          </a:xfrm>
+          <a:prstGeom prst="rect">
+            <a:avLst/>
+          </a:prstGeom>
+        </p:spPr>
+        <p:style>
+          <a:lnRef idx="2">
+            <a:schemeClr val="dk1">
+              <a:shade val="15000"/>
+            </a:schemeClr>
+          </a:lnRef>
+          <a:fillRef idx="1">
+            <a:schemeClr val="dk1"/>
+          </a:fillRef>
+          <a:effectRef idx="0">
+            <a:schemeClr val="dk1"/>
+          </a:effectRef>
+          <a:fontRef idx="minor">
+            <a:schemeClr val="lt1"/>
+          </a:fontRef>
+        </p:style>
+        <p:txBody>
+          <a:bodyPr rtlCol="0" anchor="ctr"/>
+          <a:lstStyle/>
+          <a:p>
+            <a:pPr algn="ctr"/>
+            <a:endParaRPr lang="en-US"/>
+          </a:p>
+        </p:txBody>
+      </p:sp>
+      <p:sp>
+        <p:nvSpPr>
+          <p:cNvPr id="5" name="TextBox 4">
+            <a:extLst>
+              <a:ext uri="{FF2B5EF4-FFF2-40B4-BE49-F238E27FC236}">
+                <a16:creationId xmlns:a16="http://schemas.microsoft.com/office/drawing/2014/main" id="{748CED56-8AE0-DFCD-065F-533501D089E3}"/>
+              </a:ext>
+            </a:extLst>
+          </p:cNvPr>
+          <p:cNvSpPr txBox="1"/>
+          <p:nvPr/>
+        </p:nvSpPr>
+        <p:spPr>
+          <a:xfrm>
+            <a:off x="1734312" y="229513"/>
+            <a:ext cx="8723376" cy="861774"/>
+          </a:xfrm>
+          <a:prstGeom prst="rect">
+            <a:avLst/>
+          </a:prstGeom>
+          <a:noFill/>
+        </p:spPr>
+        <p:txBody>
+          <a:bodyPr wrap="square" rtlCol="0">
+            <a:spAutoFit/>
+          </a:bodyPr>
+          <a:lstStyle/>
+          <a:p>
+            <a:pPr algn="ctr"/>
+            <a:r>
+              <a:rPr lang="en-US" sz="5000" dirty="0">
+                <a:solidFill>
+                  <a:schemeClr val="bg1"/>
+                </a:solidFill>
+                <a:latin typeface="+mj-lt"/>
+              </a:rPr>
+              <a:t>VI. OOP Technique Explanation</a:t>
+            </a:r>
+          </a:p>
+        </p:txBody>
+      </p:sp>
+      <p:sp>
+        <p:nvSpPr>
+          <p:cNvPr id="2" name="TextBox 1">
+            <a:extLst>
+              <a:ext uri="{FF2B5EF4-FFF2-40B4-BE49-F238E27FC236}">
+                <a16:creationId xmlns:a16="http://schemas.microsoft.com/office/drawing/2014/main" id="{3CAACDD5-03CF-743C-F799-5306BF5EEEE7}"/>
+              </a:ext>
+            </a:extLst>
+          </p:cNvPr>
+          <p:cNvSpPr txBox="1"/>
+          <p:nvPr/>
+        </p:nvSpPr>
+        <p:spPr>
+          <a:xfrm>
+            <a:off x="497303" y="1425091"/>
+            <a:ext cx="5646058" cy="553998"/>
+          </a:xfrm>
+          <a:prstGeom prst="rect">
+            <a:avLst/>
+          </a:prstGeom>
+          <a:noFill/>
+        </p:spPr>
+        <p:txBody>
+          <a:bodyPr wrap="square" rtlCol="0">
+            <a:spAutoFit/>
+          </a:bodyPr>
+          <a:lstStyle/>
+          <a:p>
+            <a:r>
+              <a:rPr lang="en-US" sz="3000" dirty="0"/>
+              <a:t>II. Polymorphism</a:t>
+            </a:r>
+          </a:p>
+        </p:txBody>
+      </p:sp>
+      <p:pic>
+        <p:nvPicPr>
+          <p:cNvPr id="7" name="Picture 6">
+            <a:extLst>
+              <a:ext uri="{FF2B5EF4-FFF2-40B4-BE49-F238E27FC236}">
+                <a16:creationId xmlns:a16="http://schemas.microsoft.com/office/drawing/2014/main" id="{C2336205-C0AC-5E4E-EEDC-C0FACE5AB780}"/>
+              </a:ext>
+            </a:extLst>
+          </p:cNvPr>
+          <p:cNvPicPr>
+            <a:picLocks noChangeAspect="1"/>
+          </p:cNvPicPr>
+          <p:nvPr/>
+        </p:nvPicPr>
+        <p:blipFill>
+          <a:blip r:embed="rId3"/>
+          <a:stretch>
+            <a:fillRect/>
+          </a:stretch>
+        </p:blipFill>
+        <p:spPr>
+          <a:xfrm>
+            <a:off x="834230" y="5038725"/>
+            <a:ext cx="4877481" cy="1286054"/>
+          </a:xfrm>
+          <a:prstGeom prst="rect">
+            <a:avLst/>
+          </a:prstGeom>
+        </p:spPr>
+      </p:pic>
+      <p:pic>
+        <p:nvPicPr>
+          <p:cNvPr id="15" name="Picture 14">
+            <a:extLst>
+              <a:ext uri="{FF2B5EF4-FFF2-40B4-BE49-F238E27FC236}">
+                <a16:creationId xmlns:a16="http://schemas.microsoft.com/office/drawing/2014/main" id="{D42AA0F5-29ED-D1C4-8E3C-C37B0BC001FB}"/>
+              </a:ext>
+            </a:extLst>
+          </p:cNvPr>
+          <p:cNvPicPr>
+            <a:picLocks noChangeAspect="1"/>
+          </p:cNvPicPr>
+          <p:nvPr/>
+        </p:nvPicPr>
+        <p:blipFill>
+          <a:blip r:embed="rId4"/>
+          <a:stretch>
+            <a:fillRect/>
+          </a:stretch>
+        </p:blipFill>
+        <p:spPr>
+          <a:xfrm>
+            <a:off x="4743261" y="1902269"/>
+            <a:ext cx="2705478" cy="285790"/>
+          </a:xfrm>
+          <a:prstGeom prst="rect">
+            <a:avLst/>
+          </a:prstGeom>
+        </p:spPr>
+      </p:pic>
+      <p:pic>
+        <p:nvPicPr>
+          <p:cNvPr id="16" name="Picture 15">
+            <a:extLst>
+              <a:ext uri="{FF2B5EF4-FFF2-40B4-BE49-F238E27FC236}">
+                <a16:creationId xmlns:a16="http://schemas.microsoft.com/office/drawing/2014/main" id="{93E19573-7D67-DD32-F62F-9FC1A9E9691E}"/>
+              </a:ext>
+            </a:extLst>
+          </p:cNvPr>
+          <p:cNvPicPr>
+            <a:picLocks noChangeAspect="1"/>
+          </p:cNvPicPr>
+          <p:nvPr/>
+        </p:nvPicPr>
+        <p:blipFill>
+          <a:blip r:embed="rId5"/>
+          <a:stretch>
+            <a:fillRect/>
+          </a:stretch>
+        </p:blipFill>
+        <p:spPr>
+          <a:xfrm>
+            <a:off x="1955307" y="3278914"/>
+            <a:ext cx="606654" cy="1530298"/>
+          </a:xfrm>
+          <a:prstGeom prst="rect">
+            <a:avLst/>
+          </a:prstGeom>
+        </p:spPr>
+      </p:pic>
+      <p:pic>
+        <p:nvPicPr>
+          <p:cNvPr id="17" name="Picture 16">
+            <a:extLst>
+              <a:ext uri="{FF2B5EF4-FFF2-40B4-BE49-F238E27FC236}">
+                <a16:creationId xmlns:a16="http://schemas.microsoft.com/office/drawing/2014/main" id="{9A931C5B-B1AF-FB79-16A0-E9E20C534426}"/>
+              </a:ext>
+            </a:extLst>
+          </p:cNvPr>
+          <p:cNvPicPr>
+            <a:picLocks noChangeAspect="1"/>
+          </p:cNvPicPr>
+          <p:nvPr/>
+        </p:nvPicPr>
+        <p:blipFill>
+          <a:blip r:embed="rId6"/>
+          <a:stretch>
+            <a:fillRect/>
+          </a:stretch>
+        </p:blipFill>
+        <p:spPr>
+          <a:xfrm>
+            <a:off x="1242520" y="3278914"/>
+            <a:ext cx="606654" cy="1530298"/>
+          </a:xfrm>
+          <a:prstGeom prst="rect">
+            <a:avLst/>
+          </a:prstGeom>
+        </p:spPr>
+      </p:pic>
+      <p:pic>
+        <p:nvPicPr>
+          <p:cNvPr id="23" name="Picture 22">
+            <a:extLst>
+              <a:ext uri="{FF2B5EF4-FFF2-40B4-BE49-F238E27FC236}">
+                <a16:creationId xmlns:a16="http://schemas.microsoft.com/office/drawing/2014/main" id="{185DC6A3-22A7-5737-0B94-06AD4EDA97B4}"/>
+              </a:ext>
+            </a:extLst>
+          </p:cNvPr>
+          <p:cNvPicPr>
+            <a:picLocks noChangeAspect="1"/>
+          </p:cNvPicPr>
+          <p:nvPr/>
+        </p:nvPicPr>
+        <p:blipFill>
+          <a:blip r:embed="rId7"/>
+          <a:stretch>
+            <a:fillRect/>
+          </a:stretch>
+        </p:blipFill>
+        <p:spPr>
+          <a:xfrm>
+            <a:off x="6480291" y="5038725"/>
+            <a:ext cx="5010849" cy="657317"/>
+          </a:xfrm>
+          <a:prstGeom prst="rect">
+            <a:avLst/>
+          </a:prstGeom>
+        </p:spPr>
+      </p:pic>
+      <p:pic>
+        <p:nvPicPr>
+          <p:cNvPr id="25" name="Picture 24">
+            <a:extLst>
+              <a:ext uri="{FF2B5EF4-FFF2-40B4-BE49-F238E27FC236}">
+                <a16:creationId xmlns:a16="http://schemas.microsoft.com/office/drawing/2014/main" id="{97D4719D-2230-F307-0EFE-C8D5B62DAF04}"/>
+              </a:ext>
+            </a:extLst>
+          </p:cNvPr>
+          <p:cNvPicPr>
+            <a:picLocks noChangeAspect="1"/>
+          </p:cNvPicPr>
+          <p:nvPr/>
+        </p:nvPicPr>
+        <p:blipFill>
+          <a:blip r:embed="rId8"/>
+          <a:stretch>
+            <a:fillRect/>
+          </a:stretch>
+        </p:blipFill>
+        <p:spPr>
+          <a:xfrm>
+            <a:off x="6489817" y="5781767"/>
+            <a:ext cx="5001323" cy="685896"/>
+          </a:xfrm>
+          <a:prstGeom prst="rect">
+            <a:avLst/>
+          </a:prstGeom>
+        </p:spPr>
+      </p:pic>
+      <p:pic>
+        <p:nvPicPr>
+          <p:cNvPr id="26" name="Picture 25">
+            <a:extLst>
+              <a:ext uri="{FF2B5EF4-FFF2-40B4-BE49-F238E27FC236}">
+                <a16:creationId xmlns:a16="http://schemas.microsoft.com/office/drawing/2014/main" id="{66CFBC06-3998-8E5C-E552-3944D09CDDDC}"/>
+              </a:ext>
+            </a:extLst>
+          </p:cNvPr>
+          <p:cNvPicPr>
+            <a:picLocks noChangeAspect="1"/>
+          </p:cNvPicPr>
+          <p:nvPr/>
+        </p:nvPicPr>
+        <p:blipFill>
+          <a:blip r:embed="rId9"/>
+          <a:stretch>
+            <a:fillRect/>
+          </a:stretch>
+        </p:blipFill>
+        <p:spPr>
+          <a:xfrm>
+            <a:off x="9933367" y="3504105"/>
+            <a:ext cx="1228896" cy="1305107"/>
+          </a:xfrm>
+          <a:prstGeom prst="rect">
+            <a:avLst/>
+          </a:prstGeom>
+        </p:spPr>
+      </p:pic>
+      <p:cxnSp>
+        <p:nvCxnSpPr>
+          <p:cNvPr id="36" name="Connector: Elbow 35">
+            <a:extLst>
+              <a:ext uri="{FF2B5EF4-FFF2-40B4-BE49-F238E27FC236}">
+                <a16:creationId xmlns:a16="http://schemas.microsoft.com/office/drawing/2014/main" id="{26788375-29BF-4428-2871-F8829FADD35C}"/>
+              </a:ext>
+            </a:extLst>
+          </p:cNvPr>
+          <p:cNvCxnSpPr>
+            <a:cxnSpLocks/>
+            <a:stCxn id="15" idx="2"/>
+            <a:endCxn id="23" idx="0"/>
+          </p:cNvCxnSpPr>
+          <p:nvPr/>
+        </p:nvCxnSpPr>
+        <p:spPr>
+          <a:xfrm rot="16200000" flipH="1">
+            <a:off x="6115525" y="2168534"/>
+            <a:ext cx="2850666" cy="2889716"/>
+          </a:xfrm>
+          <a:prstGeom prst="bentConnector3">
+            <a:avLst/>
+          </a:prstGeom>
+          <a:ln w="19050">
+            <a:tailEnd type="triangle"/>
+          </a:ln>
+        </p:spPr>
+        <p:style>
+          <a:lnRef idx="1">
+            <a:schemeClr val="dk1"/>
+          </a:lnRef>
+          <a:fillRef idx="0">
+            <a:schemeClr val="dk1"/>
+          </a:fillRef>
+          <a:effectRef idx="0">
+            <a:schemeClr val="dk1"/>
+          </a:effectRef>
+          <a:fontRef idx="minor">
+            <a:schemeClr val="tx1"/>
+          </a:fontRef>
+        </p:style>
+      </p:cxnSp>
+      <p:cxnSp>
+        <p:nvCxnSpPr>
+          <p:cNvPr id="38" name="Connector: Elbow 37">
+            <a:extLst>
+              <a:ext uri="{FF2B5EF4-FFF2-40B4-BE49-F238E27FC236}">
+                <a16:creationId xmlns:a16="http://schemas.microsoft.com/office/drawing/2014/main" id="{6B63E060-C199-3BCE-DD8E-B80225DCF634}"/>
+              </a:ext>
+            </a:extLst>
+          </p:cNvPr>
+          <p:cNvCxnSpPr>
+            <a:cxnSpLocks/>
+          </p:cNvCxnSpPr>
+          <p:nvPr/>
+        </p:nvCxnSpPr>
+        <p:spPr>
+          <a:xfrm rot="5400000">
+            <a:off x="3225810" y="2168534"/>
+            <a:ext cx="2850666" cy="2889716"/>
+          </a:xfrm>
+          <a:prstGeom prst="bentConnector3">
+            <a:avLst/>
+          </a:prstGeom>
+          <a:ln w="19050">
+            <a:tailEnd type="triangle"/>
+          </a:ln>
+        </p:spPr>
+        <p:style>
+          <a:lnRef idx="1">
+            <a:schemeClr val="dk1"/>
+          </a:lnRef>
+          <a:fillRef idx="0">
+            <a:schemeClr val="dk1"/>
+          </a:fillRef>
+          <a:effectRef idx="0">
+            <a:schemeClr val="dk1"/>
+          </a:effectRef>
+          <a:fontRef idx="minor">
+            <a:schemeClr val="tx1"/>
+          </a:fontRef>
+        </p:style>
+      </p:cxnSp>
+      <p:sp>
+        <p:nvSpPr>
+          <p:cNvPr id="39" name="TextBox 38">
+            <a:extLst>
+              <a:ext uri="{FF2B5EF4-FFF2-40B4-BE49-F238E27FC236}">
+                <a16:creationId xmlns:a16="http://schemas.microsoft.com/office/drawing/2014/main" id="{5718413C-A089-DED8-2651-360BBDE514F9}"/>
+              </a:ext>
+            </a:extLst>
+          </p:cNvPr>
+          <p:cNvSpPr txBox="1"/>
+          <p:nvPr/>
+        </p:nvSpPr>
+        <p:spPr>
+          <a:xfrm>
+            <a:off x="6170426" y="2683359"/>
+            <a:ext cx="1829932" cy="371959"/>
+          </a:xfrm>
+          <a:prstGeom prst="rect">
+            <a:avLst/>
+          </a:prstGeom>
+          <a:noFill/>
+        </p:spPr>
+        <p:txBody>
+          <a:bodyPr wrap="square" rtlCol="0">
+            <a:spAutoFit/>
+          </a:bodyPr>
+          <a:lstStyle/>
+          <a:p>
+            <a:r>
+              <a:rPr lang="en-US" dirty="0"/>
+              <a:t>(</a:t>
+            </a:r>
+            <a:r>
+              <a:rPr lang="en-US" dirty="0" err="1"/>
+              <a:t>Downcasting</a:t>
+            </a:r>
+            <a:r>
+              <a:rPr lang="en-US" dirty="0"/>
+              <a:t>)</a:t>
+            </a:r>
+          </a:p>
+        </p:txBody>
+      </p:sp>
+    </p:spTree>
+    <p:extLst>
+      <p:ext uri="{BB962C8B-B14F-4D97-AF65-F5344CB8AC3E}">
+        <p14:creationId xmlns:p14="http://schemas.microsoft.com/office/powerpoint/2010/main" val="2653352829"/>
+      </p:ext>
+    </p:extLst>
+  </p:cSld>
+  <p:clrMapOvr>
+    <a:masterClrMapping/>
+  </p:clrMapOvr>
+  <mc:AlternateContent xmlns:mc="http://schemas.openxmlformats.org/markup-compatibility/2006">
+    <mc:Choice xmlns:p159="http://schemas.microsoft.com/office/powerpoint/2015/09/main" Requires="p159">
+      <p:transition xmlns:p14="http://schemas.microsoft.com/office/powerpoint/2010/main" spd="slow" p14:dur="2000">
+        <p159:morph option="byObject"/>
+      </p:transition>
+    </mc:Choice>
+    <mc:Fallback>
+      <p:transition spd="slow">
+        <p:fade/>
+      </p:transition>
+    </mc:Fallback>
+  </mc:AlternateContent>
+  <p:timing>
+    <p:tnLst>
+      <p:par>
+        <p:cTn id="1" dur="indefinite" restart="never" nodeType="tmRoot">
+          <p:childTnLst>
+            <p:seq concurrent="1" nextAc="seek">
+              <p:cTn id="2" dur="indefinite" nodeType="mainSeq">
+                <p:childTnLst>
+                  <p:par>
+                    <p:cTn id="3" fill="hold">
+                      <p:stCondLst>
+                        <p:cond delay="indefinite"/>
+                      </p:stCondLst>
+                      <p:childTnLst>
+                        <p:par>
+                          <p:cTn id="4" fill="hold">
+                            <p:stCondLst>
+                              <p:cond delay="0"/>
+                            </p:stCondLst>
+                            <p:childTnLst>
+                              <p:par>
+                                <p:cTn id="5" presetID="22" presetClass="entr" presetSubtype="1" fill="hold" nodeType="clickEffect">
+                                  <p:stCondLst>
+                                    <p:cond delay="0"/>
+                                  </p:stCondLst>
+                                  <p:childTnLst>
+                                    <p:set>
+                                      <p:cBhvr>
+                                        <p:cTn id="6" dur="1" fill="hold">
+                                          <p:stCondLst>
+                                            <p:cond delay="0"/>
+                                          </p:stCondLst>
+                                        </p:cTn>
+                                        <p:tgtEl>
+                                          <p:spTgt spid="15"/>
+                                        </p:tgtEl>
+                                        <p:attrNameLst>
+                                          <p:attrName>style.visibility</p:attrName>
+                                        </p:attrNameLst>
+                                      </p:cBhvr>
+                                      <p:to>
+                                        <p:strVal val="visible"/>
+                                      </p:to>
+                                    </p:set>
+                                    <p:animEffect transition="in" filter="wipe(up)">
+                                      <p:cBhvr>
+                                        <p:cTn id="7" dur="250"/>
+                                        <p:tgtEl>
+                                          <p:spTgt spid="15"/>
                                         </p:tgtEl>
                                       </p:cBhvr>
                                     </p:animEffect>
@@ -6660,7 +7134,7 @@
                                           </p:stCondLst>
                                         </p:cTn>
                                         <p:tgtEl>
-                                          <p:spTgt spid="15"/>
+                                          <p:spTgt spid="36"/>
                                         </p:tgtEl>
                                         <p:attrNameLst>
                                           <p:attrName>style.visibility</p:attrName>
@@ -6672,48 +7146,30 @@
                                     </p:set>
                                     <p:animEffect transition="in" filter="wipe(up)">
                                       <p:cBhvr>
-                                        <p:cTn id="12" dur="250"/>
-                                        <p:tgtEl>
-                                          <p:spTgt spid="15"/>
+                                        <p:cTn id="12" dur="500"/>
+                                        <p:tgtEl>
+                                          <p:spTgt spid="36"/>
                                         </p:tgtEl>
                                       </p:cBhvr>
                                     </p:animEffect>
                                   </p:childTnLst>
                                 </p:cTn>
                               </p:par>
-                            </p:childTnLst>
-                          </p:cTn>
-                        </p:par>
-                      </p:childTnLst>
-                    </p:cTn>
-                  </p:par>
-                  <p:par>
-                    <p:cTn id="13" fill="hold">
-                      <p:stCondLst>
-                        <p:cond delay="indefinite"/>
-                      </p:stCondLst>
-                      <p:childTnLst>
-                        <p:par>
-                          <p:cTn id="14" fill="hold">
-                            <p:stCondLst>
-                              <p:cond delay="0"/>
-                            </p:stCondLst>
-                            <p:childTnLst>
                               <p:par>
-                                <p:cTn id="15" presetID="22" presetClass="entr" presetSubtype="1" fill="hold" nodeType="clickEffect">
+                                <p:cTn id="13" presetID="22" presetClass="entr" presetSubtype="1" fill="hold" nodeType="withEffect">
                                   <p:stCondLst>
                                     <p:cond delay="0"/>
                                   </p:stCondLst>
                                   <p:childTnLst>
                                     <p:set>
                                       <p:cBhvr>
-                                        <p:cTn id="16" dur="1" fill="hold">
+                                        <p:cTn id="14" dur="1" fill="hold">
                                           <p:stCondLst>
                                             <p:cond delay="0"/>
                                           </p:stCondLst>
                                         </p:cTn>
                                         <p:tgtEl>
-                                          <p:spTgt spid="36"/>
+                                          <p:spTgt spid="38"/>
                                         </p:tgtEl>
                                         <p:attrNameLst>
                                           <p:attrName>style.visibility</p:attrName>
@@ -6725,9 +7181,9 @@
                                     </p:set>
                                     <p:animEffect transition="in" filter="wipe(up)">
                                       <p:cBhvr>
-                                        <p:cTn id="17" dur="500"/>
-                                        <p:tgtEl>
-                                          <p:spTgt spid="36"/>
+                                        <p:cTn id="15" dur="500"/>
+                                        <p:tgtEl>
+                                          <p:spTgt spid="38"/>
                                         </p:tgtEl>
                                       </p:cBhvr>
                                     </p:animEffect>
@@ -6735,20 +7191,24 @@
                                 </p:cTn>
                               </p:par>
                               <p:par>
-                                <p:cTn id="18" presetID="22" presetClass="entr" presetSubtype="1" fill="hold" nodeType="withEffect">
+                                <p:cTn id="16" presetID="22" presetClass="entr" presetSubtype="1" fill="hold" grpId="0" nodeType="withEffect">
                                   <p:stCondLst>
                                     <p:cond delay="0"/>
                                   </p:stCondLst>
                                   <p:childTnLst>
                                     <p:set>
                                       <p:cBhvr>
-                                        <p:cTn id="19" dur="1" fill="hold">
+                                        <p:cTn id="17" dur="1" fill="hold">
                                           <p:stCondLst>
                                             <p:cond delay="0"/>
                                           </p:stCondLst>
                                         </p:cTn>
                                         <p:tgtEl>
-                                          <p:spTgt spid="38"/>
+                                          <p:spTgt spid="39">
+                                            <p:txEl>
+                                              <p:pRg st="0" end="0"/>
+                                            </p:txEl>
+                                          </p:spTgt>
                                         </p:tgtEl>
                                         <p:attrNameLst>
                                           <p:attrName>style.visibility</p:attrName>
@@ -6760,46 +7220,7 @@
                                     </p:set>
                                     <p:animEffect transition="in" filter="wipe(up)">
                                       <p:cBhvr>
-                                        <p:cTn id="20" dur="500"/>
-                                        <p:tgtEl>
-                                          <p:spTgt spid="38"/>
-                                        </p:tgtEl>
-                                      </p:cBhvr>
-                                    </p:animEffect>
-                                  </p:childTnLst>
-                                </p:cTn>
-                              </p:par>
-                              <p:par>
-                                <p:cTn id="21" presetID="22" presetClass="entr" presetSubtype="1" fill="hold" grpId="0" nodeType="withEffect">
-                                  <p:stCondLst>
-                                    <p:cond delay="0"/>
-                                  </p:stCondLst>
-                                  <p:childTnLst>
-                                    <p:set>
-                                      <p:cBhvr>
-                                        <p:cTn id="22" dur="1" fill="hold">
-                                          <p:stCondLst>
-                                            <p:cond delay="0"/>
-                                          </p:stCondLst>
-                                        </p:cTn>
-                                        <p:tgtEl>
-                                          <p:spTgt spid="39">
-                                            <p:txEl>
-                                              <p:pRg st="0" end="0"/>
-                                            </p:txEl>
-                                          </p:spTgt>
-                                        </p:tgtEl>
-                                        <p:attrNameLst>
-                                          <p:attrName>style.visibility</p:attrName>
-                                        </p:attrNameLst>
-                                      </p:cBhvr>
-                                      <p:to>
-                                        <p:strVal val="visible"/>
-                                      </p:to>
-                                    </p:set>
-                                    <p:animEffect transition="in" filter="wipe(up)">
-                                      <p:cBhvr>
-                                        <p:cTn id="23" dur="500"/>
+                                        <p:cTn id="18" dur="500"/>
                                         <p:tgtEl>
                                           <p:spTgt spid="39">
                                             <p:txEl>
@@ -6816,20 +7237,20 @@
                           </p:cTn>
                         </p:par>
                         <p:par>
-                          <p:cTn id="24" fill="hold">
+                          <p:cTn id="19" fill="hold">
                             <p:stCondLst>
                               <p:cond delay="500"/>
                             </p:stCondLst>
                             <p:childTnLst>
                               <p:par>
-                                <p:cTn id="25" presetID="22" presetClass="entr" presetSubtype="1" fill="hold" nodeType="afterEffect">
+                                <p:cTn id="20" presetID="22" presetClass="entr" presetSubtype="1" fill="hold" nodeType="afterEffect">
                                   <p:stCondLst>
                                     <p:cond delay="0"/>
                                   </p:stCondLst>
                                   <p:childTnLst>
                                     <p:set>
                                       <p:cBhvr>
-                                        <p:cTn id="26" dur="1" fill="hold">
+                                        <p:cTn id="21" dur="1" fill="hold">
                                           <p:stCondLst>
                                             <p:cond delay="0"/>
                                           </p:stCondLst>
@@ -6847,7 +7268,7 @@
                                     </p:set>
                                     <p:animEffect transition="in" filter="wipe(up)">
                                       <p:cBhvr>
-                                        <p:cTn id="27" dur="500"/>
+                                        <p:cTn id="22" dur="500"/>
                                         <p:tgtEl>
                                           <p:spTgt spid="17"/>
                                         </p:tgtEl>
@@ -6857,14 +7278,14 @@
                                 </p:cTn>
                               </p:par>
                               <p:par>
-                                <p:cTn id="28" presetID="22" presetClass="entr" presetSubtype="1" fill="hold" nodeType="withEffect">
+                                <p:cTn id="23" presetID="22" presetClass="entr" presetSubtype="1" fill="hold" nodeType="withEffect">
                                   <p:stCondLst>
                                     <p:cond delay="0"/>
                                   </p:stCondLst>
                                   <p:childTnLst>
                                     <p:set>
                                       <p:cBhvr>
-                                        <p:cTn id="29" dur="1" fill="hold">
+                                        <p:cTn id="24" dur="1" fill="hold">
                                           <p:stCondLst>
                                             <p:cond delay="0"/>
                                           </p:stCondLst>
@@ -6882,7 +7303,7 @@
                                     </p:set>
                                     <p:animEffect transition="in" filter="wipe(up)">
                                       <p:cBhvr>
-                                        <p:cTn id="30" dur="500"/>
+                                        <p:cTn id="25" dur="500"/>
                                         <p:tgtEl>
                                           <p:spTgt spid="16"/>
                                         </p:tgtEl>
@@ -6892,14 +7313,14 @@
                                 </p:cTn>
                               </p:par>
                               <p:par>
-                                <p:cTn id="31" presetID="22" presetClass="entr" presetSubtype="1" fill="hold" nodeType="withEffect">
+                                <p:cTn id="26" presetID="22" presetClass="entr" presetSubtype="1" fill="hold" nodeType="withEffect">
                                   <p:stCondLst>
                                     <p:cond delay="0"/>
                                   </p:stCondLst>
                                   <p:childTnLst>
                                     <p:set>
                                       <p:cBhvr>
-                                        <p:cTn id="32" dur="1" fill="hold">
+                                        <p:cTn id="27" dur="1" fill="hold">
                                           <p:stCondLst>
                                             <p:cond delay="0"/>
                                           </p:stCondLst>
@@ -6917,7 +7338,7 @@
                                     </p:set>
                                     <p:animEffect transition="in" filter="wipe(up)">
                                       <p:cBhvr>
-                                        <p:cTn id="33" dur="500"/>
+                                        <p:cTn id="28" dur="500"/>
                                         <p:tgtEl>
                                           <p:spTgt spid="7"/>
                                         </p:tgtEl>
@@ -6927,14 +7348,14 @@
                                 </p:cTn>
                               </p:par>
                               <p:par>
-                                <p:cTn id="34" presetID="22" presetClass="entr" presetSubtype="1" fill="hold" nodeType="withEffect">
+                                <p:cTn id="29" presetID="22" presetClass="entr" presetSubtype="1" fill="hold" nodeType="withEffect">
                                   <p:stCondLst>
                                     <p:cond delay="0"/>
                                   </p:stCondLst>
                                   <p:childTnLst>
                                     <p:set>
                                       <p:cBhvr>
-                                        <p:cTn id="35" dur="1" fill="hold">
+                                        <p:cTn id="30" dur="1" fill="hold">
                                           <p:stCondLst>
                                             <p:cond delay="0"/>
                                           </p:stCondLst>
@@ -6952,7 +7373,7 @@
                                     </p:set>
                                     <p:animEffect transition="in" filter="wipe(up)">
                                       <p:cBhvr>
-                                        <p:cTn id="36" dur="500"/>
+                                        <p:cTn id="31" dur="500"/>
                                         <p:tgtEl>
                                           <p:spTgt spid="23"/>
                                         </p:tgtEl>
@@ -6962,14 +7383,14 @@
                                 </p:cTn>
                               </p:par>
                               <p:par>
-                                <p:cTn id="37" presetID="22" presetClass="entr" presetSubtype="1" fill="hold" nodeType="withEffect">
+                                <p:cTn id="32" presetID="22" presetClass="entr" presetSubtype="1" fill="hold" nodeType="withEffect">
                                   <p:stCondLst>
                                     <p:cond delay="0"/>
                                   </p:stCondLst>
                                   <p:childTnLst>
                                     <p:set>
                                       <p:cBhvr>
-                                        <p:cTn id="38" dur="1" fill="hold">
+                                        <p:cTn id="33" dur="1" fill="hold">
                                           <p:stCondLst>
                                             <p:cond delay="0"/>
                                           </p:stCondLst>
@@ -6987,7 +7408,7 @@
                                     </p:set>
                                     <p:animEffect transition="in" filter="wipe(up)">
                                       <p:cBhvr>
-                                        <p:cTn id="39" dur="500"/>
+                                        <p:cTn id="34" dur="500"/>
                                         <p:tgtEl>
                                           <p:spTgt spid="25"/>
                                         </p:tgtEl>
@@ -6997,14 +7418,14 @@
                                 </p:cTn>
                               </p:par>
                               <p:par>
-                                <p:cTn id="40" presetID="22" presetClass="entr" presetSubtype="1" fill="hold" nodeType="withEffect">
+                                <p:cTn id="35" presetID="22" presetClass="entr" presetSubtype="1" fill="hold" nodeType="withEffect">
                                   <p:stCondLst>
                                     <p:cond delay="0"/>
                                   </p:stCondLst>
                                   <p:childTnLst>
                                     <p:set>
                                       <p:cBhvr>
-                                        <p:cTn id="41" dur="1" fill="hold">
+                                        <p:cTn id="36" dur="1" fill="hold">
                                           <p:stCondLst>
                                             <p:cond delay="0"/>
                                           </p:stCondLst>
@@ -7022,7 +7443,7 @@
                                     </p:set>
                                     <p:animEffect transition="in" filter="wipe(up)">
                                       <p:cBhvr>
-                                        <p:cTn id="42" dur="500"/>
+                                        <p:cTn id="37" dur="500"/>
                                         <p:tgtEl>
                                           <p:spTgt spid="26"/>
                                         </p:tgtEl>
@@ -7059,14 +7480,13 @@
       </p:par>
     </p:tnLst>
     <p:bldLst>
-      <p:bldP spid="2" grpId="0"/>
       <p:bldP spid="39" grpId="0" build="allAtOnce"/>
     </p:bldLst>
   </p:timing>
 </p:sld>
 </file>
 
-<file path=ppt/slides/slide13.xml><?xml version="1.0" encoding="utf-8"?>
+<file path=ppt/slides/slide14.xml><?xml version="1.0" encoding="utf-8"?>
 <p:sld xmlns:a="http://schemas.openxmlformats.org/drawingml/2006/main" xmlns:r="http://schemas.openxmlformats.org/officeDocument/2006/relationships" xmlns:p="http://schemas.openxmlformats.org/presentationml/2006/main">
   <p:cSld>
     <p:spTree>
@@ -9642,7 +10062,7 @@
                             </p:stCondLst>
                             <p:childTnLst>
                               <p:par>
-                                <p:cTn id="5" presetID="10" presetClass="entr" presetSubtype="0" fill="hold" grpId="0" nodeType="clickEffect">
+                                <p:cTn id="5" presetID="22" presetClass="entr" presetSubtype="8" fill="hold" grpId="0" nodeType="clickEffect">
                                   <p:stCondLst>
                                     <p:cond delay="0"/>
                                   </p:stCondLst>
@@ -9655,7 +10075,7 @@
                                           </p:stCondLst>
                                         </p:cTn>
                                         <p:tgtEl>
-                                          <p:spTgt spid="2"/>
+                                          <p:spTgt spid="8"/>
                                         </p:tgtEl>
                                         <p:attrNameLst>
                                           <p:attrName>style.visibility</p:attrName>
@@ -9665,11 +10085,257 @@
                                         <p:strVal val="visible"/>
                                       </p:to>
                                     </p:set>
-                                    <p:animEffect transition="in" filter="fade">
+                                    <p:animEffect transition="in" filter="wipe(left)">
                                       <p:cBhvr>
                                         <p:cTn id="7" dur="250"/>
                                         <p:tgtEl>
-                                          <p:spTgt spid="2"/>
+                                          <p:spTgt spid="8"/>
+                                        </p:tgtEl>
+                                      </p:cBhvr>
+                                    </p:animEffect>
+                                  </p:childTnLst>
+                                </p:cTn>
+                              </p:par>
+                              <p:par>
+                                <p:cTn id="8" presetID="22" presetClass="entr" presetSubtype="8" fill="hold" grpId="0" nodeType="withEffect">
+                                  <p:stCondLst>
+                                    <p:cond delay="0"/>
+                                  </p:stCondLst>
+                                  <p:childTnLst>
+                                    <p:set>
+                                      <p:cBhvr>
+                                        <p:cTn id="9" dur="1" fill="hold">
+                                          <p:stCondLst>
+                                            <p:cond delay="0"/>
+                                          </p:stCondLst>
+                                        </p:cTn>
+                                        <p:tgtEl>
+                                          <p:spTgt spid="3"/>
+                                        </p:tgtEl>
+                                        <p:attrNameLst>
+                                          <p:attrName>style.visibility</p:attrName>
+                                        </p:attrNameLst>
+                                      </p:cBhvr>
+                                      <p:to>
+                                        <p:strVal val="visible"/>
+                                      </p:to>
+                                    </p:set>
+                                    <p:animEffect transition="in" filter="wipe(left)">
+                                      <p:cBhvr>
+                                        <p:cTn id="10" dur="250"/>
+                                        <p:tgtEl>
+                                          <p:spTgt spid="3"/>
+                                        </p:tgtEl>
+                                      </p:cBhvr>
+                                    </p:animEffect>
+                                  </p:childTnLst>
+                                </p:cTn>
+                              </p:par>
+                            </p:childTnLst>
+                          </p:cTn>
+                        </p:par>
+                        <p:par>
+                          <p:cTn id="11" fill="hold">
+                            <p:stCondLst>
+                              <p:cond delay="250"/>
+                            </p:stCondLst>
+                            <p:childTnLst>
+                              <p:par>
+                                <p:cTn id="12" presetID="22" presetClass="entr" presetSubtype="8" fill="hold" grpId="0" nodeType="afterEffect">
+                                  <p:stCondLst>
+                                    <p:cond delay="0"/>
+                                  </p:stCondLst>
+                                  <p:childTnLst>
+                                    <p:set>
+                                      <p:cBhvr>
+                                        <p:cTn id="13" dur="1" fill="hold">
+                                          <p:stCondLst>
+                                            <p:cond delay="0"/>
+                                          </p:stCondLst>
+                                        </p:cTn>
+                                        <p:tgtEl>
+                                          <p:spTgt spid="28"/>
+                                        </p:tgtEl>
+                                        <p:attrNameLst>
+                                          <p:attrName>style.visibility</p:attrName>
+                                        </p:attrNameLst>
+                                      </p:cBhvr>
+                                      <p:to>
+                                        <p:strVal val="visible"/>
+                                      </p:to>
+                                    </p:set>
+                                    <p:animEffect transition="in" filter="wipe(left)">
+                                      <p:cBhvr>
+                                        <p:cTn id="14" dur="250"/>
+                                        <p:tgtEl>
+                                          <p:spTgt spid="28"/>
+                                        </p:tgtEl>
+                                      </p:cBhvr>
+                                    </p:animEffect>
+                                  </p:childTnLst>
+                                </p:cTn>
+                              </p:par>
+                            </p:childTnLst>
+                          </p:cTn>
+                        </p:par>
+                        <p:par>
+                          <p:cTn id="15" fill="hold">
+                            <p:stCondLst>
+                              <p:cond delay="500"/>
+                            </p:stCondLst>
+                            <p:childTnLst>
+                              <p:par>
+                                <p:cTn id="16" presetID="22" presetClass="entr" presetSubtype="8" fill="hold" grpId="0" nodeType="afterEffect">
+                                  <p:stCondLst>
+                                    <p:cond delay="0"/>
+                                  </p:stCondLst>
+                                  <p:childTnLst>
+                                    <p:set>
+                                      <p:cBhvr>
+                                        <p:cTn id="17" dur="1" fill="hold">
+                                          <p:stCondLst>
+                                            <p:cond delay="0"/>
+                                          </p:stCondLst>
+                                        </p:cTn>
+                                        <p:tgtEl>
+                                          <p:spTgt spid="29"/>
+                                        </p:tgtEl>
+                                        <p:attrNameLst>
+                                          <p:attrName>style.visibility</p:attrName>
+                                        </p:attrNameLst>
+                                      </p:cBhvr>
+                                      <p:to>
+                                        <p:strVal val="visible"/>
+                                      </p:to>
+                                    </p:set>
+                                    <p:animEffect transition="in" filter="wipe(left)">
+                                      <p:cBhvr>
+                                        <p:cTn id="18" dur="250"/>
+                                        <p:tgtEl>
+                                          <p:spTgt spid="29"/>
+                                        </p:tgtEl>
+                                      </p:cBhvr>
+                                    </p:animEffect>
+                                  </p:childTnLst>
+                                </p:cTn>
+                              </p:par>
+                            </p:childTnLst>
+                          </p:cTn>
+                        </p:par>
+                        <p:par>
+                          <p:cTn id="19" fill="hold">
+                            <p:stCondLst>
+                              <p:cond delay="750"/>
+                            </p:stCondLst>
+                            <p:childTnLst>
+                              <p:par>
+                                <p:cTn id="20" presetID="22" presetClass="entr" presetSubtype="8" fill="hold" nodeType="afterEffect">
+                                  <p:stCondLst>
+                                    <p:cond delay="0"/>
+                                  </p:stCondLst>
+                                  <p:childTnLst>
+                                    <p:set>
+                                      <p:cBhvr>
+                                        <p:cTn id="21" dur="1" fill="hold">
+                                          <p:stCondLst>
+                                            <p:cond delay="0"/>
+                                          </p:stCondLst>
+                                        </p:cTn>
+                                        <p:tgtEl>
+                                          <p:spTgt spid="11"/>
+                                        </p:tgtEl>
+                                        <p:attrNameLst>
+                                          <p:attrName>style.visibility</p:attrName>
+                                        </p:attrNameLst>
+                                      </p:cBhvr>
+                                      <p:to>
+                                        <p:strVal val="visible"/>
+                                      </p:to>
+                                    </p:set>
+                                    <p:animEffect transition="in" filter="wipe(left)">
+                                      <p:cBhvr>
+                                        <p:cTn id="22" dur="250"/>
+                                        <p:tgtEl>
+                                          <p:spTgt spid="11"/>
+                                        </p:tgtEl>
+                                      </p:cBhvr>
+                                    </p:animEffect>
+                                  </p:childTnLst>
+                                </p:cTn>
+                              </p:par>
+                            </p:childTnLst>
+                          </p:cTn>
+                        </p:par>
+                        <p:par>
+                          <p:cTn id="23" fill="hold">
+                            <p:stCondLst>
+                              <p:cond delay="1000"/>
+                            </p:stCondLst>
+                            <p:childTnLst>
+                              <p:par>
+                                <p:cTn id="24" presetID="22" presetClass="entr" presetSubtype="8" fill="hold" grpId="0" nodeType="afterEffect">
+                                  <p:stCondLst>
+                                    <p:cond delay="0"/>
+                                  </p:stCondLst>
+                                  <p:childTnLst>
+                                    <p:set>
+                                      <p:cBhvr>
+                                        <p:cTn id="25" dur="1" fill="hold">
+                                          <p:stCondLst>
+                                            <p:cond delay="0"/>
+                                          </p:stCondLst>
+                                        </p:cTn>
+                                        <p:tgtEl>
+                                          <p:spTgt spid="14"/>
+                                        </p:tgtEl>
+                                        <p:attrNameLst>
+                                          <p:attrName>style.visibility</p:attrName>
+                                        </p:attrNameLst>
+                                      </p:cBhvr>
+                                      <p:to>
+                                        <p:strVal val="visible"/>
+                                      </p:to>
+                                    </p:set>
+                                    <p:animEffect transition="in" filter="wipe(left)">
+                                      <p:cBhvr>
+                                        <p:cTn id="26" dur="250"/>
+                                        <p:tgtEl>
+                                          <p:spTgt spid="14"/>
+                                        </p:tgtEl>
+                                      </p:cBhvr>
+                                    </p:animEffect>
+                                  </p:childTnLst>
+                                </p:cTn>
+                              </p:par>
+                              <p:par>
+                                <p:cTn id="27" presetID="22" presetClass="entr" presetSubtype="8" fill="hold" grpId="0" nodeType="withEffect">
+                                  <p:stCondLst>
+                                    <p:cond delay="0"/>
+                                  </p:stCondLst>
+                                  <p:childTnLst>
+                                    <p:set>
+                                      <p:cBhvr>
+                                        <p:cTn id="28" dur="1" fill="hold">
+                                          <p:stCondLst>
+                                            <p:cond delay="0"/>
+                                          </p:stCondLst>
+                                        </p:cTn>
+                                        <p:tgtEl>
+                                          <p:spTgt spid="9"/>
+                                        </p:tgtEl>
+                                        <p:attrNameLst>
+                                          <p:attrName>style.visibility</p:attrName>
+                                        </p:attrNameLst>
+                                      </p:cBhvr>
+                                      <p:to>
+                                        <p:strVal val="visible"/>
+                                      </p:to>
+                                    </p:set>
+                                    <p:animEffect transition="in" filter="wipe(left)">
+                                      <p:cBhvr>
+                                        <p:cTn id="29" dur="250"/>
+                                        <p:tgtEl>
+                                          <p:spTgt spid="9"/>
                                         </p:tgtEl>
                                       </p:cBhvr>
                                     </p:animEffect>
@@ -9683,32 +10349,32 @@
                     </p:cTn>
                   </p:par>
                   <p:par>
-                    <p:cTn id="8" fill="hold">
+                    <p:cTn id="30" fill="hold">
                       <p:stCondLst>
                         <p:cond delay="indefinite"/>
                       </p:stCondLst>
                       <p:childTnLst>
                         <p:par>
-                          <p:cTn id="9" fill="hold">
+                          <p:cTn id="31" fill="hold">
                             <p:stCondLst>
                               <p:cond delay="0"/>
                             </p:stCondLst>
                             <p:childTnLst>
                               <p:par>
-                                <p:cTn id="10" presetID="22" presetClass="entr" presetSubtype="8" fill="hold" grpId="0" nodeType="clickEffect">
+                                <p:cTn id="32" presetID="22" presetClass="entr" presetSubtype="1" fill="hold" grpId="0" nodeType="clickEffect">
                                   <p:stCondLst>
                                     <p:cond delay="0"/>
                                   </p:stCondLst>
                                   <p:childTnLst>
                                     <p:set>
                                       <p:cBhvr>
-                                        <p:cTn id="11" dur="1" fill="hold">
+                                        <p:cTn id="33" dur="1" fill="hold">
                                           <p:stCondLst>
                                             <p:cond delay="0"/>
                                           </p:stCondLst>
                                         </p:cTn>
                                         <p:tgtEl>
-                                          <p:spTgt spid="8"/>
+                                          <p:spTgt spid="99"/>
                                         </p:tgtEl>
                                         <p:attrNameLst>
                                           <p:attrName>style.visibility</p:attrName>
@@ -9718,11 +10384,11 @@
                                         <p:strVal val="visible"/>
                                       </p:to>
                                     </p:set>
-                                    <p:animEffect transition="in" filter="wipe(left)">
-                                      <p:cBhvr>
-                                        <p:cTn id="12" dur="250"/>
-                                        <p:tgtEl>
-                                          <p:spTgt spid="8"/>
+                                    <p:animEffect transition="in" filter="wipe(up)">
+                                      <p:cBhvr>
+                                        <p:cTn id="34" dur="250"/>
+                                        <p:tgtEl>
+                                          <p:spTgt spid="99"/>
                                         </p:tgtEl>
                                       </p:cBhvr>
                                     </p:animEffect>
@@ -9730,20 +10396,20 @@
                                 </p:cTn>
                               </p:par>
                               <p:par>
-                                <p:cTn id="13" presetID="22" presetClass="entr" presetSubtype="8" fill="hold" grpId="0" nodeType="withEffect">
+                                <p:cTn id="35" presetID="22" presetClass="entr" presetSubtype="1" fill="hold" grpId="0" nodeType="withEffect">
                                   <p:stCondLst>
                                     <p:cond delay="0"/>
                                   </p:stCondLst>
                                   <p:childTnLst>
                                     <p:set>
                                       <p:cBhvr>
-                                        <p:cTn id="14" dur="1" fill="hold">
+                                        <p:cTn id="36" dur="1" fill="hold">
                                           <p:stCondLst>
                                             <p:cond delay="0"/>
                                           </p:stCondLst>
                                         </p:cTn>
                                         <p:tgtEl>
-                                          <p:spTgt spid="3"/>
+                                          <p:spTgt spid="33"/>
                                         </p:tgtEl>
                                         <p:attrNameLst>
                                           <p:attrName>style.visibility</p:attrName>
@@ -9753,11 +10419,11 @@
                                         <p:strVal val="visible"/>
                                       </p:to>
                                     </p:set>
-                                    <p:animEffect transition="in" filter="wipe(left)">
-                                      <p:cBhvr>
-                                        <p:cTn id="15" dur="250"/>
-                                        <p:tgtEl>
-                                          <p:spTgt spid="3"/>
+                                    <p:animEffect transition="in" filter="wipe(up)">
+                                      <p:cBhvr>
+                                        <p:cTn id="37" dur="250"/>
+                                        <p:tgtEl>
+                                          <p:spTgt spid="33"/>
                                         </p:tgtEl>
                                       </p:cBhvr>
                                     </p:animEffect>
@@ -9768,26 +10434,26 @@
                           </p:cTn>
                         </p:par>
                         <p:par>
-                          <p:cTn id="16" fill="hold">
+                          <p:cTn id="38" fill="hold">
                             <p:stCondLst>
                               <p:cond delay="250"/>
                             </p:stCondLst>
                             <p:childTnLst>
                               <p:par>
-                                <p:cTn id="17" presetID="22" presetClass="entr" presetSubtype="8" fill="hold" grpId="0" nodeType="afterEffect">
+                                <p:cTn id="39" presetID="22" presetClass="entr" presetSubtype="1" fill="hold" grpId="0" nodeType="afterEffect">
                                   <p:stCondLst>
                                     <p:cond delay="0"/>
                                   </p:stCondLst>
                                   <p:childTnLst>
                                     <p:set>
                                       <p:cBhvr>
-                                        <p:cTn id="18" dur="1" fill="hold">
+                                        <p:cTn id="40" dur="1" fill="hold">
                                           <p:stCondLst>
                                             <p:cond delay="0"/>
                                           </p:stCondLst>
                                         </p:cTn>
                                         <p:tgtEl>
-                                          <p:spTgt spid="28"/>
+                                          <p:spTgt spid="78"/>
                                         </p:tgtEl>
                                         <p:attrNameLst>
                                           <p:attrName>style.visibility</p:attrName>
@@ -9797,11 +10463,11 @@
                                         <p:strVal val="visible"/>
                                       </p:to>
                                     </p:set>
-                                    <p:animEffect transition="in" filter="wipe(left)">
-                                      <p:cBhvr>
-                                        <p:cTn id="19" dur="250"/>
-                                        <p:tgtEl>
-                                          <p:spTgt spid="28"/>
+                                    <p:animEffect transition="in" filter="wipe(up)">
+                                      <p:cBhvr>
+                                        <p:cTn id="41" dur="500"/>
+                                        <p:tgtEl>
+                                          <p:spTgt spid="78"/>
                                         </p:tgtEl>
                                       </p:cBhvr>
                                     </p:animEffect>
@@ -9812,26 +10478,26 @@
                           </p:cTn>
                         </p:par>
                         <p:par>
-                          <p:cTn id="20" fill="hold">
+                          <p:cTn id="42" fill="hold">
                             <p:stCondLst>
-                              <p:cond delay="500"/>
+                              <p:cond delay="750"/>
                             </p:stCondLst>
                             <p:childTnLst>
                               <p:par>
-                                <p:cTn id="21" presetID="22" presetClass="entr" presetSubtype="8" fill="hold" grpId="0" nodeType="afterEffect">
+                                <p:cTn id="43" presetID="22" presetClass="entr" presetSubtype="1" fill="hold" nodeType="afterEffect">
                                   <p:stCondLst>
                                     <p:cond delay="0"/>
                                   </p:stCondLst>
                                   <p:childTnLst>
                                     <p:set>
                                       <p:cBhvr>
-                                        <p:cTn id="22" dur="1" fill="hold">
+                                        <p:cTn id="44" dur="1" fill="hold">
                                           <p:stCondLst>
                                             <p:cond delay="0"/>
                                           </p:stCondLst>
                                         </p:cTn>
                                         <p:tgtEl>
-                                          <p:spTgt spid="29"/>
+                                          <p:spTgt spid="34"/>
                                         </p:tgtEl>
                                         <p:attrNameLst>
                                           <p:attrName>style.visibility</p:attrName>
@@ -9841,11 +10507,11 @@
                                         <p:strVal val="visible"/>
                                       </p:to>
                                     </p:set>
-                                    <p:animEffect transition="in" filter="wipe(left)">
-                                      <p:cBhvr>
-                                        <p:cTn id="23" dur="250"/>
-                                        <p:tgtEl>
-                                          <p:spTgt spid="29"/>
+                                    <p:animEffect transition="in" filter="wipe(up)">
+                                      <p:cBhvr>
+                                        <p:cTn id="45" dur="250"/>
+                                        <p:tgtEl>
+                                          <p:spTgt spid="34"/>
                                         </p:tgtEl>
                                       </p:cBhvr>
                                     </p:animEffect>
@@ -9856,26 +10522,26 @@
                           </p:cTn>
                         </p:par>
                         <p:par>
-                          <p:cTn id="24" fill="hold">
+                          <p:cTn id="46" fill="hold">
                             <p:stCondLst>
-                              <p:cond delay="750"/>
+                              <p:cond delay="1000"/>
                             </p:stCondLst>
                             <p:childTnLst>
                               <p:par>
-                                <p:cTn id="25" presetID="22" presetClass="entr" presetSubtype="8" fill="hold" nodeType="afterEffect">
+                                <p:cTn id="47" presetID="22" presetClass="entr" presetSubtype="1" fill="hold" grpId="0" nodeType="afterEffect">
                                   <p:stCondLst>
                                     <p:cond delay="0"/>
                                   </p:stCondLst>
                                   <p:childTnLst>
                                     <p:set>
                                       <p:cBhvr>
-                                        <p:cTn id="26" dur="1" fill="hold">
+                                        <p:cTn id="48" dur="1" fill="hold">
                                           <p:stCondLst>
                                             <p:cond delay="0"/>
                                           </p:stCondLst>
                                         </p:cTn>
                                         <p:tgtEl>
-                                          <p:spTgt spid="11"/>
+                                          <p:spTgt spid="31"/>
                                         </p:tgtEl>
                                         <p:attrNameLst>
                                           <p:attrName>style.visibility</p:attrName>
@@ -9885,11 +10551,11 @@
                                         <p:strVal val="visible"/>
                                       </p:to>
                                     </p:set>
-                                    <p:animEffect transition="in" filter="wipe(left)">
-                                      <p:cBhvr>
-                                        <p:cTn id="27" dur="250"/>
-                                        <p:tgtEl>
-                                          <p:spTgt spid="11"/>
+                                    <p:animEffect transition="in" filter="wipe(up)">
+                                      <p:cBhvr>
+                                        <p:cTn id="49" dur="250"/>
+                                        <p:tgtEl>
+                                          <p:spTgt spid="31"/>
                                         </p:tgtEl>
                                       </p:cBhvr>
                                     </p:animEffect>
@@ -9900,26 +10566,26 @@
                           </p:cTn>
                         </p:par>
                         <p:par>
-                          <p:cTn id="28" fill="hold">
+                          <p:cTn id="50" fill="hold">
                             <p:stCondLst>
-                              <p:cond delay="1000"/>
+                              <p:cond delay="1250"/>
                             </p:stCondLst>
                             <p:childTnLst>
                               <p:par>
-                                <p:cTn id="29" presetID="22" presetClass="entr" presetSubtype="8" fill="hold" grpId="0" nodeType="afterEffect">
+                                <p:cTn id="51" presetID="22" presetClass="entr" presetSubtype="1" fill="hold" grpId="0" nodeType="afterEffect">
                                   <p:stCondLst>
                                     <p:cond delay="0"/>
                                   </p:stCondLst>
                                   <p:childTnLst>
                                     <p:set>
                                       <p:cBhvr>
-                                        <p:cTn id="30" dur="1" fill="hold">
+                                        <p:cTn id="52" dur="1" fill="hold">
                                           <p:stCondLst>
                                             <p:cond delay="0"/>
                                           </p:stCondLst>
                                         </p:cTn>
                                         <p:tgtEl>
-                                          <p:spTgt spid="14"/>
+                                          <p:spTgt spid="45"/>
                                         </p:tgtEl>
                                         <p:attrNameLst>
                                           <p:attrName>style.visibility</p:attrName>
@@ -9929,32 +10595,41 @@
                                         <p:strVal val="visible"/>
                                       </p:to>
                                     </p:set>
-                                    <p:animEffect transition="in" filter="wipe(left)">
-                                      <p:cBhvr>
-                                        <p:cTn id="31" dur="250"/>
-                                        <p:tgtEl>
-                                          <p:spTgt spid="14"/>
+                                    <p:animEffect transition="in" filter="wipe(up)">
+                                      <p:cBhvr>
+                                        <p:cTn id="53" dur="250"/>
+                                        <p:tgtEl>
+                                          <p:spTgt spid="45"/>
                                         </p:tgtEl>
                                       </p:cBhvr>
                                     </p:animEffect>
                                   </p:childTnLst>
                                 </p:cTn>
                               </p:par>
+                            </p:childTnLst>
+                          </p:cTn>
+                        </p:par>
+                        <p:par>
+                          <p:cTn id="54" fill="hold">
+                            <p:stCondLst>
+                              <p:cond delay="1500"/>
+                            </p:stCondLst>
+                            <p:childTnLst>
                               <p:par>
-                                <p:cTn id="32" presetID="22" presetClass="entr" presetSubtype="8" fill="hold" grpId="0" nodeType="withEffect">
+                                <p:cTn id="55" presetID="22" presetClass="entr" presetSubtype="4" fill="hold" grpId="0" nodeType="afterEffect">
                                   <p:stCondLst>
                                     <p:cond delay="0"/>
                                   </p:stCondLst>
                                   <p:childTnLst>
                                     <p:set>
                                       <p:cBhvr>
-                                        <p:cTn id="33" dur="1" fill="hold">
+                                        <p:cTn id="56" dur="1" fill="hold">
                                           <p:stCondLst>
                                             <p:cond delay="0"/>
                                           </p:stCondLst>
                                         </p:cTn>
                                         <p:tgtEl>
-                                          <p:spTgt spid="9"/>
+                                          <p:spTgt spid="52"/>
                                         </p:tgtEl>
                                         <p:attrNameLst>
                                           <p:attrName>style.visibility</p:attrName>
@@ -9964,11 +10639,55 @@
                                         <p:strVal val="visible"/>
                                       </p:to>
                                     </p:set>
-                                    <p:animEffect transition="in" filter="wipe(left)">
-                                      <p:cBhvr>
-                                        <p:cTn id="34" dur="250"/>
-                                        <p:tgtEl>
-                                          <p:spTgt spid="9"/>
+                                    <p:animEffect transition="in" filter="wipe(down)">
+                                      <p:cBhvr>
+                                        <p:cTn id="57" dur="250"/>
+                                        <p:tgtEl>
+                                          <p:spTgt spid="52"/>
+                                        </p:tgtEl>
+                                      </p:cBhvr>
+                                    </p:animEffect>
+                                  </p:childTnLst>
+                                </p:cTn>
+                              </p:par>
+                            </p:childTnLst>
+                          </p:cTn>
+                        </p:par>
+                        <p:par>
+                          <p:cTn id="58" fill="hold">
+                            <p:stCondLst>
+                              <p:cond delay="1750"/>
+                            </p:stCondLst>
+                            <p:childTnLst>
+                              <p:par>
+                                <p:cTn id="59" presetID="22" presetClass="entr" presetSubtype="4" fill="hold" grpId="0" nodeType="afterEffect">
+                                  <p:stCondLst>
+                                    <p:cond delay="0"/>
+                                  </p:stCondLst>
+                                  <p:childTnLst>
+                                    <p:set>
+                                      <p:cBhvr>
+                                        <p:cTn id="60" dur="1" fill="hold">
+                                          <p:stCondLst>
+                                            <p:cond delay="0"/>
+                                          </p:stCondLst>
+                                        </p:cTn>
+                                        <p:tgtEl>
+                                          <p:spTgt spid="53"/>
+                                        </p:tgtEl>
+                                        <p:attrNameLst>
+                                          <p:attrName>style.visibility</p:attrName>
+                                        </p:attrNameLst>
+                                      </p:cBhvr>
+                                      <p:to>
+                                        <p:strVal val="visible"/>
+                                      </p:to>
+                                    </p:set>
+                                    <p:animEffect transition="in" filter="wipe(down)">
+                                      <p:cBhvr>
+                                        <p:cTn id="61" dur="250"/>
+                                        <p:tgtEl>
+                                          <p:spTgt spid="53"/>
                                         </p:tgtEl>
                                       </p:cBhvr>
                                     </p:animEffect>
@@ -9982,32 +10701,32 @@
                     </p:cTn>
                   </p:par>
                   <p:par>
-                    <p:cTn id="35" fill="hold">
+                    <p:cTn id="62" fill="hold">
                       <p:stCondLst>
                         <p:cond delay="indefinite"/>
                       </p:stCondLst>
                       <p:childTnLst>
                         <p:par>
-                          <p:cTn id="36" fill="hold">
+                          <p:cTn id="63" fill="hold">
                             <p:stCondLst>
                               <p:cond delay="0"/>
                             </p:stCondLst>
                             <p:childTnLst>
                               <p:par>
-                                <p:cTn id="37" presetID="22" presetClass="entr" presetSubtype="1" fill="hold" grpId="0" nodeType="clickEffect">
+                                <p:cTn id="64" presetID="22" presetClass="entr" presetSubtype="1" fill="hold" grpId="0" nodeType="clickEffect">
                                   <p:stCondLst>
                                     <p:cond delay="0"/>
                                   </p:stCondLst>
                                   <p:childTnLst>
                                     <p:set>
                                       <p:cBhvr>
-                                        <p:cTn id="38" dur="1" fill="hold">
+                                        <p:cTn id="65" dur="1" fill="hold">
                                           <p:stCondLst>
                                             <p:cond delay="0"/>
                                           </p:stCondLst>
                                         </p:cTn>
                                         <p:tgtEl>
-                                          <p:spTgt spid="99"/>
+                                          <p:spTgt spid="90"/>
                                         </p:tgtEl>
                                         <p:attrNameLst>
                                           <p:attrName>style.visibility</p:attrName>
@@ -10019,9 +10738,9 @@
                                     </p:set>
                                     <p:animEffect transition="in" filter="wipe(up)">
                                       <p:cBhvr>
-                                        <p:cTn id="39" dur="250"/>
-                                        <p:tgtEl>
-                                          <p:spTgt spid="99"/>
+                                        <p:cTn id="66" dur="250"/>
+                                        <p:tgtEl>
+                                          <p:spTgt spid="90"/>
                                         </p:tgtEl>
                                       </p:cBhvr>
                                     </p:animEffect>
@@ -10029,20 +10748,20 @@
                                 </p:cTn>
                               </p:par>
                               <p:par>
-                                <p:cTn id="40" presetID="22" presetClass="entr" presetSubtype="1" fill="hold" grpId="0" nodeType="withEffect">
+                                <p:cTn id="67" presetID="22" presetClass="entr" presetSubtype="1" fill="hold" grpId="0" nodeType="withEffect">
                                   <p:stCondLst>
                                     <p:cond delay="0"/>
                                   </p:stCondLst>
                                   <p:childTnLst>
                                     <p:set>
                                       <p:cBhvr>
-                                        <p:cTn id="41" dur="1" fill="hold">
+                                        <p:cTn id="68" dur="1" fill="hold">
                                           <p:stCondLst>
                                             <p:cond delay="0"/>
                                           </p:stCondLst>
                                         </p:cTn>
                                         <p:tgtEl>
-                                          <p:spTgt spid="33"/>
+                                          <p:spTgt spid="118"/>
                                         </p:tgtEl>
                                         <p:attrNameLst>
                                           <p:attrName>style.visibility</p:attrName>
@@ -10054,9 +10773,9 @@
                                     </p:set>
                                     <p:animEffect transition="in" filter="wipe(up)">
                                       <p:cBhvr>
-                                        <p:cTn id="42" dur="250"/>
-                                        <p:tgtEl>
-                                          <p:spTgt spid="33"/>
+                                        <p:cTn id="69" dur="250"/>
+                                        <p:tgtEl>
+                                          <p:spTgt spid="118"/>
                                         </p:tgtEl>
                                       </p:cBhvr>
                                     </p:animEffect>
@@ -10067,26 +10786,26 @@
                           </p:cTn>
                         </p:par>
                         <p:par>
-                          <p:cTn id="43" fill="hold">
+                          <p:cTn id="70" fill="hold">
                             <p:stCondLst>
                               <p:cond delay="250"/>
                             </p:stCondLst>
                             <p:childTnLst>
                               <p:par>
-                                <p:cTn id="44" presetID="22" presetClass="entr" presetSubtype="1" fill="hold" grpId="0" nodeType="afterEffect">
+                                <p:cTn id="71" presetID="22" presetClass="entr" presetSubtype="1" fill="hold" grpId="0" nodeType="afterEffect">
                                   <p:stCondLst>
                                     <p:cond delay="0"/>
                                   </p:stCondLst>
                                   <p:childTnLst>
                                     <p:set>
                                       <p:cBhvr>
-                                        <p:cTn id="45" dur="1" fill="hold">
+                                        <p:cTn id="72" dur="1" fill="hold">
                                           <p:stCondLst>
                                             <p:cond delay="0"/>
                                           </p:stCondLst>
                                         </p:cTn>
                                         <p:tgtEl>
-                                          <p:spTgt spid="78"/>
+                                          <p:spTgt spid="194"/>
                                         </p:tgtEl>
                                         <p:attrNameLst>
                                           <p:attrName>style.visibility</p:attrName>
@@ -10098,9 +10817,9 @@
                                     </p:set>
                                     <p:animEffect transition="in" filter="wipe(up)">
                                       <p:cBhvr>
-                                        <p:cTn id="46" dur="500"/>
-                                        <p:tgtEl>
-                                          <p:spTgt spid="78"/>
+                                        <p:cTn id="73" dur="500"/>
+                                        <p:tgtEl>
+                                          <p:spTgt spid="194"/>
                                         </p:tgtEl>
                                       </p:cBhvr>
                                     </p:animEffect>
@@ -10111,26 +10830,26 @@
                           </p:cTn>
                         </p:par>
                         <p:par>
-                          <p:cTn id="47" fill="hold">
+                          <p:cTn id="74" fill="hold">
                             <p:stCondLst>
                               <p:cond delay="750"/>
                             </p:stCondLst>
                             <p:childTnLst>
                               <p:par>
-                                <p:cTn id="48" presetID="22" presetClass="entr" presetSubtype="1" fill="hold" nodeType="afterEffect">
+                                <p:cTn id="75" presetID="22" presetClass="entr" presetSubtype="1" fill="hold" nodeType="afterEffect">
                                   <p:stCondLst>
                                     <p:cond delay="0"/>
                                   </p:stCondLst>
                                   <p:childTnLst>
                                     <p:set>
                                       <p:cBhvr>
-                                        <p:cTn id="49" dur="1" fill="hold">
+                                        <p:cTn id="76" dur="1" fill="hold">
                                           <p:stCondLst>
                                             <p:cond delay="0"/>
                                           </p:stCondLst>
                                         </p:cTn>
                                         <p:tgtEl>
-                                          <p:spTgt spid="34"/>
+                                          <p:spTgt spid="91"/>
                                         </p:tgtEl>
                                         <p:attrNameLst>
                                           <p:attrName>style.visibility</p:attrName>
@@ -10142,9 +10861,9 @@
                                     </p:set>
                                     <p:animEffect transition="in" filter="wipe(up)">
                                       <p:cBhvr>
-                                        <p:cTn id="50" dur="250"/>
-                                        <p:tgtEl>
-                                          <p:spTgt spid="34"/>
+                                        <p:cTn id="77" dur="250"/>
+                                        <p:tgtEl>
+                                          <p:spTgt spid="91"/>
                                         </p:tgtEl>
                                       </p:cBhvr>
                                     </p:animEffect>
@@ -10155,26 +10874,26 @@
                           </p:cTn>
                         </p:par>
                         <p:par>
-                          <p:cTn id="51" fill="hold">
+                          <p:cTn id="78" fill="hold">
                             <p:stCondLst>
                               <p:cond delay="1000"/>
                             </p:stCondLst>
                             <p:childTnLst>
                               <p:par>
-                                <p:cTn id="52" presetID="22" presetClass="entr" presetSubtype="1" fill="hold" grpId="0" nodeType="afterEffect">
+                                <p:cTn id="79" presetID="22" presetClass="entr" presetSubtype="1" fill="hold" grpId="0" nodeType="afterEffect">
                                   <p:stCondLst>
                                     <p:cond delay="0"/>
                                   </p:stCondLst>
                                   <p:childTnLst>
                                     <p:set>
                                       <p:cBhvr>
-                                        <p:cTn id="53" dur="1" fill="hold">
+                                        <p:cTn id="80" dur="1" fill="hold">
                                           <p:stCondLst>
                                             <p:cond delay="0"/>
                                           </p:stCondLst>
                                         </p:cTn>
                                         <p:tgtEl>
-                                          <p:spTgt spid="31"/>
+                                          <p:spTgt spid="204"/>
                                         </p:tgtEl>
                                         <p:attrNameLst>
                                           <p:attrName>style.visibility</p:attrName>
@@ -10186,9 +10905,9 @@
                                     </p:set>
                                     <p:animEffect transition="in" filter="wipe(up)">
                                       <p:cBhvr>
-                                        <p:cTn id="54" dur="250"/>
-                                        <p:tgtEl>
-                                          <p:spTgt spid="31"/>
+                                        <p:cTn id="81" dur="250"/>
+                                        <p:tgtEl>
+                                          <p:spTgt spid="204"/>
                                         </p:tgtEl>
                                       </p:cBhvr>
                                     </p:animEffect>
@@ -10199,26 +10918,26 @@
                           </p:cTn>
                         </p:par>
                         <p:par>
-                          <p:cTn id="55" fill="hold">
+                          <p:cTn id="82" fill="hold">
                             <p:stCondLst>
                               <p:cond delay="1250"/>
                             </p:stCondLst>
                             <p:childTnLst>
                               <p:par>
-                                <p:cTn id="56" presetID="22" presetClass="entr" presetSubtype="1" fill="hold" grpId="0" nodeType="afterEffect">
+                                <p:cTn id="83" presetID="22" presetClass="entr" presetSubtype="1" fill="hold" grpId="0" nodeType="afterEffect">
                                   <p:stCondLst>
                                     <p:cond delay="0"/>
                                   </p:stCondLst>
                                   <p:childTnLst>
                                     <p:set>
                                       <p:cBhvr>
-                                        <p:cTn id="57" dur="1" fill="hold">
+                                        <p:cTn id="84" dur="1" fill="hold">
                                           <p:stCondLst>
                                             <p:cond delay="0"/>
                                           </p:stCondLst>
                                         </p:cTn>
                                         <p:tgtEl>
-                                          <p:spTgt spid="45"/>
+                                          <p:spTgt spid="214"/>
                                         </p:tgtEl>
                                         <p:attrNameLst>
                                           <p:attrName>style.visibility</p:attrName>
@@ -10230,97 +10949,9 @@
                                     </p:set>
                                     <p:animEffect transition="in" filter="wipe(up)">
                                       <p:cBhvr>
-                                        <p:cTn id="58" dur="250"/>
-                                        <p:tgtEl>
-                                          <p:spTgt spid="45"/>
-                                        </p:tgtEl>
-                                      </p:cBhvr>
-                                    </p:animEffect>
-                                  </p:childTnLst>
-                                </p:cTn>
-                              </p:par>
-                            </p:childTnLst>
-                          </p:cTn>
-                        </p:par>
-                        <p:par>
-                          <p:cTn id="59" fill="hold">
-                            <p:stCondLst>
-                              <p:cond delay="1500"/>
-                            </p:stCondLst>
-                            <p:childTnLst>
-                              <p:par>
-                                <p:cTn id="60" presetID="22" presetClass="entr" presetSubtype="4" fill="hold" grpId="0" nodeType="afterEffect">
-                                  <p:stCondLst>
-                                    <p:cond delay="0"/>
-                                  </p:stCondLst>
-                                  <p:childTnLst>
-                                    <p:set>
-                                      <p:cBhvr>
-                                        <p:cTn id="61" dur="1" fill="hold">
-                                          <p:stCondLst>
-                                            <p:cond delay="0"/>
-                                          </p:stCondLst>
-                                        </p:cTn>
-                                        <p:tgtEl>
-                                          <p:spTgt spid="52"/>
-                                        </p:tgtEl>
-                                        <p:attrNameLst>
-                                          <p:attrName>style.visibility</p:attrName>
-                                        </p:attrNameLst>
-                                      </p:cBhvr>
-                                      <p:to>
-                                        <p:strVal val="visible"/>
-                                      </p:to>
-                                    </p:set>
-                                    <p:animEffect transition="in" filter="wipe(down)">
-                                      <p:cBhvr>
-                                        <p:cTn id="62" dur="250"/>
-                                        <p:tgtEl>
-                                          <p:spTgt spid="52"/>
-                                        </p:tgtEl>
-                                      </p:cBhvr>
-                                    </p:animEffect>
-                                  </p:childTnLst>
-                                </p:cTn>
-                              </p:par>
-                            </p:childTnLst>
-                          </p:cTn>
-                        </p:par>
-                        <p:par>
-                          <p:cTn id="63" fill="hold">
-                            <p:stCondLst>
-                              <p:cond delay="1750"/>
-                            </p:stCondLst>
-                            <p:childTnLst>
-                              <p:par>
-                                <p:cTn id="64" presetID="22" presetClass="entr" presetSubtype="4" fill="hold" grpId="0" nodeType="afterEffect">
-                                  <p:stCondLst>
-                                    <p:cond delay="0"/>
-                                  </p:stCondLst>
-                                  <p:childTnLst>
-                                    <p:set>
-                                      <p:cBhvr>
-                                        <p:cTn id="65" dur="1" fill="hold">
-                                          <p:stCondLst>
-                                            <p:cond delay="0"/>
-                                          </p:stCondLst>
-                                        </p:cTn>
-                                        <p:tgtEl>
-                                          <p:spTgt spid="53"/>
-                                        </p:tgtEl>
-                                        <p:attrNameLst>
-                                          <p:attrName>style.visibility</p:attrName>
-                                        </p:attrNameLst>
-                                      </p:cBhvr>
-                                      <p:to>
-                                        <p:strVal val="visible"/>
-                                      </p:to>
-                                    </p:set>
-                                    <p:animEffect transition="in" filter="wipe(down)">
-                                      <p:cBhvr>
-                                        <p:cTn id="66" dur="250"/>
-                                        <p:tgtEl>
-                                          <p:spTgt spid="53"/>
+                                        <p:cTn id="85" dur="250"/>
+                                        <p:tgtEl>
+                                          <p:spTgt spid="214"/>
                                         </p:tgtEl>
                                       </p:cBhvr>
                                     </p:animEffect>
@@ -10334,32 +10965,32 @@
                     </p:cTn>
                   </p:par>
                   <p:par>
-                    <p:cTn id="67" fill="hold">
+                    <p:cTn id="86" fill="hold">
                       <p:stCondLst>
                         <p:cond delay="indefinite"/>
                       </p:stCondLst>
                       <p:childTnLst>
                         <p:par>
-                          <p:cTn id="68" fill="hold">
+                          <p:cTn id="87" fill="hold">
                             <p:stCondLst>
                               <p:cond delay="0"/>
                             </p:stCondLst>
                             <p:childTnLst>
                               <p:par>
-                                <p:cTn id="69" presetID="22" presetClass="entr" presetSubtype="1" fill="hold" grpId="0" nodeType="clickEffect">
+                                <p:cTn id="88" presetID="22" presetClass="entr" presetSubtype="1" fill="hold" grpId="0" nodeType="clickEffect">
                                   <p:stCondLst>
                                     <p:cond delay="0"/>
                                   </p:stCondLst>
                                   <p:childTnLst>
                                     <p:set>
                                       <p:cBhvr>
-                                        <p:cTn id="70" dur="1" fill="hold">
+                                        <p:cTn id="89" dur="1" fill="hold">
                                           <p:stCondLst>
                                             <p:cond delay="0"/>
                                           </p:stCondLst>
                                         </p:cTn>
                                         <p:tgtEl>
-                                          <p:spTgt spid="90"/>
+                                          <p:spTgt spid="95"/>
                                         </p:tgtEl>
                                         <p:attrNameLst>
                                           <p:attrName>style.visibility</p:attrName>
@@ -10371,44 +11002,9 @@
                                     </p:set>
                                     <p:animEffect transition="in" filter="wipe(up)">
                                       <p:cBhvr>
-                                        <p:cTn id="71" dur="250"/>
-                                        <p:tgtEl>
-                                          <p:spTgt spid="90"/>
-                                        </p:tgtEl>
-                                      </p:cBhvr>
-                                    </p:animEffect>
-                                  </p:childTnLst>
-                                </p:cTn>
-                              </p:par>
-                              <p:par>
-                                <p:cTn id="72" presetID="22" presetClass="entr" presetSubtype="1" fill="hold" grpId="0" nodeType="withEffect">
-                                  <p:stCondLst>
-                                    <p:cond delay="0"/>
-                                  </p:stCondLst>
-                                  <p:childTnLst>
-                                    <p:set>
-                                      <p:cBhvr>
-                                        <p:cTn id="73" dur="1" fill="hold">
-                                          <p:stCondLst>
-                                            <p:cond delay="0"/>
-                                          </p:stCondLst>
-                                        </p:cTn>
-                                        <p:tgtEl>
-                                          <p:spTgt spid="118"/>
-                                        </p:tgtEl>
-                                        <p:attrNameLst>
-                                          <p:attrName>style.visibility</p:attrName>
-                                        </p:attrNameLst>
-                                      </p:cBhvr>
-                                      <p:to>
-                                        <p:strVal val="visible"/>
-                                      </p:to>
-                                    </p:set>
-                                    <p:animEffect transition="in" filter="wipe(up)">
-                                      <p:cBhvr>
-                                        <p:cTn id="74" dur="250"/>
-                                        <p:tgtEl>
-                                          <p:spTgt spid="118"/>
+                                        <p:cTn id="90" dur="250"/>
+                                        <p:tgtEl>
+                                          <p:spTgt spid="95"/>
                                         </p:tgtEl>
                                       </p:cBhvr>
                                     </p:animEffect>
@@ -10419,26 +11015,26 @@
                           </p:cTn>
                         </p:par>
                         <p:par>
-                          <p:cTn id="75" fill="hold">
+                          <p:cTn id="91" fill="hold">
                             <p:stCondLst>
                               <p:cond delay="250"/>
                             </p:stCondLst>
                             <p:childTnLst>
                               <p:par>
-                                <p:cTn id="76" presetID="22" presetClass="entr" presetSubtype="1" fill="hold" grpId="0" nodeType="afterEffect">
+                                <p:cTn id="92" presetID="22" presetClass="entr" presetSubtype="1" fill="hold" grpId="0" nodeType="afterEffect">
                                   <p:stCondLst>
                                     <p:cond delay="0"/>
                                   </p:stCondLst>
                                   <p:childTnLst>
                                     <p:set>
                                       <p:cBhvr>
-                                        <p:cTn id="77" dur="1" fill="hold">
+                                        <p:cTn id="93" dur="1" fill="hold">
                                           <p:stCondLst>
                                             <p:cond delay="0"/>
                                           </p:stCondLst>
                                         </p:cTn>
                                         <p:tgtEl>
-                                          <p:spTgt spid="194"/>
+                                          <p:spTgt spid="102"/>
                                         </p:tgtEl>
                                         <p:attrNameLst>
                                           <p:attrName>style.visibility</p:attrName>
@@ -10450,9 +11046,9 @@
                                     </p:set>
                                     <p:animEffect transition="in" filter="wipe(up)">
                                       <p:cBhvr>
-                                        <p:cTn id="78" dur="500"/>
-                                        <p:tgtEl>
-                                          <p:spTgt spid="194"/>
+                                        <p:cTn id="94" dur="250"/>
+                                        <p:tgtEl>
+                                          <p:spTgt spid="102"/>
                                         </p:tgtEl>
                                       </p:cBhvr>
                                     </p:animEffect>
@@ -10463,26 +11059,26 @@
                           </p:cTn>
                         </p:par>
                         <p:par>
-                          <p:cTn id="79" fill="hold">
+                          <p:cTn id="95" fill="hold">
                             <p:stCondLst>
-                              <p:cond delay="750"/>
+                              <p:cond delay="500"/>
                             </p:stCondLst>
                             <p:childTnLst>
                               <p:par>
-                                <p:cTn id="80" presetID="22" presetClass="entr" presetSubtype="1" fill="hold" nodeType="afterEffect">
+                                <p:cTn id="96" presetID="22" presetClass="entr" presetSubtype="1" fill="hold" grpId="0" nodeType="afterEffect">
                                   <p:stCondLst>
                                     <p:cond delay="0"/>
                                   </p:stCondLst>
                                   <p:childTnLst>
                                     <p:set>
                                       <p:cBhvr>
-                                        <p:cTn id="81" dur="1" fill="hold">
+                                        <p:cTn id="97" dur="1" fill="hold">
                                           <p:stCondLst>
                                             <p:cond delay="0"/>
                                           </p:stCondLst>
                                         </p:cTn>
                                         <p:tgtEl>
-                                          <p:spTgt spid="91"/>
+                                          <p:spTgt spid="195"/>
                                         </p:tgtEl>
                                         <p:attrNameLst>
                                           <p:attrName>style.visibility</p:attrName>
@@ -10494,9 +11090,9 @@
                                     </p:set>
                                     <p:animEffect transition="in" filter="wipe(up)">
                                       <p:cBhvr>
-                                        <p:cTn id="82" dur="250"/>
-                                        <p:tgtEl>
-                                          <p:spTgt spid="91"/>
+                                        <p:cTn id="98" dur="500"/>
+                                        <p:tgtEl>
+                                          <p:spTgt spid="195"/>
                                         </p:tgtEl>
                                       </p:cBhvr>
                                     </p:animEffect>
@@ -10507,26 +11103,26 @@
                           </p:cTn>
                         </p:par>
                         <p:par>
-                          <p:cTn id="83" fill="hold">
+                          <p:cTn id="99" fill="hold">
                             <p:stCondLst>
                               <p:cond delay="1000"/>
                             </p:stCondLst>
                             <p:childTnLst>
                               <p:par>
-                                <p:cTn id="84" presetID="22" presetClass="entr" presetSubtype="1" fill="hold" grpId="0" nodeType="afterEffect">
+                                <p:cTn id="100" presetID="22" presetClass="entr" presetSubtype="1" fill="hold" nodeType="afterEffect">
                                   <p:stCondLst>
                                     <p:cond delay="0"/>
                                   </p:stCondLst>
                                   <p:childTnLst>
                                     <p:set>
                                       <p:cBhvr>
-                                        <p:cTn id="85" dur="1" fill="hold">
+                                        <p:cTn id="101" dur="1" fill="hold">
                                           <p:stCondLst>
                                             <p:cond delay="0"/>
                                           </p:stCondLst>
                                         </p:cTn>
                                         <p:tgtEl>
-                                          <p:spTgt spid="204"/>
+                                          <p:spTgt spid="111"/>
                                         </p:tgtEl>
                                         <p:attrNameLst>
                                           <p:attrName>style.visibility</p:attrName>
@@ -10538,9 +11134,9 @@
                                     </p:set>
                                     <p:animEffect transition="in" filter="wipe(up)">
                                       <p:cBhvr>
-                                        <p:cTn id="86" dur="250"/>
-                                        <p:tgtEl>
-                                          <p:spTgt spid="204"/>
+                                        <p:cTn id="102" dur="250"/>
+                                        <p:tgtEl>
+                                          <p:spTgt spid="111"/>
                                         </p:tgtEl>
                                       </p:cBhvr>
                                     </p:animEffect>
@@ -10551,26 +11147,26 @@
                           </p:cTn>
                         </p:par>
                         <p:par>
-                          <p:cTn id="87" fill="hold">
+                          <p:cTn id="103" fill="hold">
                             <p:stCondLst>
                               <p:cond delay="1250"/>
                             </p:stCondLst>
                             <p:childTnLst>
                               <p:par>
-                                <p:cTn id="88" presetID="22" presetClass="entr" presetSubtype="1" fill="hold" grpId="0" nodeType="afterEffect">
+                                <p:cTn id="104" presetID="22" presetClass="entr" presetSubtype="1" fill="hold" grpId="0" nodeType="afterEffect">
                                   <p:stCondLst>
                                     <p:cond delay="0"/>
                                   </p:stCondLst>
                                   <p:childTnLst>
                                     <p:set>
                                       <p:cBhvr>
-                                        <p:cTn id="89" dur="1" fill="hold">
+                                        <p:cTn id="105" dur="1" fill="hold">
                                           <p:stCondLst>
                                             <p:cond delay="0"/>
                                           </p:stCondLst>
                                         </p:cTn>
                                         <p:tgtEl>
-                                          <p:spTgt spid="214"/>
+                                          <p:spTgt spid="215"/>
                                         </p:tgtEl>
                                         <p:attrNameLst>
                                           <p:attrName>style.visibility</p:attrName>
@@ -10582,9 +11178,53 @@
                                     </p:set>
                                     <p:animEffect transition="in" filter="wipe(up)">
                                       <p:cBhvr>
-                                        <p:cTn id="90" dur="250"/>
-                                        <p:tgtEl>
-                                          <p:spTgt spid="214"/>
+                                        <p:cTn id="106" dur="250"/>
+                                        <p:tgtEl>
+                                          <p:spTgt spid="215"/>
+                                        </p:tgtEl>
+                                      </p:cBhvr>
+                                    </p:animEffect>
+                                  </p:childTnLst>
+                                </p:cTn>
+                              </p:par>
+                            </p:childTnLst>
+                          </p:cTn>
+                        </p:par>
+                        <p:par>
+                          <p:cTn id="107" fill="hold">
+                            <p:stCondLst>
+                              <p:cond delay="1500"/>
+                            </p:stCondLst>
+                            <p:childTnLst>
+                              <p:par>
+                                <p:cTn id="108" presetID="22" presetClass="entr" presetSubtype="1" fill="hold" grpId="0" nodeType="afterEffect">
+                                  <p:stCondLst>
+                                    <p:cond delay="0"/>
+                                  </p:stCondLst>
+                                  <p:childTnLst>
+                                    <p:set>
+                                      <p:cBhvr>
+                                        <p:cTn id="109" dur="1" fill="hold">
+                                          <p:stCondLst>
+                                            <p:cond delay="0"/>
+                                          </p:stCondLst>
+                                        </p:cTn>
+                                        <p:tgtEl>
+                                          <p:spTgt spid="218"/>
+                                        </p:tgtEl>
+                                        <p:attrNameLst>
+                                          <p:attrName>style.visibility</p:attrName>
+                                        </p:attrNameLst>
+                                      </p:cBhvr>
+                                      <p:to>
+                                        <p:strVal val="visible"/>
+                                      </p:to>
+                                    </p:set>
+                                    <p:animEffect transition="in" filter="wipe(up)">
+                                      <p:cBhvr>
+                                        <p:cTn id="110" dur="250"/>
+                                        <p:tgtEl>
+                                          <p:spTgt spid="218"/>
                                         </p:tgtEl>
                                       </p:cBhvr>
                                     </p:animEffect>
@@ -10598,32 +11238,32 @@
                     </p:cTn>
                   </p:par>
                   <p:par>
-                    <p:cTn id="91" fill="hold">
+                    <p:cTn id="111" fill="hold">
                       <p:stCondLst>
                         <p:cond delay="indefinite"/>
                       </p:stCondLst>
                       <p:childTnLst>
                         <p:par>
-                          <p:cTn id="92" fill="hold">
+                          <p:cTn id="112" fill="hold">
                             <p:stCondLst>
                               <p:cond delay="0"/>
                             </p:stCondLst>
                             <p:childTnLst>
                               <p:par>
-                                <p:cTn id="93" presetID="22" presetClass="entr" presetSubtype="1" fill="hold" grpId="0" nodeType="clickEffect">
+                                <p:cTn id="113" presetID="22" presetClass="entr" presetSubtype="1" fill="hold" grpId="0" nodeType="clickEffect">
                                   <p:stCondLst>
                                     <p:cond delay="0"/>
                                   </p:stCondLst>
                                   <p:childTnLst>
                                     <p:set>
                                       <p:cBhvr>
-                                        <p:cTn id="94" dur="1" fill="hold">
+                                        <p:cTn id="114" dur="1" fill="hold">
                                           <p:stCondLst>
                                             <p:cond delay="0"/>
                                           </p:stCondLst>
                                         </p:cTn>
                                         <p:tgtEl>
-                                          <p:spTgt spid="95"/>
+                                          <p:spTgt spid="40"/>
                                         </p:tgtEl>
                                         <p:attrNameLst>
                                           <p:attrName>style.visibility</p:attrName>
@@ -10635,9 +11275,44 @@
                                     </p:set>
                                     <p:animEffect transition="in" filter="wipe(up)">
                                       <p:cBhvr>
-                                        <p:cTn id="95" dur="250"/>
-                                        <p:tgtEl>
-                                          <p:spTgt spid="95"/>
+                                        <p:cTn id="115" dur="250"/>
+                                        <p:tgtEl>
+                                          <p:spTgt spid="40"/>
+                                        </p:tgtEl>
+                                      </p:cBhvr>
+                                    </p:animEffect>
+                                  </p:childTnLst>
+                                </p:cTn>
+                              </p:par>
+                              <p:par>
+                                <p:cTn id="116" presetID="22" presetClass="entr" presetSubtype="1" fill="hold" grpId="0" nodeType="withEffect">
+                                  <p:stCondLst>
+                                    <p:cond delay="0"/>
+                                  </p:stCondLst>
+                                  <p:childTnLst>
+                                    <p:set>
+                                      <p:cBhvr>
+                                        <p:cTn id="117" dur="1" fill="hold">
+                                          <p:stCondLst>
+                                            <p:cond delay="0"/>
+                                          </p:stCondLst>
+                                        </p:cTn>
+                                        <p:tgtEl>
+                                          <p:spTgt spid="81"/>
+                                        </p:tgtEl>
+                                        <p:attrNameLst>
+                                          <p:attrName>style.visibility</p:attrName>
+                                        </p:attrNameLst>
+                                      </p:cBhvr>
+                                      <p:to>
+                                        <p:strVal val="visible"/>
+                                      </p:to>
+                                    </p:set>
+                                    <p:animEffect transition="in" filter="wipe(up)">
+                                      <p:cBhvr>
+                                        <p:cTn id="118" dur="250"/>
+                                        <p:tgtEl>
+                                          <p:spTgt spid="81"/>
                                         </p:tgtEl>
                                       </p:cBhvr>
                                     </p:animEffect>
@@ -10648,26 +11323,26 @@
                           </p:cTn>
                         </p:par>
                         <p:par>
-                          <p:cTn id="96" fill="hold">
+                          <p:cTn id="119" fill="hold">
                             <p:stCondLst>
                               <p:cond delay="250"/>
                             </p:stCondLst>
                             <p:childTnLst>
                               <p:par>
-                                <p:cTn id="97" presetID="22" presetClass="entr" presetSubtype="1" fill="hold" grpId="0" nodeType="afterEffect">
+                                <p:cTn id="120" presetID="22" presetClass="entr" presetSubtype="1" fill="hold" grpId="0" nodeType="afterEffect">
                                   <p:stCondLst>
                                     <p:cond delay="0"/>
                                   </p:stCondLst>
                                   <p:childTnLst>
                                     <p:set>
                                       <p:cBhvr>
-                                        <p:cTn id="98" dur="1" fill="hold">
+                                        <p:cTn id="121" dur="1" fill="hold">
                                           <p:stCondLst>
                                             <p:cond delay="0"/>
                                           </p:stCondLst>
                                         </p:cTn>
                                         <p:tgtEl>
-                                          <p:spTgt spid="102"/>
+                                          <p:spTgt spid="100"/>
                                         </p:tgtEl>
                                         <p:attrNameLst>
                                           <p:attrName>style.visibility</p:attrName>
@@ -10679,9 +11354,9 @@
                                     </p:set>
                                     <p:animEffect transition="in" filter="wipe(up)">
                                       <p:cBhvr>
-                                        <p:cTn id="99" dur="250"/>
-                                        <p:tgtEl>
-                                          <p:spTgt spid="102"/>
+                                        <p:cTn id="122" dur="500"/>
+                                        <p:tgtEl>
+                                          <p:spTgt spid="100"/>
                                         </p:tgtEl>
                                       </p:cBhvr>
                                     </p:animEffect>
@@ -10692,26 +11367,26 @@
                           </p:cTn>
                         </p:par>
                         <p:par>
-                          <p:cTn id="100" fill="hold">
+                          <p:cTn id="123" fill="hold">
                             <p:stCondLst>
-                              <p:cond delay="500"/>
+                              <p:cond delay="750"/>
                             </p:stCondLst>
                             <p:childTnLst>
                               <p:par>
-                                <p:cTn id="101" presetID="22" presetClass="entr" presetSubtype="1" fill="hold" grpId="0" nodeType="afterEffect">
+                                <p:cTn id="124" presetID="22" presetClass="entr" presetSubtype="1" fill="hold" nodeType="afterEffect">
                                   <p:stCondLst>
                                     <p:cond delay="0"/>
                                   </p:stCondLst>
                                   <p:childTnLst>
                                     <p:set>
                                       <p:cBhvr>
-                                        <p:cTn id="102" dur="1" fill="hold">
+                                        <p:cTn id="125" dur="1" fill="hold">
                                           <p:stCondLst>
                                             <p:cond delay="0"/>
                                           </p:stCondLst>
                                         </p:cTn>
                                         <p:tgtEl>
-                                          <p:spTgt spid="195"/>
+                                          <p:spTgt spid="82"/>
                                         </p:tgtEl>
                                         <p:attrNameLst>
                                           <p:attrName>style.visibility</p:attrName>
@@ -10723,9 +11398,9 @@
                                     </p:set>
                                     <p:animEffect transition="in" filter="wipe(up)">
                                       <p:cBhvr>
-                                        <p:cTn id="103" dur="500"/>
-                                        <p:tgtEl>
-                                          <p:spTgt spid="195"/>
+                                        <p:cTn id="126" dur="250"/>
+                                        <p:tgtEl>
+                                          <p:spTgt spid="82"/>
                                         </p:tgtEl>
                                       </p:cBhvr>
                                     </p:animEffect>
@@ -10736,26 +11411,26 @@
                           </p:cTn>
                         </p:par>
                         <p:par>
-                          <p:cTn id="104" fill="hold">
+                          <p:cTn id="127" fill="hold">
                             <p:stCondLst>
                               <p:cond delay="1000"/>
                             </p:stCondLst>
                             <p:childTnLst>
                               <p:par>
-                                <p:cTn id="105" presetID="22" presetClass="entr" presetSubtype="1" fill="hold" nodeType="afterEffect">
+                                <p:cTn id="128" presetID="22" presetClass="entr" presetSubtype="1" fill="hold" grpId="0" nodeType="afterEffect">
                                   <p:stCondLst>
                                     <p:cond delay="0"/>
                                   </p:stCondLst>
                                   <p:childTnLst>
                                     <p:set>
                                       <p:cBhvr>
-                                        <p:cTn id="106" dur="1" fill="hold">
+                                        <p:cTn id="129" dur="1" fill="hold">
                                           <p:stCondLst>
                                             <p:cond delay="0"/>
                                           </p:stCondLst>
                                         </p:cTn>
                                         <p:tgtEl>
-                                          <p:spTgt spid="111"/>
+                                          <p:spTgt spid="86"/>
                                         </p:tgtEl>
                                         <p:attrNameLst>
                                           <p:attrName>style.visibility</p:attrName>
@@ -10767,9 +11442,9 @@
                                     </p:set>
                                     <p:animEffect transition="in" filter="wipe(up)">
                                       <p:cBhvr>
-                                        <p:cTn id="107" dur="250"/>
-                                        <p:tgtEl>
-                                          <p:spTgt spid="111"/>
+                                        <p:cTn id="130" dur="250"/>
+                                        <p:tgtEl>
+                                          <p:spTgt spid="86"/>
                                         </p:tgtEl>
                                       </p:cBhvr>
                                     </p:animEffect>
@@ -10780,26 +11455,26 @@
                           </p:cTn>
                         </p:par>
                         <p:par>
-                          <p:cTn id="108" fill="hold">
+                          <p:cTn id="131" fill="hold">
                             <p:stCondLst>
                               <p:cond delay="1250"/>
                             </p:stCondLst>
                             <p:childTnLst>
                               <p:par>
-                                <p:cTn id="109" presetID="22" presetClass="entr" presetSubtype="1" fill="hold" grpId="0" nodeType="afterEffect">
+                                <p:cTn id="132" presetID="22" presetClass="entr" presetSubtype="1" fill="hold" grpId="0" nodeType="afterEffect">
                                   <p:stCondLst>
                                     <p:cond delay="0"/>
                                   </p:stCondLst>
                                   <p:childTnLst>
                                     <p:set>
                                       <p:cBhvr>
-                                        <p:cTn id="110" dur="1" fill="hold">
+                                        <p:cTn id="133" dur="1" fill="hold">
                                           <p:stCondLst>
                                             <p:cond delay="0"/>
                                           </p:stCondLst>
                                         </p:cTn>
                                         <p:tgtEl>
-                                          <p:spTgt spid="215"/>
+                                          <p:spTgt spid="89"/>
                                         </p:tgtEl>
                                         <p:attrNameLst>
                                           <p:attrName>style.visibility</p:attrName>
@@ -10811,9 +11486,9 @@
                                     </p:set>
                                     <p:animEffect transition="in" filter="wipe(up)">
                                       <p:cBhvr>
-                                        <p:cTn id="111" dur="250"/>
-                                        <p:tgtEl>
-                                          <p:spTgt spid="215"/>
+                                        <p:cTn id="134" dur="250"/>
+                                        <p:tgtEl>
+                                          <p:spTgt spid="89"/>
                                         </p:tgtEl>
                                       </p:cBhvr>
                                     </p:animEffect>
@@ -10824,26 +11499,26 @@
                           </p:cTn>
                         </p:par>
                         <p:par>
-                          <p:cTn id="112" fill="hold">
+                          <p:cTn id="135" fill="hold">
                             <p:stCondLst>
                               <p:cond delay="1500"/>
                             </p:stCondLst>
                             <p:childTnLst>
                               <p:par>
-                                <p:cTn id="113" presetID="22" presetClass="entr" presetSubtype="1" fill="hold" grpId="0" nodeType="afterEffect">
+                                <p:cTn id="136" presetID="22" presetClass="entr" presetSubtype="1" fill="hold" grpId="0" nodeType="afterEffect">
                                   <p:stCondLst>
                                     <p:cond delay="0"/>
                                   </p:stCondLst>
                                   <p:childTnLst>
                                     <p:set>
                                       <p:cBhvr>
-                                        <p:cTn id="114" dur="1" fill="hold">
+                                        <p:cTn id="137" dur="1" fill="hold">
                                           <p:stCondLst>
                                             <p:cond delay="0"/>
                                           </p:stCondLst>
                                         </p:cTn>
                                         <p:tgtEl>
-                                          <p:spTgt spid="218"/>
+                                          <p:spTgt spid="126"/>
                                         </p:tgtEl>
                                         <p:attrNameLst>
                                           <p:attrName>style.visibility</p:attrName>
@@ -10855,9 +11530,229 @@
                                     </p:set>
                                     <p:animEffect transition="in" filter="wipe(up)">
                                       <p:cBhvr>
-                                        <p:cTn id="115" dur="250"/>
-                                        <p:tgtEl>
-                                          <p:spTgt spid="218"/>
+                                        <p:cTn id="138" dur="500"/>
+                                        <p:tgtEl>
+                                          <p:spTgt spid="126"/>
+                                        </p:tgtEl>
+                                      </p:cBhvr>
+                                    </p:animEffect>
+                                  </p:childTnLst>
+                                </p:cTn>
+                              </p:par>
+                            </p:childTnLst>
+                          </p:cTn>
+                        </p:par>
+                        <p:par>
+                          <p:cTn id="139" fill="hold">
+                            <p:stCondLst>
+                              <p:cond delay="2000"/>
+                            </p:stCondLst>
+                            <p:childTnLst>
+                              <p:par>
+                                <p:cTn id="140" presetID="22" presetClass="entr" presetSubtype="1" fill="hold" nodeType="afterEffect">
+                                  <p:stCondLst>
+                                    <p:cond delay="0"/>
+                                  </p:stCondLst>
+                                  <p:childTnLst>
+                                    <p:set>
+                                      <p:cBhvr>
+                                        <p:cTn id="141" dur="1" fill="hold">
+                                          <p:stCondLst>
+                                            <p:cond delay="0"/>
+                                          </p:stCondLst>
+                                        </p:cTn>
+                                        <p:tgtEl>
+                                          <p:spTgt spid="121"/>
+                                        </p:tgtEl>
+                                        <p:attrNameLst>
+                                          <p:attrName>style.visibility</p:attrName>
+                                        </p:attrNameLst>
+                                      </p:cBhvr>
+                                      <p:to>
+                                        <p:strVal val="visible"/>
+                                      </p:to>
+                                    </p:set>
+                                    <p:animEffect transition="in" filter="wipe(up)">
+                                      <p:cBhvr>
+                                        <p:cTn id="142" dur="250"/>
+                                        <p:tgtEl>
+                                          <p:spTgt spid="121"/>
+                                        </p:tgtEl>
+                                      </p:cBhvr>
+                                    </p:animEffect>
+                                  </p:childTnLst>
+                                </p:cTn>
+                              </p:par>
+                            </p:childTnLst>
+                          </p:cTn>
+                        </p:par>
+                        <p:par>
+                          <p:cTn id="143" fill="hold">
+                            <p:stCondLst>
+                              <p:cond delay="2250"/>
+                            </p:stCondLst>
+                            <p:childTnLst>
+                              <p:par>
+                                <p:cTn id="144" presetID="22" presetClass="entr" presetSubtype="1" fill="hold" grpId="0" nodeType="afterEffect">
+                                  <p:stCondLst>
+                                    <p:cond delay="0"/>
+                                  </p:stCondLst>
+                                  <p:childTnLst>
+                                    <p:set>
+                                      <p:cBhvr>
+                                        <p:cTn id="145" dur="1" fill="hold">
+                                          <p:stCondLst>
+                                            <p:cond delay="0"/>
+                                          </p:stCondLst>
+                                        </p:cTn>
+                                        <p:tgtEl>
+                                          <p:spTgt spid="262"/>
+                                        </p:tgtEl>
+                                        <p:attrNameLst>
+                                          <p:attrName>style.visibility</p:attrName>
+                                        </p:attrNameLst>
+                                      </p:cBhvr>
+                                      <p:to>
+                                        <p:strVal val="visible"/>
+                                      </p:to>
+                                    </p:set>
+                                    <p:animEffect transition="in" filter="wipe(up)">
+                                      <p:cBhvr>
+                                        <p:cTn id="146" dur="250"/>
+                                        <p:tgtEl>
+                                          <p:spTgt spid="262"/>
+                                        </p:tgtEl>
+                                      </p:cBhvr>
+                                    </p:animEffect>
+                                  </p:childTnLst>
+                                </p:cTn>
+                              </p:par>
+                            </p:childTnLst>
+                          </p:cTn>
+                        </p:par>
+                        <p:par>
+                          <p:cTn id="147" fill="hold">
+                            <p:stCondLst>
+                              <p:cond delay="2500"/>
+                            </p:stCondLst>
+                            <p:childTnLst>
+                              <p:par>
+                                <p:cTn id="148" presetID="22" presetClass="entr" presetSubtype="1" fill="hold" grpId="0" nodeType="afterEffect">
+                                  <p:stCondLst>
+                                    <p:cond delay="0"/>
+                                  </p:stCondLst>
+                                  <p:childTnLst>
+                                    <p:set>
+                                      <p:cBhvr>
+                                        <p:cTn id="149" dur="1" fill="hold">
+                                          <p:stCondLst>
+                                            <p:cond delay="0"/>
+                                          </p:stCondLst>
+                                        </p:cTn>
+                                        <p:tgtEl>
+                                          <p:spTgt spid="254"/>
+                                        </p:tgtEl>
+                                        <p:attrNameLst>
+                                          <p:attrName>style.visibility</p:attrName>
+                                        </p:attrNameLst>
+                                      </p:cBhvr>
+                                      <p:to>
+                                        <p:strVal val="visible"/>
+                                      </p:to>
+                                    </p:set>
+                                    <p:animEffect transition="in" filter="wipe(up)">
+                                      <p:cBhvr>
+                                        <p:cTn id="150" dur="250"/>
+                                        <p:tgtEl>
+                                          <p:spTgt spid="254"/>
+                                        </p:tgtEl>
+                                      </p:cBhvr>
+                                    </p:animEffect>
+                                  </p:childTnLst>
+                                </p:cTn>
+                              </p:par>
+                            </p:childTnLst>
+                          </p:cTn>
+                        </p:par>
+                        <p:par>
+                          <p:cTn id="151" fill="hold">
+                            <p:stCondLst>
+                              <p:cond delay="2750"/>
+                            </p:stCondLst>
+                            <p:childTnLst>
+                              <p:par>
+                                <p:cTn id="152" presetID="22" presetClass="entr" presetSubtype="1" fill="hold" nodeType="afterEffect">
+                                  <p:stCondLst>
+                                    <p:cond delay="0"/>
+                                  </p:stCondLst>
+                                  <p:childTnLst>
+                                    <p:set>
+                                      <p:cBhvr>
+                                        <p:cTn id="153" dur="1" fill="hold">
+                                          <p:stCondLst>
+                                            <p:cond delay="0"/>
+                                          </p:stCondLst>
+                                        </p:cTn>
+                                        <p:tgtEl>
+                                          <p:spTgt spid="220"/>
+                                        </p:tgtEl>
+                                        <p:attrNameLst>
+                                          <p:attrName>style.visibility</p:attrName>
+                                        </p:attrNameLst>
+                                      </p:cBhvr>
+                                      <p:to>
+                                        <p:strVal val="visible"/>
+                                      </p:to>
+                                    </p:set>
+                                    <p:animEffect transition="in" filter="wipe(up)">
+                                      <p:cBhvr>
+                                        <p:cTn id="154" dur="250"/>
+                                        <p:tgtEl>
+                                          <p:spTgt spid="220"/>
+                                        </p:tgtEl>
+                                      </p:cBhvr>
+                                    </p:animEffect>
+                                  </p:childTnLst>
+                                </p:cTn>
+                              </p:par>
+                            </p:childTnLst>
+                          </p:cTn>
+                        </p:par>
+                        <p:par>
+                          <p:cTn id="155" fill="hold">
+                            <p:stCondLst>
+                              <p:cond delay="3000"/>
+                            </p:stCondLst>
+                            <p:childTnLst>
+                              <p:par>
+                                <p:cTn id="156" presetID="22" presetClass="entr" presetSubtype="1" fill="hold" grpId="0" nodeType="afterEffect">
+                                  <p:stCondLst>
+                                    <p:cond delay="0"/>
+                                  </p:stCondLst>
+                                  <p:childTnLst>
+                                    <p:set>
+                                      <p:cBhvr>
+                                        <p:cTn id="157" dur="1" fill="hold">
+                                          <p:stCondLst>
+                                            <p:cond delay="0"/>
+                                          </p:stCondLst>
+                                        </p:cTn>
+                                        <p:tgtEl>
+                                          <p:spTgt spid="263"/>
+                                        </p:tgtEl>
+                                        <p:attrNameLst>
+                                          <p:attrName>style.visibility</p:attrName>
+                                        </p:attrNameLst>
+                                      </p:cBhvr>
+                                      <p:to>
+                                        <p:strVal val="visible"/>
+                                      </p:to>
+                                    </p:set>
+                                    <p:animEffect transition="in" filter="wipe(up)">
+                                      <p:cBhvr>
+                                        <p:cTn id="158" dur="250"/>
+                                        <p:tgtEl>
+                                          <p:spTgt spid="263"/>
                                         </p:tgtEl>
                                       </p:cBhvr>
                                     </p:animEffect>
@@ -10871,32 +11766,32 @@
                     </p:cTn>
                   </p:par>
                   <p:par>
-                    <p:cTn id="116" fill="hold">
+                    <p:cTn id="159" fill="hold">
                       <p:stCondLst>
                         <p:cond delay="indefinite"/>
                       </p:stCondLst>
                       <p:childTnLst>
                         <p:par>
-                          <p:cTn id="117" fill="hold">
+                          <p:cTn id="160" fill="hold">
                             <p:stCondLst>
                               <p:cond delay="0"/>
                             </p:stCondLst>
                             <p:childTnLst>
                               <p:par>
-                                <p:cTn id="118" presetID="22" presetClass="entr" presetSubtype="1" fill="hold" grpId="0" nodeType="clickEffect">
+                                <p:cTn id="161" presetID="22" presetClass="entr" presetSubtype="1" fill="hold" grpId="0" nodeType="clickEffect">
                                   <p:stCondLst>
                                     <p:cond delay="0"/>
                                   </p:stCondLst>
                                   <p:childTnLst>
                                     <p:set>
                                       <p:cBhvr>
-                                        <p:cTn id="119" dur="1" fill="hold">
+                                        <p:cTn id="162" dur="1" fill="hold">
                                           <p:stCondLst>
                                             <p:cond delay="0"/>
                                           </p:stCondLst>
                                         </p:cTn>
                                         <p:tgtEl>
-                                          <p:spTgt spid="40"/>
+                                          <p:spTgt spid="54"/>
                                         </p:tgtEl>
                                         <p:attrNameLst>
                                           <p:attrName>style.visibility</p:attrName>
@@ -10908,44 +11803,9 @@
                                     </p:set>
                                     <p:animEffect transition="in" filter="wipe(up)">
                                       <p:cBhvr>
-                                        <p:cTn id="120" dur="250"/>
-                                        <p:tgtEl>
-                                          <p:spTgt spid="40"/>
-                                        </p:tgtEl>
-                                      </p:cBhvr>
-                                    </p:animEffect>
-                                  </p:childTnLst>
-                                </p:cTn>
-                              </p:par>
-                              <p:par>
-                                <p:cTn id="121" presetID="22" presetClass="entr" presetSubtype="1" fill="hold" grpId="0" nodeType="withEffect">
-                                  <p:stCondLst>
-                                    <p:cond delay="0"/>
-                                  </p:stCondLst>
-                                  <p:childTnLst>
-                                    <p:set>
-                                      <p:cBhvr>
-                                        <p:cTn id="122" dur="1" fill="hold">
-                                          <p:stCondLst>
-                                            <p:cond delay="0"/>
-                                          </p:stCondLst>
-                                        </p:cTn>
-                                        <p:tgtEl>
-                                          <p:spTgt spid="81"/>
-                                        </p:tgtEl>
-                                        <p:attrNameLst>
-                                          <p:attrName>style.visibility</p:attrName>
-                                        </p:attrNameLst>
-                                      </p:cBhvr>
-                                      <p:to>
-                                        <p:strVal val="visible"/>
-                                      </p:to>
-                                    </p:set>
-                                    <p:animEffect transition="in" filter="wipe(up)">
-                                      <p:cBhvr>
-                                        <p:cTn id="123" dur="250"/>
-                                        <p:tgtEl>
-                                          <p:spTgt spid="81"/>
+                                        <p:cTn id="163" dur="250"/>
+                                        <p:tgtEl>
+                                          <p:spTgt spid="54"/>
                                         </p:tgtEl>
                                       </p:cBhvr>
                                     </p:animEffect>
@@ -10956,26 +11816,26 @@
                           </p:cTn>
                         </p:par>
                         <p:par>
-                          <p:cTn id="124" fill="hold">
+                          <p:cTn id="164" fill="hold">
                             <p:stCondLst>
                               <p:cond delay="250"/>
                             </p:stCondLst>
                             <p:childTnLst>
                               <p:par>
-                                <p:cTn id="125" presetID="22" presetClass="entr" presetSubtype="1" fill="hold" grpId="0" nodeType="afterEffect">
+                                <p:cTn id="165" presetID="22" presetClass="entr" presetSubtype="1" fill="hold" grpId="0" nodeType="afterEffect">
                                   <p:stCondLst>
                                     <p:cond delay="0"/>
                                   </p:stCondLst>
                                   <p:childTnLst>
                                     <p:set>
                                       <p:cBhvr>
-                                        <p:cTn id="126" dur="1" fill="hold">
+                                        <p:cTn id="166" dur="1" fill="hold">
                                           <p:stCondLst>
                                             <p:cond delay="0"/>
                                           </p:stCondLst>
                                         </p:cTn>
                                         <p:tgtEl>
-                                          <p:spTgt spid="100"/>
+                                          <p:spTgt spid="73"/>
                                         </p:tgtEl>
                                         <p:attrNameLst>
                                           <p:attrName>style.visibility</p:attrName>
@@ -10987,9 +11847,9 @@
                                     </p:set>
                                     <p:animEffect transition="in" filter="wipe(up)">
                                       <p:cBhvr>
-                                        <p:cTn id="127" dur="500"/>
-                                        <p:tgtEl>
-                                          <p:spTgt spid="100"/>
+                                        <p:cTn id="167" dur="250"/>
+                                        <p:tgtEl>
+                                          <p:spTgt spid="73"/>
                                         </p:tgtEl>
                                       </p:cBhvr>
                                     </p:animEffect>
@@ -11000,26 +11860,26 @@
                           </p:cTn>
                         </p:par>
                         <p:par>
-                          <p:cTn id="128" fill="hold">
+                          <p:cTn id="168" fill="hold">
                             <p:stCondLst>
-                              <p:cond delay="750"/>
+                              <p:cond delay="500"/>
                             </p:stCondLst>
                             <p:childTnLst>
                               <p:par>
-                                <p:cTn id="129" presetID="22" presetClass="entr" presetSubtype="1" fill="hold" nodeType="afterEffect">
+                                <p:cTn id="169" presetID="22" presetClass="entr" presetSubtype="1" fill="hold" grpId="0" nodeType="afterEffect">
                                   <p:stCondLst>
                                     <p:cond delay="0"/>
                                   </p:stCondLst>
                                   <p:childTnLst>
                                     <p:set>
                                       <p:cBhvr>
-                                        <p:cTn id="130" dur="1" fill="hold">
+                                        <p:cTn id="170" dur="1" fill="hold">
                                           <p:stCondLst>
                                             <p:cond delay="0"/>
                                           </p:stCondLst>
                                         </p:cTn>
                                         <p:tgtEl>
-                                          <p:spTgt spid="82"/>
+                                          <p:spTgt spid="79"/>
                                         </p:tgtEl>
                                         <p:attrNameLst>
                                           <p:attrName>style.visibility</p:attrName>
@@ -11031,9 +11891,9 @@
                                     </p:set>
                                     <p:animEffect transition="in" filter="wipe(up)">
                                       <p:cBhvr>
-                                        <p:cTn id="131" dur="250"/>
-                                        <p:tgtEl>
-                                          <p:spTgt spid="82"/>
+                                        <p:cTn id="171" dur="500"/>
+                                        <p:tgtEl>
+                                          <p:spTgt spid="79"/>
                                         </p:tgtEl>
                                       </p:cBhvr>
                                     </p:animEffect>
@@ -11044,26 +11904,26 @@
                           </p:cTn>
                         </p:par>
                         <p:par>
-                          <p:cTn id="132" fill="hold">
+                          <p:cTn id="172" fill="hold">
                             <p:stCondLst>
                               <p:cond delay="1000"/>
                             </p:stCondLst>
                             <p:childTnLst>
                               <p:par>
-                                <p:cTn id="133" presetID="22" presetClass="entr" presetSubtype="1" fill="hold" grpId="0" nodeType="afterEffect">
+                                <p:cTn id="173" presetID="22" presetClass="entr" presetSubtype="1" fill="hold" nodeType="afterEffect">
                                   <p:stCondLst>
                                     <p:cond delay="0"/>
                                   </p:stCondLst>
                                   <p:childTnLst>
                                     <p:set>
                                       <p:cBhvr>
-                                        <p:cTn id="134" dur="1" fill="hold">
+                                        <p:cTn id="174" dur="1" fill="hold">
                                           <p:stCondLst>
                                             <p:cond delay="0"/>
                                           </p:stCondLst>
                                         </p:cTn>
                                         <p:tgtEl>
-                                          <p:spTgt spid="86"/>
+                                          <p:spTgt spid="55"/>
                                         </p:tgtEl>
                                         <p:attrNameLst>
                                           <p:attrName>style.visibility</p:attrName>
@@ -11075,9 +11935,9 @@
                                     </p:set>
                                     <p:animEffect transition="in" filter="wipe(up)">
                                       <p:cBhvr>
-                                        <p:cTn id="135" dur="250"/>
-                                        <p:tgtEl>
-                                          <p:spTgt spid="86"/>
+                                        <p:cTn id="175" dur="250"/>
+                                        <p:tgtEl>
+                                          <p:spTgt spid="55"/>
                                         </p:tgtEl>
                                       </p:cBhvr>
                                     </p:animEffect>
@@ -11088,26 +11948,26 @@
                           </p:cTn>
                         </p:par>
                         <p:par>
-                          <p:cTn id="136" fill="hold">
+                          <p:cTn id="176" fill="hold">
                             <p:stCondLst>
                               <p:cond delay="1250"/>
                             </p:stCondLst>
                             <p:childTnLst>
                               <p:par>
-                                <p:cTn id="137" presetID="22" presetClass="entr" presetSubtype="1" fill="hold" grpId="0" nodeType="afterEffect">
+                                <p:cTn id="177" presetID="22" presetClass="entr" presetSubtype="1" fill="hold" grpId="0" nodeType="afterEffect">
                                   <p:stCondLst>
                                     <p:cond delay="0"/>
                                   </p:stCondLst>
                                   <p:childTnLst>
                                     <p:set>
                                       <p:cBhvr>
-                                        <p:cTn id="138" dur="1" fill="hold">
+                                        <p:cTn id="178" dur="1" fill="hold">
                                           <p:stCondLst>
                                             <p:cond delay="0"/>
                                           </p:stCondLst>
                                         </p:cTn>
                                         <p:tgtEl>
-                                          <p:spTgt spid="89"/>
+                                          <p:spTgt spid="59"/>
                                         </p:tgtEl>
                                         <p:attrNameLst>
                                           <p:attrName>style.visibility</p:attrName>
@@ -11119,9 +11979,9 @@
                                     </p:set>
                                     <p:animEffect transition="in" filter="wipe(up)">
                                       <p:cBhvr>
-                                        <p:cTn id="139" dur="250"/>
-                                        <p:tgtEl>
-                                          <p:spTgt spid="89"/>
+                                        <p:cTn id="179" dur="500"/>
+                                        <p:tgtEl>
+                                          <p:spTgt spid="59"/>
                                         </p:tgtEl>
                                       </p:cBhvr>
                                     </p:animEffect>
@@ -11132,26 +11992,26 @@
                           </p:cTn>
                         </p:par>
                         <p:par>
-                          <p:cTn id="140" fill="hold">
+                          <p:cTn id="180" fill="hold">
                             <p:stCondLst>
-                              <p:cond delay="1500"/>
+                              <p:cond delay="1750"/>
                             </p:stCondLst>
                             <p:childTnLst>
                               <p:par>
-                                <p:cTn id="141" presetID="22" presetClass="entr" presetSubtype="1" fill="hold" grpId="0" nodeType="afterEffect">
+                                <p:cTn id="181" presetID="22" presetClass="entr" presetSubtype="1" fill="hold" grpId="0" nodeType="afterEffect">
                                   <p:stCondLst>
                                     <p:cond delay="0"/>
                                   </p:stCondLst>
                                   <p:childTnLst>
                                     <p:set>
                                       <p:cBhvr>
-                                        <p:cTn id="142" dur="1" fill="hold">
+                                        <p:cTn id="182" dur="1" fill="hold">
                                           <p:stCondLst>
                                             <p:cond delay="0"/>
                                           </p:stCondLst>
                                         </p:cTn>
                                         <p:tgtEl>
-                                          <p:spTgt spid="126"/>
+                                          <p:spTgt spid="62"/>
                                         </p:tgtEl>
                                         <p:attrNameLst>
                                           <p:attrName>style.visibility</p:attrName>
@@ -11163,9 +12023,9 @@
                                     </p:set>
                                     <p:animEffect transition="in" filter="wipe(up)">
                                       <p:cBhvr>
-                                        <p:cTn id="143" dur="500"/>
-                                        <p:tgtEl>
-                                          <p:spTgt spid="126"/>
+                                        <p:cTn id="183" dur="250"/>
+                                        <p:tgtEl>
+                                          <p:spTgt spid="62"/>
                                         </p:tgtEl>
                                       </p:cBhvr>
                                     </p:animEffect>
@@ -11176,26 +12036,26 @@
                           </p:cTn>
                         </p:par>
                         <p:par>
-                          <p:cTn id="144" fill="hold">
+                          <p:cTn id="184" fill="hold">
                             <p:stCondLst>
                               <p:cond delay="2000"/>
                             </p:stCondLst>
                             <p:childTnLst>
                               <p:par>
-                                <p:cTn id="145" presetID="22" presetClass="entr" presetSubtype="1" fill="hold" nodeType="afterEffect">
+                                <p:cTn id="185" presetID="22" presetClass="entr" presetSubtype="1" fill="hold" grpId="0" nodeType="afterEffect">
                                   <p:stCondLst>
                                     <p:cond delay="0"/>
                                   </p:stCondLst>
                                   <p:childTnLst>
                                     <p:set>
                                       <p:cBhvr>
-                                        <p:cTn id="146" dur="1" fill="hold">
+                                        <p:cTn id="186" dur="1" fill="hold">
                                           <p:stCondLst>
                                             <p:cond delay="0"/>
                                           </p:stCondLst>
                                         </p:cTn>
                                         <p:tgtEl>
-                                          <p:spTgt spid="121"/>
+                                          <p:spTgt spid="261"/>
                                         </p:tgtEl>
                                         <p:attrNameLst>
                                           <p:attrName>style.visibility</p:attrName>
@@ -11207,9 +12067,9 @@
                                     </p:set>
                                     <p:animEffect transition="in" filter="wipe(up)">
                                       <p:cBhvr>
-                                        <p:cTn id="147" dur="250"/>
-                                        <p:tgtEl>
-                                          <p:spTgt spid="121"/>
+                                        <p:cTn id="187" dur="500"/>
+                                        <p:tgtEl>
+                                          <p:spTgt spid="261"/>
                                         </p:tgtEl>
                                       </p:cBhvr>
                                     </p:animEffect>
@@ -11220,26 +12080,26 @@
                           </p:cTn>
                         </p:par>
                         <p:par>
-                          <p:cTn id="148" fill="hold">
+                          <p:cTn id="188" fill="hold">
                             <p:stCondLst>
-                              <p:cond delay="2250"/>
+                              <p:cond delay="2500"/>
                             </p:stCondLst>
                             <p:childTnLst>
                               <p:par>
-                                <p:cTn id="149" presetID="22" presetClass="entr" presetSubtype="1" fill="hold" grpId="0" nodeType="afterEffect">
+                                <p:cTn id="189" presetID="22" presetClass="entr" presetSubtype="1" fill="hold" nodeType="afterEffect">
                                   <p:stCondLst>
                                     <p:cond delay="0"/>
                                   </p:stCondLst>
                                   <p:childTnLst>
                                     <p:set>
                                       <p:cBhvr>
-                                        <p:cTn id="150" dur="1" fill="hold">
+                                        <p:cTn id="190" dur="1" fill="hold">
                                           <p:stCondLst>
                                             <p:cond delay="0"/>
                                           </p:stCondLst>
                                         </p:cTn>
                                         <p:tgtEl>
-                                          <p:spTgt spid="262"/>
+                                          <p:spTgt spid="256"/>
                                         </p:tgtEl>
                                         <p:attrNameLst>
                                           <p:attrName>style.visibility</p:attrName>
@@ -11251,9 +12111,9 @@
                                     </p:set>
                                     <p:animEffect transition="in" filter="wipe(up)">
                                       <p:cBhvr>
-                                        <p:cTn id="151" dur="250"/>
-                                        <p:tgtEl>
-                                          <p:spTgt spid="262"/>
+                                        <p:cTn id="191" dur="250"/>
+                                        <p:tgtEl>
+                                          <p:spTgt spid="256"/>
                                         </p:tgtEl>
                                       </p:cBhvr>
                                     </p:animEffect>
@@ -11264,26 +12124,26 @@
                           </p:cTn>
                         </p:par>
                         <p:par>
-                          <p:cTn id="152" fill="hold">
+                          <p:cTn id="192" fill="hold">
                             <p:stCondLst>
-                              <p:cond delay="2500"/>
+                              <p:cond delay="2750"/>
                             </p:stCondLst>
                             <p:childTnLst>
                               <p:par>
-                                <p:cTn id="153" presetID="22" presetClass="entr" presetSubtype="1" fill="hold" grpId="0" nodeType="afterEffect">
+                                <p:cTn id="193" presetID="22" presetClass="entr" presetSubtype="1" fill="hold" grpId="0" nodeType="afterEffect">
                                   <p:stCondLst>
                                     <p:cond delay="0"/>
                                   </p:stCondLst>
                                   <p:childTnLst>
                                     <p:set>
                                       <p:cBhvr>
-                                        <p:cTn id="154" dur="1" fill="hold">
+                                        <p:cTn id="194" dur="1" fill="hold">
                                           <p:stCondLst>
                                             <p:cond delay="0"/>
                                           </p:stCondLst>
                                         </p:cTn>
                                         <p:tgtEl>
-                                          <p:spTgt spid="254"/>
+                                          <p:spTgt spid="266"/>
                                         </p:tgtEl>
                                         <p:attrNameLst>
                                           <p:attrName>style.visibility</p:attrName>
@@ -11295,9 +12155,9 @@
                                     </p:set>
                                     <p:animEffect transition="in" filter="wipe(up)">
                                       <p:cBhvr>
-                                        <p:cTn id="155" dur="250"/>
-                                        <p:tgtEl>
-                                          <p:spTgt spid="254"/>
+                                        <p:cTn id="195" dur="250"/>
+                                        <p:tgtEl>
+                                          <p:spTgt spid="266"/>
                                         </p:tgtEl>
                                       </p:cBhvr>
                                     </p:animEffect>
@@ -11308,26 +12168,26 @@
                           </p:cTn>
                         </p:par>
                         <p:par>
-                          <p:cTn id="156" fill="hold">
+                          <p:cTn id="196" fill="hold">
                             <p:stCondLst>
-                              <p:cond delay="2750"/>
+                              <p:cond delay="3000"/>
                             </p:stCondLst>
                             <p:childTnLst>
                               <p:par>
-                                <p:cTn id="157" presetID="22" presetClass="entr" presetSubtype="1" fill="hold" nodeType="afterEffect">
+                                <p:cTn id="197" presetID="22" presetClass="entr" presetSubtype="1" fill="hold" grpId="0" nodeType="afterEffect">
                                   <p:stCondLst>
                                     <p:cond delay="0"/>
                                   </p:stCondLst>
                                   <p:childTnLst>
                                     <p:set>
                                       <p:cBhvr>
-                                        <p:cTn id="158" dur="1" fill="hold">
+                                        <p:cTn id="198" dur="1" fill="hold">
                                           <p:stCondLst>
                                             <p:cond delay="0"/>
                                           </p:stCondLst>
                                         </p:cTn>
                                         <p:tgtEl>
-                                          <p:spTgt spid="220"/>
+                                          <p:spTgt spid="267"/>
                                         </p:tgtEl>
                                         <p:attrNameLst>
                                           <p:attrName>style.visibility</p:attrName>
@@ -11339,53 +12199,9 @@
                                     </p:set>
                                     <p:animEffect transition="in" filter="wipe(up)">
                                       <p:cBhvr>
-                                        <p:cTn id="159" dur="250"/>
-                                        <p:tgtEl>
-                                          <p:spTgt spid="220"/>
-                                        </p:tgtEl>
-                                      </p:cBhvr>
-                                    </p:animEffect>
-                                  </p:childTnLst>
-                                </p:cTn>
-                              </p:par>
-                            </p:childTnLst>
-                          </p:cTn>
-                        </p:par>
-                        <p:par>
-                          <p:cTn id="160" fill="hold">
-                            <p:stCondLst>
-                              <p:cond delay="3000"/>
-                            </p:stCondLst>
-                            <p:childTnLst>
-                              <p:par>
-                                <p:cTn id="161" presetID="22" presetClass="entr" presetSubtype="1" fill="hold" grpId="0" nodeType="afterEffect">
-                                  <p:stCondLst>
-                                    <p:cond delay="0"/>
-                                  </p:stCondLst>
-                                  <p:childTnLst>
-                                    <p:set>
-                                      <p:cBhvr>
-                                        <p:cTn id="162" dur="1" fill="hold">
-                                          <p:stCondLst>
-                                            <p:cond delay="0"/>
-                                          </p:stCondLst>
-                                        </p:cTn>
-                                        <p:tgtEl>
-                                          <p:spTgt spid="263"/>
-                                        </p:tgtEl>
-                                        <p:attrNameLst>
-                                          <p:attrName>style.visibility</p:attrName>
-                                        </p:attrNameLst>
-                                      </p:cBhvr>
-                                      <p:to>
-                                        <p:strVal val="visible"/>
-                                      </p:to>
-                                    </p:set>
-                                    <p:animEffect transition="in" filter="wipe(up)">
-                                      <p:cBhvr>
-                                        <p:cTn id="163" dur="250"/>
-                                        <p:tgtEl>
-                                          <p:spTgt spid="263"/>
+                                        <p:cTn id="199" dur="250"/>
+                                        <p:tgtEl>
+                                          <p:spTgt spid="267"/>
                                         </p:tgtEl>
                                       </p:cBhvr>
                                     </p:animEffect>
@@ -11399,32 +12215,32 @@
                     </p:cTn>
                   </p:par>
                   <p:par>
-                    <p:cTn id="164" fill="hold">
+                    <p:cTn id="200" fill="hold">
                       <p:stCondLst>
                         <p:cond delay="indefinite"/>
                       </p:stCondLst>
                       <p:childTnLst>
                         <p:par>
-                          <p:cTn id="165" fill="hold">
+                          <p:cTn id="201" fill="hold">
                             <p:stCondLst>
                               <p:cond delay="0"/>
                             </p:stCondLst>
                             <p:childTnLst>
                               <p:par>
-                                <p:cTn id="166" presetID="22" presetClass="entr" presetSubtype="1" fill="hold" grpId="0" nodeType="clickEffect">
+                                <p:cTn id="202" presetID="22" presetClass="entr" presetSubtype="8" fill="hold" grpId="0" nodeType="clickEffect">
                                   <p:stCondLst>
                                     <p:cond delay="0"/>
                                   </p:stCondLst>
                                   <p:childTnLst>
                                     <p:set>
                                       <p:cBhvr>
-                                        <p:cTn id="167" dur="1" fill="hold">
+                                        <p:cTn id="203" dur="1" fill="hold">
                                           <p:stCondLst>
                                             <p:cond delay="0"/>
                                           </p:stCondLst>
                                         </p:cTn>
                                         <p:tgtEl>
-                                          <p:spTgt spid="54"/>
+                                          <p:spTgt spid="44"/>
                                         </p:tgtEl>
                                         <p:attrNameLst>
                                           <p:attrName>style.visibility</p:attrName>
@@ -11434,11 +12250,11 @@
                                         <p:strVal val="visible"/>
                                       </p:to>
                                     </p:set>
-                                    <p:animEffect transition="in" filter="wipe(up)">
-                                      <p:cBhvr>
-                                        <p:cTn id="168" dur="250"/>
-                                        <p:tgtEl>
-                                          <p:spTgt spid="54"/>
+                                    <p:animEffect transition="in" filter="wipe(left)">
+                                      <p:cBhvr>
+                                        <p:cTn id="204" dur="250"/>
+                                        <p:tgtEl>
+                                          <p:spTgt spid="44"/>
                                         </p:tgtEl>
                                       </p:cBhvr>
                                     </p:animEffect>
@@ -11449,26 +12265,26 @@
                           </p:cTn>
                         </p:par>
                         <p:par>
-                          <p:cTn id="169" fill="hold">
+                          <p:cTn id="205" fill="hold">
                             <p:stCondLst>
                               <p:cond delay="250"/>
                             </p:stCondLst>
                             <p:childTnLst>
                               <p:par>
-                                <p:cTn id="170" presetID="22" presetClass="entr" presetSubtype="1" fill="hold" grpId="0" nodeType="afterEffect">
+                                <p:cTn id="206" presetID="22" presetClass="entr" presetSubtype="8" fill="hold" grpId="0" nodeType="afterEffect">
                                   <p:stCondLst>
                                     <p:cond delay="0"/>
                                   </p:stCondLst>
                                   <p:childTnLst>
                                     <p:set>
                                       <p:cBhvr>
-                                        <p:cTn id="171" dur="1" fill="hold">
+                                        <p:cTn id="207" dur="1" fill="hold">
                                           <p:stCondLst>
                                             <p:cond delay="0"/>
                                           </p:stCondLst>
                                         </p:cTn>
                                         <p:tgtEl>
-                                          <p:spTgt spid="73"/>
+                                          <p:spTgt spid="32"/>
                                         </p:tgtEl>
                                         <p:attrNameLst>
                                           <p:attrName>style.visibility</p:attrName>
@@ -11478,11 +12294,11 @@
                                         <p:strVal val="visible"/>
                                       </p:to>
                                     </p:set>
-                                    <p:animEffect transition="in" filter="wipe(up)">
-                                      <p:cBhvr>
-                                        <p:cTn id="172" dur="250"/>
-                                        <p:tgtEl>
-                                          <p:spTgt spid="73"/>
+                                    <p:animEffect transition="in" filter="wipe(left)">
+                                      <p:cBhvr>
+                                        <p:cTn id="208" dur="250"/>
+                                        <p:tgtEl>
+                                          <p:spTgt spid="32"/>
                                         </p:tgtEl>
                                       </p:cBhvr>
                                     </p:animEffect>
@@ -11493,26 +12309,26 @@
                           </p:cTn>
                         </p:par>
                         <p:par>
-                          <p:cTn id="173" fill="hold">
+                          <p:cTn id="209" fill="hold">
                             <p:stCondLst>
                               <p:cond delay="500"/>
                             </p:stCondLst>
                             <p:childTnLst>
                               <p:par>
-                                <p:cTn id="174" presetID="22" presetClass="entr" presetSubtype="1" fill="hold" grpId="0" nodeType="afterEffect">
+                                <p:cTn id="210" presetID="22" presetClass="entr" presetSubtype="8" fill="hold" nodeType="afterEffect">
                                   <p:stCondLst>
                                     <p:cond delay="0"/>
                                   </p:stCondLst>
                                   <p:childTnLst>
                                     <p:set>
                                       <p:cBhvr>
-                                        <p:cTn id="175" dur="1" fill="hold">
+                                        <p:cTn id="211" dur="1" fill="hold">
                                           <p:stCondLst>
                                             <p:cond delay="0"/>
                                           </p:stCondLst>
                                         </p:cTn>
                                         <p:tgtEl>
-                                          <p:spTgt spid="79"/>
+                                          <p:spTgt spid="21"/>
                                         </p:tgtEl>
                                         <p:attrNameLst>
                                           <p:attrName>style.visibility</p:attrName>
@@ -11522,11 +12338,11 @@
                                         <p:strVal val="visible"/>
                                       </p:to>
                                     </p:set>
-                                    <p:animEffect transition="in" filter="wipe(up)">
-                                      <p:cBhvr>
-                                        <p:cTn id="176" dur="500"/>
-                                        <p:tgtEl>
-                                          <p:spTgt spid="79"/>
+                                    <p:animEffect transition="in" filter="wipe(left)">
+                                      <p:cBhvr>
+                                        <p:cTn id="212" dur="250"/>
+                                        <p:tgtEl>
+                                          <p:spTgt spid="21"/>
                                         </p:tgtEl>
                                       </p:cBhvr>
                                     </p:animEffect>
@@ -11537,26 +12353,26 @@
                           </p:cTn>
                         </p:par>
                         <p:par>
-                          <p:cTn id="177" fill="hold">
+                          <p:cTn id="213" fill="hold">
                             <p:stCondLst>
-                              <p:cond delay="1000"/>
+                              <p:cond delay="750"/>
                             </p:stCondLst>
                             <p:childTnLst>
                               <p:par>
-                                <p:cTn id="178" presetID="22" presetClass="entr" presetSubtype="1" fill="hold" nodeType="afterEffect">
+                                <p:cTn id="214" presetID="22" presetClass="entr" presetSubtype="8" fill="hold" grpId="0" nodeType="afterEffect">
                                   <p:stCondLst>
                                     <p:cond delay="0"/>
                                   </p:stCondLst>
                                   <p:childTnLst>
                                     <p:set>
                                       <p:cBhvr>
-                                        <p:cTn id="179" dur="1" fill="hold">
+                                        <p:cTn id="215" dur="1" fill="hold">
                                           <p:stCondLst>
                                             <p:cond delay="0"/>
                                           </p:stCondLst>
                                         </p:cTn>
                                         <p:tgtEl>
-                                          <p:spTgt spid="55"/>
+                                          <p:spTgt spid="22"/>
                                         </p:tgtEl>
                                         <p:attrNameLst>
                                           <p:attrName>style.visibility</p:attrName>
@@ -11566,11 +12382,46 @@
                                         <p:strVal val="visible"/>
                                       </p:to>
                                     </p:set>
-                                    <p:animEffect transition="in" filter="wipe(up)">
-                                      <p:cBhvr>
-                                        <p:cTn id="180" dur="250"/>
-                                        <p:tgtEl>
-                                          <p:spTgt spid="55"/>
+                                    <p:animEffect transition="in" filter="wipe(left)">
+                                      <p:cBhvr>
+                                        <p:cTn id="216" dur="250"/>
+                                        <p:tgtEl>
+                                          <p:spTgt spid="22"/>
+                                        </p:tgtEl>
+                                      </p:cBhvr>
+                                    </p:animEffect>
+                                  </p:childTnLst>
+                                </p:cTn>
+                              </p:par>
+                              <p:par>
+                                <p:cTn id="217" presetID="22" presetClass="entr" presetSubtype="8" fill="hold" grpId="0" nodeType="withEffect">
+                                  <p:stCondLst>
+                                    <p:cond delay="0"/>
+                                  </p:stCondLst>
+                                  <p:childTnLst>
+                                    <p:set>
+                                      <p:cBhvr>
+                                        <p:cTn id="218" dur="1" fill="hold">
+                                          <p:stCondLst>
+                                            <p:cond delay="0"/>
+                                          </p:stCondLst>
+                                        </p:cTn>
+                                        <p:tgtEl>
+                                          <p:spTgt spid="18"/>
+                                        </p:tgtEl>
+                                        <p:attrNameLst>
+                                          <p:attrName>style.visibility</p:attrName>
+                                        </p:attrNameLst>
+                                      </p:cBhvr>
+                                      <p:to>
+                                        <p:strVal val="visible"/>
+                                      </p:to>
+                                    </p:set>
+                                    <p:animEffect transition="in" filter="wipe(left)">
+                                      <p:cBhvr>
+                                        <p:cTn id="219" dur="250"/>
+                                        <p:tgtEl>
+                                          <p:spTgt spid="18"/>
                                         </p:tgtEl>
                                       </p:cBhvr>
                                     </p:animEffect>
@@ -11581,26 +12432,26 @@
                           </p:cTn>
                         </p:par>
                         <p:par>
-                          <p:cTn id="181" fill="hold">
+                          <p:cTn id="220" fill="hold">
                             <p:stCondLst>
-                              <p:cond delay="1250"/>
+                              <p:cond delay="1000"/>
                             </p:stCondLst>
                             <p:childTnLst>
                               <p:par>
-                                <p:cTn id="182" presetID="22" presetClass="entr" presetSubtype="1" fill="hold" grpId="0" nodeType="afterEffect">
+                                <p:cTn id="221" presetID="22" presetClass="entr" presetSubtype="4" fill="hold" grpId="0" nodeType="afterEffect">
                                   <p:stCondLst>
                                     <p:cond delay="0"/>
                                   </p:stCondLst>
                                   <p:childTnLst>
                                     <p:set>
                                       <p:cBhvr>
-                                        <p:cTn id="183" dur="1" fill="hold">
+                                        <p:cTn id="222" dur="1" fill="hold">
                                           <p:stCondLst>
                                             <p:cond delay="0"/>
                                           </p:stCondLst>
                                         </p:cTn>
                                         <p:tgtEl>
-                                          <p:spTgt spid="59"/>
+                                          <p:spTgt spid="38"/>
                                         </p:tgtEl>
                                         <p:attrNameLst>
                                           <p:attrName>style.visibility</p:attrName>
@@ -11610,11 +12461,11 @@
                                         <p:strVal val="visible"/>
                                       </p:to>
                                     </p:set>
-                                    <p:animEffect transition="in" filter="wipe(up)">
-                                      <p:cBhvr>
-                                        <p:cTn id="184" dur="500"/>
-                                        <p:tgtEl>
-                                          <p:spTgt spid="59"/>
+                                    <p:animEffect transition="in" filter="wipe(down)">
+                                      <p:cBhvr>
+                                        <p:cTn id="223" dur="250"/>
+                                        <p:tgtEl>
+                                          <p:spTgt spid="38"/>
                                         </p:tgtEl>
                                       </p:cBhvr>
                                     </p:animEffect>
@@ -11625,26 +12476,26 @@
                           </p:cTn>
                         </p:par>
                         <p:par>
-                          <p:cTn id="185" fill="hold">
+                          <p:cTn id="224" fill="hold">
                             <p:stCondLst>
-                              <p:cond delay="1750"/>
+                              <p:cond delay="1250"/>
                             </p:stCondLst>
                             <p:childTnLst>
                               <p:par>
-                                <p:cTn id="186" presetID="22" presetClass="entr" presetSubtype="1" fill="hold" grpId="0" nodeType="afterEffect">
+                                <p:cTn id="225" presetID="22" presetClass="entr" presetSubtype="8" fill="hold" grpId="0" nodeType="afterEffect">
                                   <p:stCondLst>
                                     <p:cond delay="0"/>
                                   </p:stCondLst>
                                   <p:childTnLst>
                                     <p:set>
                                       <p:cBhvr>
-                                        <p:cTn id="187" dur="1" fill="hold">
+                                        <p:cTn id="226" dur="1" fill="hold">
                                           <p:stCondLst>
                                             <p:cond delay="0"/>
                                           </p:stCondLst>
                                         </p:cTn>
                                         <p:tgtEl>
-                                          <p:spTgt spid="62"/>
+                                          <p:spTgt spid="41"/>
                                         </p:tgtEl>
                                         <p:attrNameLst>
                                           <p:attrName>style.visibility</p:attrName>
@@ -11654,11 +12505,11 @@
                                         <p:strVal val="visible"/>
                                       </p:to>
                                     </p:set>
-                                    <p:animEffect transition="in" filter="wipe(up)">
-                                      <p:cBhvr>
-                                        <p:cTn id="188" dur="250"/>
-                                        <p:tgtEl>
-                                          <p:spTgt spid="62"/>
+                                    <p:animEffect transition="in" filter="wipe(left)">
+                                      <p:cBhvr>
+                                        <p:cTn id="227" dur="250"/>
+                                        <p:tgtEl>
+                                          <p:spTgt spid="41"/>
                                         </p:tgtEl>
                                       </p:cBhvr>
                                     </p:animEffect>
@@ -11669,26 +12520,26 @@
                           </p:cTn>
                         </p:par>
                         <p:par>
-                          <p:cTn id="189" fill="hold">
+                          <p:cTn id="228" fill="hold">
                             <p:stCondLst>
-                              <p:cond delay="2000"/>
+                              <p:cond delay="1500"/>
                             </p:stCondLst>
                             <p:childTnLst>
                               <p:par>
-                                <p:cTn id="190" presetID="22" presetClass="entr" presetSubtype="1" fill="hold" grpId="0" nodeType="afterEffect">
+                                <p:cTn id="229" presetID="22" presetClass="entr" presetSubtype="1" fill="hold" nodeType="afterEffect">
                                   <p:stCondLst>
                                     <p:cond delay="0"/>
                                   </p:stCondLst>
                                   <p:childTnLst>
                                     <p:set>
                                       <p:cBhvr>
-                                        <p:cTn id="191" dur="1" fill="hold">
+                                        <p:cTn id="230" dur="1" fill="hold">
                                           <p:stCondLst>
                                             <p:cond delay="0"/>
                                           </p:stCondLst>
                                         </p:cTn>
                                         <p:tgtEl>
-                                          <p:spTgt spid="261"/>
+                                          <p:spTgt spid="17"/>
                                         </p:tgtEl>
                                         <p:attrNameLst>
                                           <p:attrName>style.visibility</p:attrName>
@@ -11700,491 +12551,7 @@
                                     </p:set>
                                     <p:animEffect transition="in" filter="wipe(up)">
                                       <p:cBhvr>
-                                        <p:cTn id="192" dur="500"/>
-                                        <p:tgtEl>
-                                          <p:spTgt spid="261"/>
-                                        </p:tgtEl>
-                                      </p:cBhvr>
-                                    </p:animEffect>
-                                  </p:childTnLst>
-                                </p:cTn>
-                              </p:par>
-                            </p:childTnLst>
-                          </p:cTn>
-                        </p:par>
-                        <p:par>
-                          <p:cTn id="193" fill="hold">
-                            <p:stCondLst>
-                              <p:cond delay="2500"/>
-                            </p:stCondLst>
-                            <p:childTnLst>
-                              <p:par>
-                                <p:cTn id="194" presetID="22" presetClass="entr" presetSubtype="1" fill="hold" nodeType="afterEffect">
-                                  <p:stCondLst>
-                                    <p:cond delay="0"/>
-                                  </p:stCondLst>
-                                  <p:childTnLst>
-                                    <p:set>
-                                      <p:cBhvr>
-                                        <p:cTn id="195" dur="1" fill="hold">
-                                          <p:stCondLst>
-                                            <p:cond delay="0"/>
-                                          </p:stCondLst>
-                                        </p:cTn>
-                                        <p:tgtEl>
-                                          <p:spTgt spid="256"/>
-                                        </p:tgtEl>
-                                        <p:attrNameLst>
-                                          <p:attrName>style.visibility</p:attrName>
-                                        </p:attrNameLst>
-                                      </p:cBhvr>
-                                      <p:to>
-                                        <p:strVal val="visible"/>
-                                      </p:to>
-                                    </p:set>
-                                    <p:animEffect transition="in" filter="wipe(up)">
-                                      <p:cBhvr>
-                                        <p:cTn id="196" dur="250"/>
-                                        <p:tgtEl>
-                                          <p:spTgt spid="256"/>
-                                        </p:tgtEl>
-                                      </p:cBhvr>
-                                    </p:animEffect>
-                                  </p:childTnLst>
-                                </p:cTn>
-                              </p:par>
-                            </p:childTnLst>
-                          </p:cTn>
-                        </p:par>
-                        <p:par>
-                          <p:cTn id="197" fill="hold">
-                            <p:stCondLst>
-                              <p:cond delay="2750"/>
-                            </p:stCondLst>
-                            <p:childTnLst>
-                              <p:par>
-                                <p:cTn id="198" presetID="22" presetClass="entr" presetSubtype="1" fill="hold" grpId="0" nodeType="afterEffect">
-                                  <p:stCondLst>
-                                    <p:cond delay="0"/>
-                                  </p:stCondLst>
-                                  <p:childTnLst>
-                                    <p:set>
-                                      <p:cBhvr>
-                                        <p:cTn id="199" dur="1" fill="hold">
-                                          <p:stCondLst>
-                                            <p:cond delay="0"/>
-                                          </p:stCondLst>
-                                        </p:cTn>
-                                        <p:tgtEl>
-                                          <p:spTgt spid="266"/>
-                                        </p:tgtEl>
-                                        <p:attrNameLst>
-                                          <p:attrName>style.visibility</p:attrName>
-                                        </p:attrNameLst>
-                                      </p:cBhvr>
-                                      <p:to>
-                                        <p:strVal val="visible"/>
-                                      </p:to>
-                                    </p:set>
-                                    <p:animEffect transition="in" filter="wipe(up)">
-                                      <p:cBhvr>
-                                        <p:cTn id="200" dur="250"/>
-                                        <p:tgtEl>
-                                          <p:spTgt spid="266"/>
-                                        </p:tgtEl>
-                                      </p:cBhvr>
-                                    </p:animEffect>
-                                  </p:childTnLst>
-                                </p:cTn>
-                              </p:par>
-                            </p:childTnLst>
-                          </p:cTn>
-                        </p:par>
-                        <p:par>
-                          <p:cTn id="201" fill="hold">
-                            <p:stCondLst>
-                              <p:cond delay="3000"/>
-                            </p:stCondLst>
-                            <p:childTnLst>
-                              <p:par>
-                                <p:cTn id="202" presetID="22" presetClass="entr" presetSubtype="1" fill="hold" grpId="0" nodeType="afterEffect">
-                                  <p:stCondLst>
-                                    <p:cond delay="0"/>
-                                  </p:stCondLst>
-                                  <p:childTnLst>
-                                    <p:set>
-                                      <p:cBhvr>
-                                        <p:cTn id="203" dur="1" fill="hold">
-                                          <p:stCondLst>
-                                            <p:cond delay="0"/>
-                                          </p:stCondLst>
-                                        </p:cTn>
-                                        <p:tgtEl>
-                                          <p:spTgt spid="267"/>
-                                        </p:tgtEl>
-                                        <p:attrNameLst>
-                                          <p:attrName>style.visibility</p:attrName>
-                                        </p:attrNameLst>
-                                      </p:cBhvr>
-                                      <p:to>
-                                        <p:strVal val="visible"/>
-                                      </p:to>
-                                    </p:set>
-                                    <p:animEffect transition="in" filter="wipe(up)">
-                                      <p:cBhvr>
-                                        <p:cTn id="204" dur="250"/>
-                                        <p:tgtEl>
-                                          <p:spTgt spid="267"/>
-                                        </p:tgtEl>
-                                      </p:cBhvr>
-                                    </p:animEffect>
-                                  </p:childTnLst>
-                                </p:cTn>
-                              </p:par>
-                            </p:childTnLst>
-                          </p:cTn>
-                        </p:par>
-                      </p:childTnLst>
-                    </p:cTn>
-                  </p:par>
-                  <p:par>
-                    <p:cTn id="205" fill="hold">
-                      <p:stCondLst>
-                        <p:cond delay="indefinite"/>
-                      </p:stCondLst>
-                      <p:childTnLst>
-                        <p:par>
-                          <p:cTn id="206" fill="hold">
-                            <p:stCondLst>
-                              <p:cond delay="0"/>
-                            </p:stCondLst>
-                            <p:childTnLst>
-                              <p:par>
-                                <p:cTn id="207" presetID="22" presetClass="entr" presetSubtype="8" fill="hold" grpId="0" nodeType="clickEffect">
-                                  <p:stCondLst>
-                                    <p:cond delay="0"/>
-                                  </p:stCondLst>
-                                  <p:childTnLst>
-                                    <p:set>
-                                      <p:cBhvr>
-                                        <p:cTn id="208" dur="1" fill="hold">
-                                          <p:stCondLst>
-                                            <p:cond delay="0"/>
-                                          </p:stCondLst>
-                                        </p:cTn>
-                                        <p:tgtEl>
-                                          <p:spTgt spid="44"/>
-                                        </p:tgtEl>
-                                        <p:attrNameLst>
-                                          <p:attrName>style.visibility</p:attrName>
-                                        </p:attrNameLst>
-                                      </p:cBhvr>
-                                      <p:to>
-                                        <p:strVal val="visible"/>
-                                      </p:to>
-                                    </p:set>
-                                    <p:animEffect transition="in" filter="wipe(left)">
-                                      <p:cBhvr>
-                                        <p:cTn id="209" dur="250"/>
-                                        <p:tgtEl>
-                                          <p:spTgt spid="44"/>
-                                        </p:tgtEl>
-                                      </p:cBhvr>
-                                    </p:animEffect>
-                                  </p:childTnLst>
-                                </p:cTn>
-                              </p:par>
-                            </p:childTnLst>
-                          </p:cTn>
-                        </p:par>
-                        <p:par>
-                          <p:cTn id="210" fill="hold">
-                            <p:stCondLst>
-                              <p:cond delay="250"/>
-                            </p:stCondLst>
-                            <p:childTnLst>
-                              <p:par>
-                                <p:cTn id="211" presetID="22" presetClass="entr" presetSubtype="8" fill="hold" grpId="0" nodeType="afterEffect">
-                                  <p:stCondLst>
-                                    <p:cond delay="0"/>
-                                  </p:stCondLst>
-                                  <p:childTnLst>
-                                    <p:set>
-                                      <p:cBhvr>
-                                        <p:cTn id="212" dur="1" fill="hold">
-                                          <p:stCondLst>
-                                            <p:cond delay="0"/>
-                                          </p:stCondLst>
-                                        </p:cTn>
-                                        <p:tgtEl>
-                                          <p:spTgt spid="32"/>
-                                        </p:tgtEl>
-                                        <p:attrNameLst>
-                                          <p:attrName>style.visibility</p:attrName>
-                                        </p:attrNameLst>
-                                      </p:cBhvr>
-                                      <p:to>
-                                        <p:strVal val="visible"/>
-                                      </p:to>
-                                    </p:set>
-                                    <p:animEffect transition="in" filter="wipe(left)">
-                                      <p:cBhvr>
-                                        <p:cTn id="213" dur="250"/>
-                                        <p:tgtEl>
-                                          <p:spTgt spid="32"/>
-                                        </p:tgtEl>
-                                      </p:cBhvr>
-                                    </p:animEffect>
-                                  </p:childTnLst>
-                                </p:cTn>
-                              </p:par>
-                            </p:childTnLst>
-                          </p:cTn>
-                        </p:par>
-                        <p:par>
-                          <p:cTn id="214" fill="hold">
-                            <p:stCondLst>
-                              <p:cond delay="500"/>
-                            </p:stCondLst>
-                            <p:childTnLst>
-                              <p:par>
-                                <p:cTn id="215" presetID="22" presetClass="entr" presetSubtype="8" fill="hold" nodeType="afterEffect">
-                                  <p:stCondLst>
-                                    <p:cond delay="0"/>
-                                  </p:stCondLst>
-                                  <p:childTnLst>
-                                    <p:set>
-                                      <p:cBhvr>
-                                        <p:cTn id="216" dur="1" fill="hold">
-                                          <p:stCondLst>
-                                            <p:cond delay="0"/>
-                                          </p:stCondLst>
-                                        </p:cTn>
-                                        <p:tgtEl>
-                                          <p:spTgt spid="21"/>
-                                        </p:tgtEl>
-                                        <p:attrNameLst>
-                                          <p:attrName>style.visibility</p:attrName>
-                                        </p:attrNameLst>
-                                      </p:cBhvr>
-                                      <p:to>
-                                        <p:strVal val="visible"/>
-                                      </p:to>
-                                    </p:set>
-                                    <p:animEffect transition="in" filter="wipe(left)">
-                                      <p:cBhvr>
-                                        <p:cTn id="217" dur="250"/>
-                                        <p:tgtEl>
-                                          <p:spTgt spid="21"/>
-                                        </p:tgtEl>
-                                      </p:cBhvr>
-                                    </p:animEffect>
-                                  </p:childTnLst>
-                                </p:cTn>
-                              </p:par>
-                            </p:childTnLst>
-                          </p:cTn>
-                        </p:par>
-                        <p:par>
-                          <p:cTn id="218" fill="hold">
-                            <p:stCondLst>
-                              <p:cond delay="750"/>
-                            </p:stCondLst>
-                            <p:childTnLst>
-                              <p:par>
-                                <p:cTn id="219" presetID="22" presetClass="entr" presetSubtype="8" fill="hold" grpId="0" nodeType="afterEffect">
-                                  <p:stCondLst>
-                                    <p:cond delay="0"/>
-                                  </p:stCondLst>
-                                  <p:childTnLst>
-                                    <p:set>
-                                      <p:cBhvr>
-                                        <p:cTn id="220" dur="1" fill="hold">
-                                          <p:stCondLst>
-                                            <p:cond delay="0"/>
-                                          </p:stCondLst>
-                                        </p:cTn>
-                                        <p:tgtEl>
-                                          <p:spTgt spid="22"/>
-                                        </p:tgtEl>
-                                        <p:attrNameLst>
-                                          <p:attrName>style.visibility</p:attrName>
-                                        </p:attrNameLst>
-                                      </p:cBhvr>
-                                      <p:to>
-                                        <p:strVal val="visible"/>
-                                      </p:to>
-                                    </p:set>
-                                    <p:animEffect transition="in" filter="wipe(left)">
-                                      <p:cBhvr>
-                                        <p:cTn id="221" dur="250"/>
-                                        <p:tgtEl>
-                                          <p:spTgt spid="22"/>
-                                        </p:tgtEl>
-                                      </p:cBhvr>
-                                    </p:animEffect>
-                                  </p:childTnLst>
-                                </p:cTn>
-                              </p:par>
-                              <p:par>
-                                <p:cTn id="222" presetID="22" presetClass="entr" presetSubtype="8" fill="hold" grpId="0" nodeType="withEffect">
-                                  <p:stCondLst>
-                                    <p:cond delay="0"/>
-                                  </p:stCondLst>
-                                  <p:childTnLst>
-                                    <p:set>
-                                      <p:cBhvr>
-                                        <p:cTn id="223" dur="1" fill="hold">
-                                          <p:stCondLst>
-                                            <p:cond delay="0"/>
-                                          </p:stCondLst>
-                                        </p:cTn>
-                                        <p:tgtEl>
-                                          <p:spTgt spid="18"/>
-                                        </p:tgtEl>
-                                        <p:attrNameLst>
-                                          <p:attrName>style.visibility</p:attrName>
-                                        </p:attrNameLst>
-                                      </p:cBhvr>
-                                      <p:to>
-                                        <p:strVal val="visible"/>
-                                      </p:to>
-                                    </p:set>
-                                    <p:animEffect transition="in" filter="wipe(left)">
-                                      <p:cBhvr>
-                                        <p:cTn id="224" dur="250"/>
-                                        <p:tgtEl>
-                                          <p:spTgt spid="18"/>
-                                        </p:tgtEl>
-                                      </p:cBhvr>
-                                    </p:animEffect>
-                                  </p:childTnLst>
-                                </p:cTn>
-                              </p:par>
-                            </p:childTnLst>
-                          </p:cTn>
-                        </p:par>
-                        <p:par>
-                          <p:cTn id="225" fill="hold">
-                            <p:stCondLst>
-                              <p:cond delay="1000"/>
-                            </p:stCondLst>
-                            <p:childTnLst>
-                              <p:par>
-                                <p:cTn id="226" presetID="22" presetClass="entr" presetSubtype="4" fill="hold" grpId="0" nodeType="afterEffect">
-                                  <p:stCondLst>
-                                    <p:cond delay="0"/>
-                                  </p:stCondLst>
-                                  <p:childTnLst>
-                                    <p:set>
-                                      <p:cBhvr>
-                                        <p:cTn id="227" dur="1" fill="hold">
-                                          <p:stCondLst>
-                                            <p:cond delay="0"/>
-                                          </p:stCondLst>
-                                        </p:cTn>
-                                        <p:tgtEl>
-                                          <p:spTgt spid="38"/>
-                                        </p:tgtEl>
-                                        <p:attrNameLst>
-                                          <p:attrName>style.visibility</p:attrName>
-                                        </p:attrNameLst>
-                                      </p:cBhvr>
-                                      <p:to>
-                                        <p:strVal val="visible"/>
-                                      </p:to>
-                                    </p:set>
-                                    <p:animEffect transition="in" filter="wipe(down)">
-                                      <p:cBhvr>
-                                        <p:cTn id="228" dur="250"/>
-                                        <p:tgtEl>
-                                          <p:spTgt spid="38"/>
-                                        </p:tgtEl>
-                                      </p:cBhvr>
-                                    </p:animEffect>
-                                  </p:childTnLst>
-                                </p:cTn>
-                              </p:par>
-                            </p:childTnLst>
-                          </p:cTn>
-                        </p:par>
-                        <p:par>
-                          <p:cTn id="229" fill="hold">
-                            <p:stCondLst>
-                              <p:cond delay="1250"/>
-                            </p:stCondLst>
-                            <p:childTnLst>
-                              <p:par>
-                                <p:cTn id="230" presetID="22" presetClass="entr" presetSubtype="8" fill="hold" grpId="0" nodeType="afterEffect">
-                                  <p:stCondLst>
-                                    <p:cond delay="0"/>
-                                  </p:stCondLst>
-                                  <p:childTnLst>
-                                    <p:set>
-                                      <p:cBhvr>
-                                        <p:cTn id="231" dur="1" fill="hold">
-                                          <p:stCondLst>
-                                            <p:cond delay="0"/>
-                                          </p:stCondLst>
-                                        </p:cTn>
-                                        <p:tgtEl>
-                                          <p:spTgt spid="41"/>
-                                        </p:tgtEl>
-                                        <p:attrNameLst>
-                                          <p:attrName>style.visibility</p:attrName>
-                                        </p:attrNameLst>
-                                      </p:cBhvr>
-                                      <p:to>
-                                        <p:strVal val="visible"/>
-                                      </p:to>
-                                    </p:set>
-                                    <p:animEffect transition="in" filter="wipe(left)">
-                                      <p:cBhvr>
-                                        <p:cTn id="232" dur="250"/>
-                                        <p:tgtEl>
-                                          <p:spTgt spid="41"/>
-                                        </p:tgtEl>
-                                      </p:cBhvr>
-                                    </p:animEffect>
-                                  </p:childTnLst>
-                                </p:cTn>
-                              </p:par>
-                            </p:childTnLst>
-                          </p:cTn>
-                        </p:par>
-                        <p:par>
-                          <p:cTn id="233" fill="hold">
-                            <p:stCondLst>
-                              <p:cond delay="1500"/>
-                            </p:stCondLst>
-                            <p:childTnLst>
-                              <p:par>
-                                <p:cTn id="234" presetID="22" presetClass="entr" presetSubtype="1" fill="hold" nodeType="afterEffect">
-                                  <p:stCondLst>
-                                    <p:cond delay="0"/>
-                                  </p:stCondLst>
-                                  <p:childTnLst>
-                                    <p:set>
-                                      <p:cBhvr>
-                                        <p:cTn id="235" dur="1" fill="hold">
-                                          <p:stCondLst>
-                                            <p:cond delay="0"/>
-                                          </p:stCondLst>
-                                        </p:cTn>
-                                        <p:tgtEl>
-                                          <p:spTgt spid="17"/>
-                                        </p:tgtEl>
-                                        <p:attrNameLst>
-                                          <p:attrName>style.visibility</p:attrName>
-                                        </p:attrNameLst>
-                                      </p:cBhvr>
-                                      <p:to>
-                                        <p:strVal val="visible"/>
-                                      </p:to>
-                                    </p:set>
-                                    <p:animEffect transition="in" filter="wipe(up)">
-                                      <p:cBhvr>
-                                        <p:cTn id="236" dur="250"/>
+                                        <p:cTn id="231" dur="250"/>
                                         <p:tgtEl>
                                           <p:spTgt spid="17"/>
                                         </p:tgtEl>
@@ -12221,7 +12588,6 @@
       </p:par>
     </p:tnLst>
     <p:bldLst>
-      <p:bldP spid="2" grpId="0"/>
       <p:bldP spid="3" grpId="0" animBg="1"/>
       <p:bldP spid="8" grpId="0"/>
       <p:bldP spid="9" grpId="0" animBg="1"/>
@@ -12273,7 +12639,7 @@
 </p:sld>
 </file>
 
-<file path=ppt/slides/slide14.xml><?xml version="1.0" encoding="utf-8"?>
+<file path=ppt/slides/slide15.xml><?xml version="1.0" encoding="utf-8"?>
 <p:sld xmlns:a="http://schemas.openxmlformats.org/drawingml/2006/main" xmlns:r="http://schemas.openxmlformats.org/officeDocument/2006/relationships" xmlns:p="http://schemas.openxmlformats.org/presentationml/2006/main">
   <p:cSld>
     <p:spTree>
@@ -13649,7 +14015,7 @@
                             </p:stCondLst>
                             <p:childTnLst>
                               <p:par>
-                                <p:cTn id="5" presetID="1" presetClass="entr" presetSubtype="0" fill="hold" grpId="0" nodeType="clickEffect">
+                                <p:cTn id="5" presetID="1" presetClass="entr" presetSubtype="0" fill="hold" nodeType="clickEffect">
                                   <p:stCondLst>
                                     <p:cond delay="0"/>
                                   </p:stCondLst>
@@ -13662,7 +14028,11 @@
                                           </p:stCondLst>
                                         </p:cTn>
                                         <p:tgtEl>
-                                          <p:spTgt spid="6"/>
+                                          <p:spTgt spid="6">
+                                            <p:txEl>
+                                              <p:pRg st="1" end="1"/>
+                                            </p:txEl>
+                                          </p:spTgt>
                                         </p:tgtEl>
                                         <p:attrNameLst>
                                           <p:attrName>style.visibility</p:attrName>
@@ -13709,7 +14079,7 @@
                                         <p:tgtEl>
                                           <p:spTgt spid="6">
                                             <p:txEl>
-                                              <p:pRg st="1" end="1"/>
+                                              <p:pRg st="2" end="2"/>
                                             </p:txEl>
                                           </p:spTgt>
                                         </p:tgtEl>
@@ -13758,7 +14128,7 @@
                                         <p:tgtEl>
                                           <p:spTgt spid="6">
                                             <p:txEl>
-                                              <p:pRg st="2" end="2"/>
+                                              <p:pRg st="3" end="3"/>
                                             </p:txEl>
                                           </p:spTgt>
                                         </p:tgtEl>
@@ -13807,7 +14177,7 @@
                                         <p:tgtEl>
                                           <p:spTgt spid="6">
                                             <p:txEl>
-                                              <p:pRg st="3" end="3"/>
+                                              <p:pRg st="4" end="4"/>
                                             </p:txEl>
                                           </p:spTgt>
                                         </p:tgtEl>
@@ -13849,55 +14219,6 @@
                                     <p:set>
                                       <p:cBhvr>
                                         <p:cTn id="22" dur="1" fill="hold">
-                                          <p:stCondLst>
-                                            <p:cond delay="0"/>
-                                          </p:stCondLst>
-                                        </p:cTn>
-                                        <p:tgtEl>
-                                          <p:spTgt spid="6">
-                                            <p:txEl>
-                                              <p:pRg st="4" end="4"/>
-                                            </p:txEl>
-                                          </p:spTgt>
-                                        </p:tgtEl>
-                                        <p:attrNameLst>
-                                          <p:attrName>style.visibility</p:attrName>
-                                        </p:attrNameLst>
-                                      </p:cBhvr>
-                                      <p:to>
-                                        <p:strVal val="visible"/>
-                                      </p:to>
-                                    </p:set>
-                                  </p:childTnLst>
-                                </p:cTn>
-                              </p:par>
-                            </p:childTnLst>
-                          </p:cTn>
-                        </p:par>
-                      </p:childTnLst>
-                    </p:cTn>
-                  </p:par>
-                  <p:par>
-                    <p:cTn id="23" fill="hold">
-                      <p:stCondLst>
-                        <p:cond delay="indefinite"/>
-                      </p:stCondLst>
-                      <p:childTnLst>
-                        <p:par>
-                          <p:cTn id="24" fill="hold">
-                            <p:stCondLst>
-                              <p:cond delay="0"/>
-                            </p:stCondLst>
-                            <p:childTnLst>
-                              <p:par>
-                                <p:cTn id="25" presetID="1" presetClass="entr" presetSubtype="0" fill="hold" nodeType="clickEffect">
-                                  <p:stCondLst>
-                                    <p:cond delay="0"/>
-                                  </p:stCondLst>
-                                  <p:childTnLst>
-                                    <p:set>
-                                      <p:cBhvr>
-                                        <p:cTn id="26" dur="1" fill="hold">
                                           <p:stCondLst>
                                             <p:cond delay="0"/>
                                           </p:stCondLst>
@@ -13947,9 +14268,6 @@
         </p:cTn>
       </p:par>
     </p:tnLst>
-    <p:bldLst>
-      <p:bldP spid="6" grpId="0"/>
-    </p:bldLst>
   </p:timing>
 </p:sld>
 </file>
@@ -16235,20 +16553,20 @@
 </file>
 
 <file path=customXml/item1.xml><?xml version="1.0" encoding="utf-8"?>
-<p:properties xmlns:p="http://schemas.microsoft.com/office/2006/metadata/properties" xmlns:xsi="http://www.w3.org/2001/XMLSchema-instance" xmlns:pc="http://schemas.microsoft.com/office/infopath/2007/PartnerControls">
-  <documentManagement>
-    <_activity xmlns="734ad12e-f028-4e8d-9eec-fc3955d1bf94" xsi:nil="true"/>
-  </documentManagement>
-</p:properties>
-</file>
-
-<file path=customXml/item2.xml><?xml version="1.0" encoding="utf-8"?>
 <?mso-contentType ?>
 <FormTemplates xmlns="http://schemas.microsoft.com/sharepoint/v3/contenttype/forms">
   <Display>DocumentLibraryForm</Display>
   <Edit>DocumentLibraryForm</Edit>
   <New>DocumentLibraryForm</New>
 </FormTemplates>
+</file>
+
+<file path=customXml/item2.xml><?xml version="1.0" encoding="utf-8"?>
+<p:properties xmlns:p="http://schemas.microsoft.com/office/2006/metadata/properties" xmlns:xsi="http://www.w3.org/2001/XMLSchema-instance" xmlns:pc="http://schemas.microsoft.com/office/infopath/2007/PartnerControls">
+  <documentManagement>
+    <_activity xmlns="734ad12e-f028-4e8d-9eec-fc3955d1bf94" xsi:nil="true"/>
+  </documentManagement>
+</p:properties>
 </file>
 
 <file path=customXml/item3.xml><?xml version="1.0" encoding="utf-8"?>
@@ -16479,6 +16797,14 @@
 </file>
 
 <file path=customXml/itemProps1.xml><?xml version="1.0" encoding="utf-8"?>
+<ds:datastoreItem xmlns:ds="http://schemas.openxmlformats.org/officeDocument/2006/customXml" ds:itemID="{2E95FC0E-A649-4CBC-A847-B647760ED214}">
+  <ds:schemaRefs>
+    <ds:schemaRef ds:uri="http://schemas.microsoft.com/sharepoint/v3/contenttype/forms"/>
+  </ds:schemaRefs>
+</ds:datastoreItem>
+</file>
+
+<file path=customXml/itemProps2.xml><?xml version="1.0" encoding="utf-8"?>
 <ds:datastoreItem xmlns:ds="http://schemas.openxmlformats.org/officeDocument/2006/customXml" ds:itemID="{4785FACF-F3CF-455B-920B-6C70C4F952CA}">
   <ds:schemaRefs>
     <ds:schemaRef ds:uri="2a660bb1-2241-48a6-aaaa-4d835ea00b2f"/>
@@ -16491,14 +16817,6 @@
     <ds:schemaRef ds:uri="http://schemas.openxmlformats.org/package/2006/metadata/core-properties"/>
     <ds:schemaRef ds:uri="http://schemas.microsoft.com/office/2006/metadata/properties"/>
     <ds:schemaRef ds:uri="http://purl.org/dc/dcmitype/"/>
-  </ds:schemaRefs>
-</ds:datastoreItem>
-</file>
-
-<file path=customXml/itemProps2.xml><?xml version="1.0" encoding="utf-8"?>
-<ds:datastoreItem xmlns:ds="http://schemas.openxmlformats.org/officeDocument/2006/customXml" ds:itemID="{2E95FC0E-A649-4CBC-A847-B647760ED214}">
-  <ds:schemaRefs>
-    <ds:schemaRef ds:uri="http://schemas.microsoft.com/sharepoint/v3/contenttype/forms"/>
   </ds:schemaRefs>
 </ds:datastoreItem>
 </file>

--- a/presentation/BTL-OOP-Presentation.pptx
+++ b/presentation/BTL-OOP-Presentation.pptx
@@ -5,7 +5,7 @@
     <p:sldMasterId id="2147483712" r:id="rId4"/>
   </p:sldMasterIdLst>
   <p:notesMasterIdLst>
-    <p:notesMasterId r:id="rId20"/>
+    <p:notesMasterId r:id="rId21"/>
   </p:notesMasterIdLst>
   <p:sldIdLst>
     <p:sldId id="256" r:id="rId5"/>
@@ -18,11 +18,12 @@
     <p:sldId id="275" r:id="rId12"/>
     <p:sldId id="276" r:id="rId13"/>
     <p:sldId id="277" r:id="rId14"/>
-    <p:sldId id="280" r:id="rId15"/>
-    <p:sldId id="279" r:id="rId16"/>
-    <p:sldId id="282" r:id="rId17"/>
-    <p:sldId id="281" r:id="rId18"/>
-    <p:sldId id="272" r:id="rId19"/>
+    <p:sldId id="283" r:id="rId15"/>
+    <p:sldId id="280" r:id="rId16"/>
+    <p:sldId id="279" r:id="rId17"/>
+    <p:sldId id="282" r:id="rId18"/>
+    <p:sldId id="281" r:id="rId19"/>
+    <p:sldId id="272" r:id="rId20"/>
   </p:sldIdLst>
   <p:sldSz cx="12192000" cy="6858000"/>
   <p:notesSz cx="6858000" cy="9144000"/>
@@ -222,7 +223,7 @@
           <a:p>
             <a:fld id="{79072838-DFB4-4CE5-9ADA-4DFF4B893783}" type="datetimeFigureOut">
               <a:rPr lang="en-US" smtClean="0"/>
-              <a:t>6/10/2024</a:t>
+              <a:t>6/11/2024</a:t>
             </a:fld>
             <a:endParaRPr lang="en-US"/>
           </a:p>
@@ -638,7 +639,7 @@
           <a:p>
             <a:fld id="{FE277877-A26F-4095-9FE1-08DDF23C3610}" type="slidenum">
               <a:rPr lang="en-US" smtClean="0"/>
-              <a:t>11</a:t>
+              <a:t>12</a:t>
             </a:fld>
             <a:endParaRPr lang="en-US"/>
           </a:p>
@@ -722,7 +723,7 @@
           <a:p>
             <a:fld id="{FE277877-A26F-4095-9FE1-08DDF23C3610}" type="slidenum">
               <a:rPr lang="en-US" smtClean="0"/>
-              <a:t>12</a:t>
+              <a:t>13</a:t>
             </a:fld>
             <a:endParaRPr lang="en-US"/>
           </a:p>
@@ -806,7 +807,7 @@
           <a:p>
             <a:fld id="{FE277877-A26F-4095-9FE1-08DDF23C3610}" type="slidenum">
               <a:rPr lang="en-US" smtClean="0"/>
-              <a:t>13</a:t>
+              <a:t>14</a:t>
             </a:fld>
             <a:endParaRPr lang="en-US"/>
           </a:p>
@@ -890,7 +891,7 @@
           <a:p>
             <a:fld id="{FE277877-A26F-4095-9FE1-08DDF23C3610}" type="slidenum">
               <a:rPr lang="en-US" smtClean="0"/>
-              <a:t>14</a:t>
+              <a:t>15</a:t>
             </a:fld>
             <a:endParaRPr lang="en-US"/>
           </a:p>
@@ -1131,7 +1132,7 @@
             <a:fld id="{A37D6D71-8B28-4ED6-B932-04B197003D23}" type="datetimeFigureOut">
               <a:rPr lang="en-US" smtClean="0"/>
               <a:pPr algn="r"/>
-              <a:t>6/10/2024</a:t>
+              <a:t>6/11/2024</a:t>
             </a:fld>
             <a:endParaRPr lang="en-US" dirty="0"/>
           </a:p>
@@ -1223,6 +1224,18 @@
   <p:clrMapOvr>
     <a:masterClrMapping/>
   </p:clrMapOvr>
+  <mc:AlternateContent xmlns:mc="http://schemas.openxmlformats.org/markup-compatibility/2006">
+    <mc:Choice xmlns:p159="http://schemas.microsoft.com/office/powerpoint/2015/09/main" Requires="p159">
+      <p:transition spd="slow">
+        <p159:morph option="byObject"/>
+      </p:transition>
+    </mc:Choice>
+    <mc:Fallback>
+      <p:transition spd="slow">
+        <p:fade/>
+      </p:transition>
+    </mc:Fallback>
+  </mc:AlternateContent>
 </p:sldLayout>
 </file>
 
@@ -1353,7 +1366,7 @@
             <a:fld id="{A37D6D71-8B28-4ED6-B932-04B197003D23}" type="datetimeFigureOut">
               <a:rPr lang="en-US" smtClean="0"/>
               <a:pPr algn="r"/>
-              <a:t>6/10/2024</a:t>
+              <a:t>6/11/2024</a:t>
             </a:fld>
             <a:endParaRPr lang="en-US" dirty="0"/>
           </a:p>
@@ -1429,6 +1442,18 @@
   <p:clrMapOvr>
     <a:masterClrMapping/>
   </p:clrMapOvr>
+  <mc:AlternateContent xmlns:mc="http://schemas.openxmlformats.org/markup-compatibility/2006">
+    <mc:Choice xmlns:p159="http://schemas.microsoft.com/office/powerpoint/2015/09/main" Requires="p159">
+      <p:transition spd="slow">
+        <p159:morph option="byObject"/>
+      </p:transition>
+    </mc:Choice>
+    <mc:Fallback>
+      <p:transition spd="slow">
+        <p:fade/>
+      </p:transition>
+    </mc:Fallback>
+  </mc:AlternateContent>
 </p:sldLayout>
 </file>
 
@@ -1636,7 +1661,7 @@
             <a:fld id="{A37D6D71-8B28-4ED6-B932-04B197003D23}" type="datetimeFigureOut">
               <a:rPr lang="en-US" smtClean="0"/>
               <a:pPr algn="r"/>
-              <a:t>6/10/2024</a:t>
+              <a:t>6/11/2024</a:t>
             </a:fld>
             <a:endParaRPr lang="en-US" dirty="0"/>
           </a:p>
@@ -1720,6 +1745,18 @@
   <p:clrMapOvr>
     <a:masterClrMapping/>
   </p:clrMapOvr>
+  <mc:AlternateContent xmlns:mc="http://schemas.openxmlformats.org/markup-compatibility/2006">
+    <mc:Choice xmlns:p159="http://schemas.microsoft.com/office/powerpoint/2015/09/main" Requires="p159">
+      <p:transition spd="slow">
+        <p159:morph option="byObject"/>
+      </p:transition>
+    </mc:Choice>
+    <mc:Fallback>
+      <p:transition spd="slow">
+        <p:fade/>
+      </p:transition>
+    </mc:Fallback>
+  </mc:AlternateContent>
 </p:sldLayout>
 </file>
 
@@ -1850,7 +1887,7 @@
             <a:fld id="{A37D6D71-8B28-4ED6-B932-04B197003D23}" type="datetimeFigureOut">
               <a:rPr lang="en-US" smtClean="0"/>
               <a:pPr algn="r"/>
-              <a:t>6/10/2024</a:t>
+              <a:t>6/11/2024</a:t>
             </a:fld>
             <a:endParaRPr lang="en-US" dirty="0"/>
           </a:p>
@@ -1926,6 +1963,18 @@
   <p:clrMapOvr>
     <a:masterClrMapping/>
   </p:clrMapOvr>
+  <mc:AlternateContent xmlns:mc="http://schemas.openxmlformats.org/markup-compatibility/2006">
+    <mc:Choice xmlns:p159="http://schemas.microsoft.com/office/powerpoint/2015/09/main" Requires="p159">
+      <p:transition spd="slow">
+        <p159:morph option="byObject"/>
+      </p:transition>
+    </mc:Choice>
+    <mc:Fallback>
+      <p:transition spd="slow">
+        <p:fade/>
+      </p:transition>
+    </mc:Fallback>
+  </mc:AlternateContent>
 </p:sldLayout>
 </file>
 
@@ -2188,7 +2237,7 @@
             <a:fld id="{A37D6D71-8B28-4ED6-B932-04B197003D23}" type="datetimeFigureOut">
               <a:rPr lang="en-US" smtClean="0"/>
               <a:pPr algn="r"/>
-              <a:t>6/10/2024</a:t>
+              <a:t>6/11/2024</a:t>
             </a:fld>
             <a:endParaRPr lang="en-US" dirty="0"/>
           </a:p>
@@ -2264,6 +2313,18 @@
   <p:clrMapOvr>
     <a:masterClrMapping/>
   </p:clrMapOvr>
+  <mc:AlternateContent xmlns:mc="http://schemas.openxmlformats.org/markup-compatibility/2006">
+    <mc:Choice xmlns:p159="http://schemas.microsoft.com/office/powerpoint/2015/09/main" Requires="p159">
+      <p:transition spd="slow">
+        <p159:morph option="byObject"/>
+      </p:transition>
+    </mc:Choice>
+    <mc:Fallback>
+      <p:transition spd="slow">
+        <p:fade/>
+      </p:transition>
+    </mc:Fallback>
+  </mc:AlternateContent>
 </p:sldLayout>
 </file>
 
@@ -2463,7 +2524,7 @@
             <a:fld id="{A37D6D71-8B28-4ED6-B932-04B197003D23}" type="datetimeFigureOut">
               <a:rPr lang="en-US" smtClean="0"/>
               <a:pPr algn="r"/>
-              <a:t>6/10/2024</a:t>
+              <a:t>6/11/2024</a:t>
             </a:fld>
             <a:endParaRPr lang="en-US" dirty="0"/>
           </a:p>
@@ -2539,6 +2600,18 @@
   <p:clrMapOvr>
     <a:masterClrMapping/>
   </p:clrMapOvr>
+  <mc:AlternateContent xmlns:mc="http://schemas.openxmlformats.org/markup-compatibility/2006">
+    <mc:Choice xmlns:p159="http://schemas.microsoft.com/office/powerpoint/2015/09/main" Requires="p159">
+      <p:transition spd="slow">
+        <p159:morph option="byObject"/>
+      </p:transition>
+    </mc:Choice>
+    <mc:Fallback>
+      <p:transition spd="slow">
+        <p:fade/>
+      </p:transition>
+    </mc:Fallback>
+  </mc:AlternateContent>
 </p:sldLayout>
 </file>
 
@@ -2852,7 +2925,7 @@
             <a:fld id="{A37D6D71-8B28-4ED6-B932-04B197003D23}" type="datetimeFigureOut">
               <a:rPr lang="en-US" smtClean="0"/>
               <a:pPr algn="r"/>
-              <a:t>6/10/2024</a:t>
+              <a:t>6/11/2024</a:t>
             </a:fld>
             <a:endParaRPr lang="en-US" dirty="0"/>
           </a:p>
@@ -2956,6 +3029,18 @@
   <p:clrMapOvr>
     <a:masterClrMapping/>
   </p:clrMapOvr>
+  <mc:AlternateContent xmlns:mc="http://schemas.openxmlformats.org/markup-compatibility/2006">
+    <mc:Choice xmlns:p159="http://schemas.microsoft.com/office/powerpoint/2015/09/main" Requires="p159">
+      <p:transition spd="slow">
+        <p159:morph option="byObject"/>
+      </p:transition>
+    </mc:Choice>
+    <mc:Fallback>
+      <p:transition spd="slow">
+        <p:fade/>
+      </p:transition>
+    </mc:Fallback>
+  </mc:AlternateContent>
 </p:sldLayout>
 </file>
 
@@ -3029,7 +3114,7 @@
             <a:fld id="{A37D6D71-8B28-4ED6-B932-04B197003D23}" type="datetimeFigureOut">
               <a:rPr lang="en-US" smtClean="0"/>
               <a:pPr algn="r"/>
-              <a:t>6/10/2024</a:t>
+              <a:t>6/11/2024</a:t>
             </a:fld>
             <a:endParaRPr lang="en-US" dirty="0"/>
           </a:p>
@@ -3105,6 +3190,18 @@
   <p:clrMapOvr>
     <a:masterClrMapping/>
   </p:clrMapOvr>
+  <mc:AlternateContent xmlns:mc="http://schemas.openxmlformats.org/markup-compatibility/2006">
+    <mc:Choice xmlns:p159="http://schemas.microsoft.com/office/powerpoint/2015/09/main" Requires="p159">
+      <p:transition spd="slow">
+        <p159:morph option="byObject"/>
+      </p:transition>
+    </mc:Choice>
+    <mc:Fallback>
+      <p:transition spd="slow">
+        <p:fade/>
+      </p:transition>
+    </mc:Fallback>
+  </mc:AlternateContent>
 </p:sldLayout>
 </file>
 
@@ -3150,7 +3247,7 @@
             <a:fld id="{A37D6D71-8B28-4ED6-B932-04B197003D23}" type="datetimeFigureOut">
               <a:rPr lang="en-US" smtClean="0"/>
               <a:pPr algn="r"/>
-              <a:t>6/10/2024</a:t>
+              <a:t>6/11/2024</a:t>
             </a:fld>
             <a:endParaRPr lang="en-US" dirty="0"/>
           </a:p>
@@ -3226,6 +3323,18 @@
   <p:clrMapOvr>
     <a:masterClrMapping/>
   </p:clrMapOvr>
+  <mc:AlternateContent xmlns:mc="http://schemas.openxmlformats.org/markup-compatibility/2006">
+    <mc:Choice xmlns:p159="http://schemas.microsoft.com/office/powerpoint/2015/09/main" Requires="p159">
+      <p:transition spd="slow">
+        <p159:morph option="byObject"/>
+      </p:transition>
+    </mc:Choice>
+    <mc:Fallback>
+      <p:transition spd="slow">
+        <p:fade/>
+      </p:transition>
+    </mc:Fallback>
+  </mc:AlternateContent>
 </p:sldLayout>
 </file>
 
@@ -3435,7 +3544,7 @@
             <a:fld id="{A37D6D71-8B28-4ED6-B932-04B197003D23}" type="datetimeFigureOut">
               <a:rPr lang="en-US" smtClean="0"/>
               <a:pPr algn="r"/>
-              <a:t>6/10/2024</a:t>
+              <a:t>6/11/2024</a:t>
             </a:fld>
             <a:endParaRPr lang="en-US" dirty="0"/>
           </a:p>
@@ -3539,6 +3648,18 @@
   <p:clrMapOvr>
     <a:masterClrMapping/>
   </p:clrMapOvr>
+  <mc:AlternateContent xmlns:mc="http://schemas.openxmlformats.org/markup-compatibility/2006">
+    <mc:Choice xmlns:p159="http://schemas.microsoft.com/office/powerpoint/2015/09/main" Requires="p159">
+      <p:transition spd="slow">
+        <p159:morph option="byObject"/>
+      </p:transition>
+    </mc:Choice>
+    <mc:Fallback>
+      <p:transition spd="slow">
+        <p:fade/>
+      </p:transition>
+    </mc:Fallback>
+  </mc:AlternateContent>
 </p:sldLayout>
 </file>
 
@@ -3736,7 +3857,7 @@
             <a:fld id="{A37D6D71-8B28-4ED6-B932-04B197003D23}" type="datetimeFigureOut">
               <a:rPr lang="en-US" smtClean="0"/>
               <a:pPr algn="r"/>
-              <a:t>6/10/2024</a:t>
+              <a:t>6/11/2024</a:t>
             </a:fld>
             <a:endParaRPr lang="en-US" dirty="0"/>
           </a:p>
@@ -3859,6 +3980,18 @@
   <p:clrMapOvr>
     <a:masterClrMapping/>
   </p:clrMapOvr>
+  <mc:AlternateContent xmlns:mc="http://schemas.openxmlformats.org/markup-compatibility/2006">
+    <mc:Choice xmlns:p159="http://schemas.microsoft.com/office/powerpoint/2015/09/main" Requires="p159">
+      <p:transition spd="slow">
+        <p159:morph option="byObject"/>
+      </p:transition>
+    </mc:Choice>
+    <mc:Fallback>
+      <p:transition spd="slow">
+        <p:fade/>
+      </p:transition>
+    </mc:Fallback>
+  </mc:AlternateContent>
 </p:sldLayout>
 </file>
 
@@ -4084,7 +4217,7 @@
             <a:fld id="{A37D6D71-8B28-4ED6-B932-04B197003D23}" type="datetimeFigureOut">
               <a:rPr lang="en-US" smtClean="0"/>
               <a:pPr algn="r"/>
-              <a:t>6/10/2024</a:t>
+              <a:t>6/11/2024</a:t>
             </a:fld>
             <a:endParaRPr lang="en-US" spc="50" dirty="0"/>
           </a:p>
@@ -4199,6 +4332,18 @@
     <p:sldLayoutId id="2147483704" r:id="rId10"/>
     <p:sldLayoutId id="2147483706" r:id="rId11"/>
   </p:sldLayoutIdLst>
+  <mc:AlternateContent xmlns:mc="http://schemas.openxmlformats.org/markup-compatibility/2006">
+    <mc:Choice xmlns:p159="http://schemas.microsoft.com/office/powerpoint/2015/09/main" Requires="p159">
+      <p:transition spd="slow">
+        <p159:morph option="byObject"/>
+      </p:transition>
+    </mc:Choice>
+    <mc:Fallback>
+      <p:transition spd="slow">
+        <p:fade/>
+      </p:transition>
+    </mc:Fallback>
+  </mc:AlternateContent>
   <p:txStyles>
     <p:titleStyle>
       <a:lvl1pPr algn="l" defTabSz="914400" rtl="0" eaLnBrk="1" latinLnBrk="0" hangingPunct="1">
@@ -4785,6 +4930,18 @@
   <p:clrMapOvr>
     <a:masterClrMapping/>
   </p:clrMapOvr>
+  <mc:AlternateContent xmlns:mc="http://schemas.openxmlformats.org/markup-compatibility/2006">
+    <mc:Choice xmlns:p159="http://schemas.microsoft.com/office/powerpoint/2015/09/main" Requires="p159">
+      <p:transition spd="slow">
+        <p159:morph option="byObject"/>
+      </p:transition>
+    </mc:Choice>
+    <mc:Fallback>
+      <p:transition spd="slow">
+        <p:fade/>
+      </p:transition>
+    </mc:Fallback>
+  </mc:AlternateContent>
 </p:sld>
 </file>
 
@@ -4957,6 +5114,42 @@
           </a:prstGeom>
         </p:spPr>
       </p:pic>
+      <p:pic>
+        <p:nvPicPr>
+          <p:cNvPr id="3" name="Picture 2">
+            <a:extLst>
+              <a:ext uri="{FF2B5EF4-FFF2-40B4-BE49-F238E27FC236}">
+                <a16:creationId xmlns:a16="http://schemas.microsoft.com/office/drawing/2014/main" id="{24F8ABE5-C0BF-5B03-5FFB-63FCFD816F91}"/>
+              </a:ext>
+            </a:extLst>
+          </p:cNvPr>
+          <p:cNvPicPr>
+            <a:picLocks noChangeAspect="1"/>
+          </p:cNvPicPr>
+          <p:nvPr/>
+        </p:nvPicPr>
+        <p:blipFill>
+          <a:blip r:embed="rId3">
+            <a:extLst>
+              <a:ext uri="{28A0092B-C50C-407E-A947-70E740481C1C}">
+                <a14:useLocalDpi xmlns:a14="http://schemas.microsoft.com/office/drawing/2010/main" val="0"/>
+              </a:ext>
+            </a:extLst>
+          </a:blip>
+          <a:stretch>
+            <a:fillRect/>
+          </a:stretch>
+        </p:blipFill>
+        <p:spPr>
+          <a:xfrm>
+            <a:off x="2889557" y="15093244"/>
+            <a:ext cx="6412885" cy="4025178"/>
+          </a:xfrm>
+          <a:prstGeom prst="rect">
+            <a:avLst/>
+          </a:prstGeom>
+        </p:spPr>
+      </p:pic>
     </p:spTree>
     <p:extLst>
       <p:ext uri="{BB962C8B-B14F-4D97-AF65-F5344CB8AC3E}">
@@ -4967,13 +5160,13 @@
   <p:clrMapOvr>
     <a:masterClrMapping/>
   </p:clrMapOvr>
-  <mc:AlternateContent xmlns:mc="http://schemas.openxmlformats.org/markup-compatibility/2006" xmlns:p159="http://schemas.microsoft.com/office/powerpoint/2015/09/main">
-    <mc:Choice Requires="p159">
-      <p:transition xmlns:p14="http://schemas.microsoft.com/office/powerpoint/2010/main" spd="slow" p14:dur="2000">
+  <mc:AlternateContent xmlns:mc="http://schemas.openxmlformats.org/markup-compatibility/2006">
+    <mc:Choice xmlns:p159="http://schemas.microsoft.com/office/powerpoint/2015/09/main" Requires="p159">
+      <p:transition spd="slow">
         <p159:morph option="byObject"/>
       </p:transition>
     </mc:Choice>
-    <mc:Fallback xmlns="">
+    <mc:Fallback>
       <p:transition spd="slow">
         <p:fade/>
       </p:transition>
@@ -4983,6 +5176,1397 @@
 </file>
 
 <file path=ppt/slides/slide11.xml><?xml version="1.0" encoding="utf-8"?>
+<p:sld xmlns:a="http://schemas.openxmlformats.org/drawingml/2006/main" xmlns:r="http://schemas.openxmlformats.org/officeDocument/2006/relationships" xmlns:p="http://schemas.openxmlformats.org/presentationml/2006/main">
+  <p:cSld>
+    <p:spTree>
+      <p:nvGrpSpPr>
+        <p:cNvPr id="1" name=""/>
+        <p:cNvGrpSpPr/>
+        <p:nvPr/>
+      </p:nvGrpSpPr>
+      <p:grpSpPr>
+        <a:xfrm>
+          <a:off x="0" y="0"/>
+          <a:ext cx="0" cy="0"/>
+          <a:chOff x="0" y="0"/>
+          <a:chExt cx="0" cy="0"/>
+        </a:xfrm>
+      </p:grpSpPr>
+      <p:pic>
+        <p:nvPicPr>
+          <p:cNvPr id="46" name="Picture 45">
+            <a:extLst>
+              <a:ext uri="{FF2B5EF4-FFF2-40B4-BE49-F238E27FC236}">
+                <a16:creationId xmlns:a16="http://schemas.microsoft.com/office/drawing/2014/main" id="{B753E19B-140E-ACCB-9C37-1CC1E0358669}"/>
+              </a:ext>
+            </a:extLst>
+          </p:cNvPr>
+          <p:cNvPicPr>
+            <a:picLocks noChangeAspect="1"/>
+          </p:cNvPicPr>
+          <p:nvPr/>
+        </p:nvPicPr>
+        <p:blipFill>
+          <a:blip r:embed="rId2">
+            <a:alphaModFix amt="0"/>
+          </a:blip>
+          <a:stretch>
+            <a:fillRect/>
+          </a:stretch>
+        </p:blipFill>
+        <p:spPr>
+          <a:xfrm>
+            <a:off x="2194628" y="2243112"/>
+            <a:ext cx="7686675" cy="4657775"/>
+          </a:xfrm>
+          <a:prstGeom prst="rect">
+            <a:avLst/>
+          </a:prstGeom>
+        </p:spPr>
+      </p:pic>
+      <p:pic>
+        <p:nvPicPr>
+          <p:cNvPr id="7" name="Picture 6">
+            <a:extLst>
+              <a:ext uri="{FF2B5EF4-FFF2-40B4-BE49-F238E27FC236}">
+                <a16:creationId xmlns:a16="http://schemas.microsoft.com/office/drawing/2014/main" id="{DD065157-AC6C-F9D8-0729-C1E892EEA2BF}"/>
+              </a:ext>
+            </a:extLst>
+          </p:cNvPr>
+          <p:cNvPicPr>
+            <a:picLocks noChangeAspect="1"/>
+          </p:cNvPicPr>
+          <p:nvPr/>
+        </p:nvPicPr>
+        <p:blipFill>
+          <a:blip r:embed="rId3">
+            <a:alphaModFix amt="0"/>
+          </a:blip>
+          <a:stretch>
+            <a:fillRect/>
+          </a:stretch>
+        </p:blipFill>
+        <p:spPr>
+          <a:xfrm>
+            <a:off x="-1317473" y="-773106"/>
+            <a:ext cx="21593307" cy="12046671"/>
+          </a:xfrm>
+          <a:prstGeom prst="rect">
+            <a:avLst/>
+          </a:prstGeom>
+        </p:spPr>
+      </p:pic>
+      <p:sp>
+        <p:nvSpPr>
+          <p:cNvPr id="4" name="Rectangle 3">
+            <a:extLst>
+              <a:ext uri="{FF2B5EF4-FFF2-40B4-BE49-F238E27FC236}">
+                <a16:creationId xmlns:a16="http://schemas.microsoft.com/office/drawing/2014/main" id="{FD279EC6-212B-2A79-9CA2-3939E4224658}"/>
+              </a:ext>
+            </a:extLst>
+          </p:cNvPr>
+          <p:cNvSpPr/>
+          <p:nvPr/>
+        </p:nvSpPr>
+        <p:spPr>
+          <a:xfrm>
+            <a:off x="0" y="0"/>
+            <a:ext cx="12192000" cy="1320800"/>
+          </a:xfrm>
+          <a:prstGeom prst="rect">
+            <a:avLst/>
+          </a:prstGeom>
+        </p:spPr>
+        <p:style>
+          <a:lnRef idx="2">
+            <a:schemeClr val="dk1">
+              <a:shade val="15000"/>
+            </a:schemeClr>
+          </a:lnRef>
+          <a:fillRef idx="1">
+            <a:schemeClr val="dk1"/>
+          </a:fillRef>
+          <a:effectRef idx="0">
+            <a:schemeClr val="dk1"/>
+          </a:effectRef>
+          <a:fontRef idx="minor">
+            <a:schemeClr val="lt1"/>
+          </a:fontRef>
+        </p:style>
+        <p:txBody>
+          <a:bodyPr rtlCol="0" anchor="ctr"/>
+          <a:lstStyle/>
+          <a:p>
+            <a:pPr algn="ctr"/>
+            <a:endParaRPr lang="en-US"/>
+          </a:p>
+        </p:txBody>
+      </p:sp>
+      <p:sp>
+        <p:nvSpPr>
+          <p:cNvPr id="5" name="TextBox 4">
+            <a:extLst>
+              <a:ext uri="{FF2B5EF4-FFF2-40B4-BE49-F238E27FC236}">
+                <a16:creationId xmlns:a16="http://schemas.microsoft.com/office/drawing/2014/main" id="{748CED56-8AE0-DFCD-065F-533501D089E3}"/>
+              </a:ext>
+            </a:extLst>
+          </p:cNvPr>
+          <p:cNvSpPr txBox="1"/>
+          <p:nvPr/>
+        </p:nvSpPr>
+        <p:spPr>
+          <a:xfrm>
+            <a:off x="1734312" y="229513"/>
+            <a:ext cx="8723376" cy="861774"/>
+          </a:xfrm>
+          <a:prstGeom prst="rect">
+            <a:avLst/>
+          </a:prstGeom>
+          <a:noFill/>
+        </p:spPr>
+        <p:txBody>
+          <a:bodyPr wrap="square" rtlCol="0">
+            <a:spAutoFit/>
+          </a:bodyPr>
+          <a:lstStyle/>
+          <a:p>
+            <a:pPr algn="ctr"/>
+            <a:r>
+              <a:rPr lang="en-US" sz="5000" dirty="0">
+                <a:solidFill>
+                  <a:schemeClr val="bg1"/>
+                </a:solidFill>
+                <a:latin typeface="+mj-lt"/>
+              </a:rPr>
+              <a:t>V. Package Class Diagram</a:t>
+            </a:r>
+          </a:p>
+        </p:txBody>
+      </p:sp>
+      <p:pic>
+        <p:nvPicPr>
+          <p:cNvPr id="8" name="Picture 7">
+            <a:extLst>
+              <a:ext uri="{FF2B5EF4-FFF2-40B4-BE49-F238E27FC236}">
+                <a16:creationId xmlns:a16="http://schemas.microsoft.com/office/drawing/2014/main" id="{E17BDD36-B621-37DE-E225-EFE8DA4A701B}"/>
+              </a:ext>
+            </a:extLst>
+          </p:cNvPr>
+          <p:cNvPicPr>
+            <a:picLocks noChangeAspect="1"/>
+          </p:cNvPicPr>
+          <p:nvPr/>
+        </p:nvPicPr>
+        <p:blipFill>
+          <a:blip r:embed="rId4">
+            <a:extLst>
+              <a:ext uri="{28A0092B-C50C-407E-A947-70E740481C1C}">
+                <a14:useLocalDpi xmlns:a14="http://schemas.microsoft.com/office/drawing/2010/main" val="0"/>
+              </a:ext>
+            </a:extLst>
+          </a:blip>
+          <a:stretch>
+            <a:fillRect/>
+          </a:stretch>
+        </p:blipFill>
+        <p:spPr>
+          <a:xfrm>
+            <a:off x="2889557" y="2104311"/>
+            <a:ext cx="6412885" cy="4025178"/>
+          </a:xfrm>
+          <a:prstGeom prst="rect">
+            <a:avLst/>
+          </a:prstGeom>
+        </p:spPr>
+      </p:pic>
+      <p:sp>
+        <p:nvSpPr>
+          <p:cNvPr id="9" name="TextBox 8">
+            <a:extLst>
+              <a:ext uri="{FF2B5EF4-FFF2-40B4-BE49-F238E27FC236}">
+                <a16:creationId xmlns:a16="http://schemas.microsoft.com/office/drawing/2014/main" id="{131EE033-C790-0E38-B5EF-25912B577BAF}"/>
+              </a:ext>
+            </a:extLst>
+          </p:cNvPr>
+          <p:cNvSpPr txBox="1"/>
+          <p:nvPr/>
+        </p:nvSpPr>
+        <p:spPr>
+          <a:xfrm>
+            <a:off x="2889557" y="5250230"/>
+            <a:ext cx="6412885" cy="879259"/>
+          </a:xfrm>
+          <a:prstGeom prst="rect">
+            <a:avLst/>
+          </a:prstGeom>
+          <a:noFill/>
+          <a:ln w="28575">
+            <a:solidFill>
+              <a:srgbClr val="FF0000"/>
+            </a:solidFill>
+          </a:ln>
+        </p:spPr>
+        <p:txBody>
+          <a:bodyPr wrap="square" rtlCol="0">
+            <a:spAutoFit/>
+          </a:bodyPr>
+          <a:lstStyle/>
+          <a:p>
+            <a:endParaRPr lang="en-US" dirty="0"/>
+          </a:p>
+        </p:txBody>
+      </p:sp>
+      <p:sp>
+        <p:nvSpPr>
+          <p:cNvPr id="10" name="TextBox 9">
+            <a:extLst>
+              <a:ext uri="{FF2B5EF4-FFF2-40B4-BE49-F238E27FC236}">
+                <a16:creationId xmlns:a16="http://schemas.microsoft.com/office/drawing/2014/main" id="{33902945-B142-C1CF-1767-1EBFBDE3B3BA}"/>
+              </a:ext>
+            </a:extLst>
+          </p:cNvPr>
+          <p:cNvSpPr txBox="1"/>
+          <p:nvPr/>
+        </p:nvSpPr>
+        <p:spPr>
+          <a:xfrm>
+            <a:off x="2889557" y="2333824"/>
+            <a:ext cx="6412885" cy="879259"/>
+          </a:xfrm>
+          <a:prstGeom prst="rect">
+            <a:avLst/>
+          </a:prstGeom>
+          <a:noFill/>
+          <a:ln w="28575">
+            <a:solidFill>
+              <a:srgbClr val="FF0000"/>
+            </a:solidFill>
+          </a:ln>
+        </p:spPr>
+        <p:txBody>
+          <a:bodyPr wrap="square" rtlCol="0">
+            <a:spAutoFit/>
+          </a:bodyPr>
+          <a:lstStyle/>
+          <a:p>
+            <a:endParaRPr lang="en-US" dirty="0"/>
+          </a:p>
+        </p:txBody>
+      </p:sp>
+      <p:sp>
+        <p:nvSpPr>
+          <p:cNvPr id="11" name="TextBox 10">
+            <a:extLst>
+              <a:ext uri="{FF2B5EF4-FFF2-40B4-BE49-F238E27FC236}">
+                <a16:creationId xmlns:a16="http://schemas.microsoft.com/office/drawing/2014/main" id="{E3C919E1-AA46-EF57-3732-CF7CF2D09489}"/>
+              </a:ext>
+            </a:extLst>
+          </p:cNvPr>
+          <p:cNvSpPr txBox="1"/>
+          <p:nvPr/>
+        </p:nvSpPr>
+        <p:spPr>
+          <a:xfrm>
+            <a:off x="4646854" y="4249410"/>
+            <a:ext cx="930536" cy="971022"/>
+          </a:xfrm>
+          <a:prstGeom prst="rect">
+            <a:avLst/>
+          </a:prstGeom>
+          <a:noFill/>
+          <a:ln w="28575">
+            <a:solidFill>
+              <a:srgbClr val="00B0F0"/>
+            </a:solidFill>
+          </a:ln>
+        </p:spPr>
+        <p:txBody>
+          <a:bodyPr wrap="square" rtlCol="0">
+            <a:spAutoFit/>
+          </a:bodyPr>
+          <a:lstStyle/>
+          <a:p>
+            <a:endParaRPr lang="en-US" dirty="0"/>
+          </a:p>
+        </p:txBody>
+      </p:sp>
+      <p:sp>
+        <p:nvSpPr>
+          <p:cNvPr id="15" name="Partial Circle 14">
+            <a:extLst>
+              <a:ext uri="{FF2B5EF4-FFF2-40B4-BE49-F238E27FC236}">
+                <a16:creationId xmlns:a16="http://schemas.microsoft.com/office/drawing/2014/main" id="{B4B9F01A-6E62-1803-C552-8EEFD1C68CD9}"/>
+              </a:ext>
+            </a:extLst>
+          </p:cNvPr>
+          <p:cNvSpPr/>
+          <p:nvPr/>
+        </p:nvSpPr>
+        <p:spPr>
+          <a:xfrm>
+            <a:off x="2889557" y="3213083"/>
+            <a:ext cx="1609775" cy="1999681"/>
+          </a:xfrm>
+          <a:prstGeom prst="pie">
+            <a:avLst>
+              <a:gd name="adj1" fmla="val 5389312"/>
+              <a:gd name="adj2" fmla="val 16204317"/>
+            </a:avLst>
+          </a:prstGeom>
+          <a:noFill/>
+          <a:ln w="28575">
+            <a:solidFill>
+              <a:srgbClr val="00B0F0"/>
+            </a:solidFill>
+          </a:ln>
+        </p:spPr>
+        <p:style>
+          <a:lnRef idx="2">
+            <a:schemeClr val="accent1">
+              <a:shade val="15000"/>
+            </a:schemeClr>
+          </a:lnRef>
+          <a:fillRef idx="1">
+            <a:schemeClr val="accent1"/>
+          </a:fillRef>
+          <a:effectRef idx="0">
+            <a:schemeClr val="accent1"/>
+          </a:effectRef>
+          <a:fontRef idx="minor">
+            <a:schemeClr val="lt1"/>
+          </a:fontRef>
+        </p:style>
+        <p:txBody>
+          <a:bodyPr rtlCol="0" anchor="ctr"/>
+          <a:lstStyle/>
+          <a:p>
+            <a:pPr algn="ctr"/>
+            <a:endParaRPr lang="en-US">
+              <a:solidFill>
+                <a:schemeClr val="tx1"/>
+              </a:solidFill>
+            </a:endParaRPr>
+          </a:p>
+        </p:txBody>
+      </p:sp>
+      <p:cxnSp>
+        <p:nvCxnSpPr>
+          <p:cNvPr id="17" name="Straight Connector 16">
+            <a:extLst>
+              <a:ext uri="{FF2B5EF4-FFF2-40B4-BE49-F238E27FC236}">
+                <a16:creationId xmlns:a16="http://schemas.microsoft.com/office/drawing/2014/main" id="{61AEB685-E886-4C64-A87F-0B3412DCEE84}"/>
+              </a:ext>
+            </a:extLst>
+          </p:cNvPr>
+          <p:cNvCxnSpPr>
+            <a:cxnSpLocks/>
+            <a:stCxn id="10" idx="1"/>
+          </p:cNvCxnSpPr>
+          <p:nvPr/>
+        </p:nvCxnSpPr>
+        <p:spPr>
+          <a:xfrm flipH="1">
+            <a:off x="1846967" y="2773454"/>
+            <a:ext cx="1042590" cy="114368"/>
+          </a:xfrm>
+          <a:prstGeom prst="line">
+            <a:avLst/>
+          </a:prstGeom>
+          <a:ln w="28575">
+            <a:solidFill>
+              <a:srgbClr val="FF0000"/>
+            </a:solidFill>
+          </a:ln>
+        </p:spPr>
+        <p:style>
+          <a:lnRef idx="1">
+            <a:schemeClr val="accent1"/>
+          </a:lnRef>
+          <a:fillRef idx="0">
+            <a:schemeClr val="accent1"/>
+          </a:fillRef>
+          <a:effectRef idx="0">
+            <a:schemeClr val="accent1"/>
+          </a:effectRef>
+          <a:fontRef idx="minor">
+            <a:schemeClr val="tx1"/>
+          </a:fontRef>
+        </p:style>
+      </p:cxnSp>
+      <p:cxnSp>
+        <p:nvCxnSpPr>
+          <p:cNvPr id="19" name="Straight Connector 18">
+            <a:extLst>
+              <a:ext uri="{FF2B5EF4-FFF2-40B4-BE49-F238E27FC236}">
+                <a16:creationId xmlns:a16="http://schemas.microsoft.com/office/drawing/2014/main" id="{5A60BA51-2307-A6AA-2499-939608BB0ED5}"/>
+              </a:ext>
+            </a:extLst>
+          </p:cNvPr>
+          <p:cNvCxnSpPr>
+            <a:cxnSpLocks/>
+            <a:stCxn id="9" idx="1"/>
+          </p:cNvCxnSpPr>
+          <p:nvPr/>
+        </p:nvCxnSpPr>
+        <p:spPr>
+          <a:xfrm flipH="1" flipV="1">
+            <a:off x="1846967" y="2887822"/>
+            <a:ext cx="1042590" cy="2802038"/>
+          </a:xfrm>
+          <a:prstGeom prst="line">
+            <a:avLst/>
+          </a:prstGeom>
+          <a:ln w="28575">
+            <a:solidFill>
+              <a:srgbClr val="FF0000"/>
+            </a:solidFill>
+          </a:ln>
+        </p:spPr>
+        <p:style>
+          <a:lnRef idx="1">
+            <a:schemeClr val="accent1"/>
+          </a:lnRef>
+          <a:fillRef idx="0">
+            <a:schemeClr val="accent1"/>
+          </a:fillRef>
+          <a:effectRef idx="0">
+            <a:schemeClr val="accent1"/>
+          </a:effectRef>
+          <a:fontRef idx="minor">
+            <a:schemeClr val="tx1"/>
+          </a:fontRef>
+        </p:style>
+      </p:cxnSp>
+      <p:cxnSp>
+        <p:nvCxnSpPr>
+          <p:cNvPr id="25" name="Straight Connector 24">
+            <a:extLst>
+              <a:ext uri="{FF2B5EF4-FFF2-40B4-BE49-F238E27FC236}">
+                <a16:creationId xmlns:a16="http://schemas.microsoft.com/office/drawing/2014/main" id="{553B734E-CB9D-AA06-755B-C83842793D94}"/>
+              </a:ext>
+            </a:extLst>
+          </p:cNvPr>
+          <p:cNvCxnSpPr>
+            <a:cxnSpLocks/>
+            <a:stCxn id="8" idx="1"/>
+          </p:cNvCxnSpPr>
+          <p:nvPr/>
+        </p:nvCxnSpPr>
+        <p:spPr>
+          <a:xfrm flipH="1">
+            <a:off x="1677409" y="4116900"/>
+            <a:ext cx="1212148" cy="455100"/>
+          </a:xfrm>
+          <a:prstGeom prst="line">
+            <a:avLst/>
+          </a:prstGeom>
+          <a:ln w="28575">
+            <a:solidFill>
+              <a:srgbClr val="00B0F0"/>
+            </a:solidFill>
+          </a:ln>
+        </p:spPr>
+        <p:style>
+          <a:lnRef idx="1">
+            <a:schemeClr val="accent1"/>
+          </a:lnRef>
+          <a:fillRef idx="0">
+            <a:schemeClr val="accent1"/>
+          </a:fillRef>
+          <a:effectRef idx="0">
+            <a:schemeClr val="accent1"/>
+          </a:effectRef>
+          <a:fontRef idx="minor">
+            <a:schemeClr val="tx1"/>
+          </a:fontRef>
+        </p:style>
+      </p:cxnSp>
+      <p:cxnSp>
+        <p:nvCxnSpPr>
+          <p:cNvPr id="30" name="Straight Connector 29">
+            <a:extLst>
+              <a:ext uri="{FF2B5EF4-FFF2-40B4-BE49-F238E27FC236}">
+                <a16:creationId xmlns:a16="http://schemas.microsoft.com/office/drawing/2014/main" id="{11F935C9-61E4-B793-9427-50F92803D4E2}"/>
+              </a:ext>
+            </a:extLst>
+          </p:cNvPr>
+          <p:cNvCxnSpPr>
+            <a:cxnSpLocks/>
+            <a:stCxn id="11" idx="1"/>
+          </p:cNvCxnSpPr>
+          <p:nvPr/>
+        </p:nvCxnSpPr>
+        <p:spPr>
+          <a:xfrm flipH="1" flipV="1">
+            <a:off x="1677409" y="4572000"/>
+            <a:ext cx="2969445" cy="162921"/>
+          </a:xfrm>
+          <a:prstGeom prst="line">
+            <a:avLst/>
+          </a:prstGeom>
+          <a:ln w="28575">
+            <a:solidFill>
+              <a:srgbClr val="00B0F0"/>
+            </a:solidFill>
+          </a:ln>
+        </p:spPr>
+        <p:style>
+          <a:lnRef idx="1">
+            <a:schemeClr val="accent1"/>
+          </a:lnRef>
+          <a:fillRef idx="0">
+            <a:schemeClr val="accent1"/>
+          </a:fillRef>
+          <a:effectRef idx="0">
+            <a:schemeClr val="accent1"/>
+          </a:effectRef>
+          <a:fontRef idx="minor">
+            <a:schemeClr val="tx1"/>
+          </a:fontRef>
+        </p:style>
+      </p:cxnSp>
+      <p:sp>
+        <p:nvSpPr>
+          <p:cNvPr id="33" name="TextBox 32">
+            <a:extLst>
+              <a:ext uri="{FF2B5EF4-FFF2-40B4-BE49-F238E27FC236}">
+                <a16:creationId xmlns:a16="http://schemas.microsoft.com/office/drawing/2014/main" id="{33DC00C1-864A-A854-C198-9A5DADD1ECFE}"/>
+              </a:ext>
+            </a:extLst>
+          </p:cNvPr>
+          <p:cNvSpPr txBox="1"/>
+          <p:nvPr/>
+        </p:nvSpPr>
+        <p:spPr>
+          <a:xfrm>
+            <a:off x="89670" y="2652547"/>
+            <a:ext cx="1992302" cy="369332"/>
+          </a:xfrm>
+          <a:prstGeom prst="rect">
+            <a:avLst/>
+          </a:prstGeom>
+          <a:noFill/>
+        </p:spPr>
+        <p:txBody>
+          <a:bodyPr wrap="square" rtlCol="0">
+            <a:spAutoFit/>
+          </a:bodyPr>
+          <a:lstStyle/>
+          <a:p>
+            <a:r>
+              <a:rPr lang="en-US" dirty="0" err="1"/>
+              <a:t>PlayerContainer</a:t>
+            </a:r>
+            <a:endParaRPr lang="en-US" dirty="0"/>
+          </a:p>
+        </p:txBody>
+      </p:sp>
+      <p:sp>
+        <p:nvSpPr>
+          <p:cNvPr id="40" name="TextBox 39">
+            <a:extLst>
+              <a:ext uri="{FF2B5EF4-FFF2-40B4-BE49-F238E27FC236}">
+                <a16:creationId xmlns:a16="http://schemas.microsoft.com/office/drawing/2014/main" id="{D5D3885A-E4AD-BE7E-E326-E27DF0886037}"/>
+              </a:ext>
+            </a:extLst>
+          </p:cNvPr>
+          <p:cNvSpPr txBox="1"/>
+          <p:nvPr/>
+        </p:nvSpPr>
+        <p:spPr>
+          <a:xfrm>
+            <a:off x="581754" y="4397589"/>
+            <a:ext cx="1992302" cy="369332"/>
+          </a:xfrm>
+          <a:prstGeom prst="rect">
+            <a:avLst/>
+          </a:prstGeom>
+          <a:noFill/>
+        </p:spPr>
+        <p:txBody>
+          <a:bodyPr wrap="square" rtlCol="0">
+            <a:spAutoFit/>
+          </a:bodyPr>
+          <a:lstStyle/>
+          <a:p>
+            <a:r>
+              <a:rPr lang="en-US" dirty="0" err="1"/>
+              <a:t>MyPanel</a:t>
+            </a:r>
+            <a:endParaRPr lang="en-US" dirty="0"/>
+          </a:p>
+        </p:txBody>
+      </p:sp>
+      <p:sp>
+        <p:nvSpPr>
+          <p:cNvPr id="41" name="Rectangle 40">
+            <a:extLst>
+              <a:ext uri="{FF2B5EF4-FFF2-40B4-BE49-F238E27FC236}">
+                <a16:creationId xmlns:a16="http://schemas.microsoft.com/office/drawing/2014/main" id="{939BBF91-A789-7FFB-842D-D21A5D2FB067}"/>
+              </a:ext>
+            </a:extLst>
+          </p:cNvPr>
+          <p:cNvSpPr/>
+          <p:nvPr/>
+        </p:nvSpPr>
+        <p:spPr>
+          <a:xfrm>
+            <a:off x="2889557" y="3213083"/>
+            <a:ext cx="6412885" cy="2007349"/>
+          </a:xfrm>
+          <a:prstGeom prst="rect">
+            <a:avLst/>
+          </a:prstGeom>
+          <a:noFill/>
+          <a:ln w="38100">
+            <a:solidFill>
+              <a:srgbClr val="92D050"/>
+            </a:solidFill>
+          </a:ln>
+        </p:spPr>
+        <p:style>
+          <a:lnRef idx="2">
+            <a:schemeClr val="accent1">
+              <a:shade val="15000"/>
+            </a:schemeClr>
+          </a:lnRef>
+          <a:fillRef idx="1">
+            <a:schemeClr val="accent1"/>
+          </a:fillRef>
+          <a:effectRef idx="0">
+            <a:schemeClr val="accent1"/>
+          </a:effectRef>
+          <a:fontRef idx="minor">
+            <a:schemeClr val="lt1"/>
+          </a:fontRef>
+        </p:style>
+        <p:txBody>
+          <a:bodyPr rtlCol="0" anchor="ctr"/>
+          <a:lstStyle/>
+          <a:p>
+            <a:pPr algn="ctr"/>
+            <a:endParaRPr lang="en-US"/>
+          </a:p>
+        </p:txBody>
+      </p:sp>
+      <p:cxnSp>
+        <p:nvCxnSpPr>
+          <p:cNvPr id="43" name="Straight Connector 42">
+            <a:extLst>
+              <a:ext uri="{FF2B5EF4-FFF2-40B4-BE49-F238E27FC236}">
+                <a16:creationId xmlns:a16="http://schemas.microsoft.com/office/drawing/2014/main" id="{1E56EA18-B882-5A6A-B68F-39DF8DDD0989}"/>
+              </a:ext>
+            </a:extLst>
+          </p:cNvPr>
+          <p:cNvCxnSpPr>
+            <a:cxnSpLocks/>
+            <a:stCxn id="41" idx="3"/>
+          </p:cNvCxnSpPr>
+          <p:nvPr/>
+        </p:nvCxnSpPr>
+        <p:spPr>
+          <a:xfrm>
+            <a:off x="9302442" y="4216758"/>
+            <a:ext cx="1042590" cy="2854"/>
+          </a:xfrm>
+          <a:prstGeom prst="line">
+            <a:avLst/>
+          </a:prstGeom>
+          <a:ln w="28575">
+            <a:solidFill>
+              <a:srgbClr val="92D050"/>
+            </a:solidFill>
+          </a:ln>
+        </p:spPr>
+        <p:style>
+          <a:lnRef idx="1">
+            <a:schemeClr val="accent1"/>
+          </a:lnRef>
+          <a:fillRef idx="0">
+            <a:schemeClr val="accent1"/>
+          </a:fillRef>
+          <a:effectRef idx="0">
+            <a:schemeClr val="accent1"/>
+          </a:effectRef>
+          <a:fontRef idx="minor">
+            <a:schemeClr val="tx1"/>
+          </a:fontRef>
+        </p:style>
+      </p:cxnSp>
+      <p:sp>
+        <p:nvSpPr>
+          <p:cNvPr id="45" name="TextBox 44">
+            <a:extLst>
+              <a:ext uri="{FF2B5EF4-FFF2-40B4-BE49-F238E27FC236}">
+                <a16:creationId xmlns:a16="http://schemas.microsoft.com/office/drawing/2014/main" id="{F24E69A4-EAA6-66C3-B3CB-01CF8BF41880}"/>
+              </a:ext>
+            </a:extLst>
+          </p:cNvPr>
+          <p:cNvSpPr txBox="1"/>
+          <p:nvPr/>
+        </p:nvSpPr>
+        <p:spPr>
+          <a:xfrm>
+            <a:off x="10457688" y="3975118"/>
+            <a:ext cx="1992302" cy="369332"/>
+          </a:xfrm>
+          <a:prstGeom prst="rect">
+            <a:avLst/>
+          </a:prstGeom>
+          <a:noFill/>
+        </p:spPr>
+        <p:txBody>
+          <a:bodyPr wrap="square" rtlCol="0">
+            <a:spAutoFit/>
+          </a:bodyPr>
+          <a:lstStyle/>
+          <a:p>
+            <a:r>
+              <a:rPr lang="en-US" dirty="0" err="1"/>
+              <a:t>GameBoard</a:t>
+            </a:r>
+            <a:endParaRPr lang="en-US" dirty="0"/>
+          </a:p>
+        </p:txBody>
+      </p:sp>
+    </p:spTree>
+    <p:extLst>
+      <p:ext uri="{BB962C8B-B14F-4D97-AF65-F5344CB8AC3E}">
+        <p14:creationId xmlns:p14="http://schemas.microsoft.com/office/powerpoint/2010/main" val="1834805618"/>
+      </p:ext>
+    </p:extLst>
+  </p:cSld>
+  <p:clrMapOvr>
+    <a:masterClrMapping/>
+  </p:clrMapOvr>
+  <mc:AlternateContent xmlns:mc="http://schemas.openxmlformats.org/markup-compatibility/2006">
+    <mc:Choice xmlns:p159="http://schemas.microsoft.com/office/powerpoint/2015/09/main" Requires="p159">
+      <p:transition xmlns:p14="http://schemas.microsoft.com/office/powerpoint/2010/main" spd="slow" p14:dur="2000">
+        <p159:morph option="byObject"/>
+      </p:transition>
+    </mc:Choice>
+    <mc:Fallback>
+      <p:transition spd="slow">
+        <p:fade/>
+      </p:transition>
+    </mc:Fallback>
+  </mc:AlternateContent>
+  <p:timing>
+    <p:tnLst>
+      <p:par>
+        <p:cTn id="1" dur="indefinite" restart="never" nodeType="tmRoot">
+          <p:childTnLst>
+            <p:seq concurrent="1" nextAc="seek">
+              <p:cTn id="2" dur="indefinite" nodeType="mainSeq">
+                <p:childTnLst>
+                  <p:par>
+                    <p:cTn id="3" fill="hold">
+                      <p:stCondLst>
+                        <p:cond delay="indefinite"/>
+                      </p:stCondLst>
+                      <p:childTnLst>
+                        <p:par>
+                          <p:cTn id="4" fill="hold">
+                            <p:stCondLst>
+                              <p:cond delay="0"/>
+                            </p:stCondLst>
+                            <p:childTnLst>
+                              <p:par>
+                                <p:cTn id="5" presetID="21" presetClass="entr" presetSubtype="1" fill="hold" grpId="0" nodeType="clickEffect">
+                                  <p:stCondLst>
+                                    <p:cond delay="0"/>
+                                  </p:stCondLst>
+                                  <p:childTnLst>
+                                    <p:set>
+                                      <p:cBhvr>
+                                        <p:cTn id="6" dur="1" fill="hold">
+                                          <p:stCondLst>
+                                            <p:cond delay="0"/>
+                                          </p:stCondLst>
+                                        </p:cTn>
+                                        <p:tgtEl>
+                                          <p:spTgt spid="10"/>
+                                        </p:tgtEl>
+                                        <p:attrNameLst>
+                                          <p:attrName>style.visibility</p:attrName>
+                                        </p:attrNameLst>
+                                      </p:cBhvr>
+                                      <p:to>
+                                        <p:strVal val="visible"/>
+                                      </p:to>
+                                    </p:set>
+                                    <p:animEffect transition="in" filter="wheel(1)">
+                                      <p:cBhvr>
+                                        <p:cTn id="7" dur="1250"/>
+                                        <p:tgtEl>
+                                          <p:spTgt spid="10"/>
+                                        </p:tgtEl>
+                                      </p:cBhvr>
+                                    </p:animEffect>
+                                  </p:childTnLst>
+                                </p:cTn>
+                              </p:par>
+                              <p:par>
+                                <p:cTn id="8" presetID="21" presetClass="entr" presetSubtype="1" fill="hold" grpId="0" nodeType="withEffect">
+                                  <p:stCondLst>
+                                    <p:cond delay="0"/>
+                                  </p:stCondLst>
+                                  <p:childTnLst>
+                                    <p:set>
+                                      <p:cBhvr>
+                                        <p:cTn id="9" dur="1" fill="hold">
+                                          <p:stCondLst>
+                                            <p:cond delay="0"/>
+                                          </p:stCondLst>
+                                        </p:cTn>
+                                        <p:tgtEl>
+                                          <p:spTgt spid="9"/>
+                                        </p:tgtEl>
+                                        <p:attrNameLst>
+                                          <p:attrName>style.visibility</p:attrName>
+                                        </p:attrNameLst>
+                                      </p:cBhvr>
+                                      <p:to>
+                                        <p:strVal val="visible"/>
+                                      </p:to>
+                                    </p:set>
+                                    <p:animEffect transition="in" filter="wheel(1)">
+                                      <p:cBhvr>
+                                        <p:cTn id="10" dur="1250"/>
+                                        <p:tgtEl>
+                                          <p:spTgt spid="9"/>
+                                        </p:tgtEl>
+                                      </p:cBhvr>
+                                    </p:animEffect>
+                                  </p:childTnLst>
+                                </p:cTn>
+                              </p:par>
+                            </p:childTnLst>
+                          </p:cTn>
+                        </p:par>
+                        <p:par>
+                          <p:cTn id="11" fill="hold">
+                            <p:stCondLst>
+                              <p:cond delay="1250"/>
+                            </p:stCondLst>
+                            <p:childTnLst>
+                              <p:par>
+                                <p:cTn id="12" presetID="22" presetClass="entr" presetSubtype="1" fill="hold" nodeType="afterEffect">
+                                  <p:stCondLst>
+                                    <p:cond delay="0"/>
+                                  </p:stCondLst>
+                                  <p:childTnLst>
+                                    <p:set>
+                                      <p:cBhvr>
+                                        <p:cTn id="13" dur="1" fill="hold">
+                                          <p:stCondLst>
+                                            <p:cond delay="0"/>
+                                          </p:stCondLst>
+                                        </p:cTn>
+                                        <p:tgtEl>
+                                          <p:spTgt spid="17"/>
+                                        </p:tgtEl>
+                                        <p:attrNameLst>
+                                          <p:attrName>style.visibility</p:attrName>
+                                        </p:attrNameLst>
+                                      </p:cBhvr>
+                                      <p:to>
+                                        <p:strVal val="visible"/>
+                                      </p:to>
+                                    </p:set>
+                                    <p:animEffect transition="in" filter="wipe(up)">
+                                      <p:cBhvr>
+                                        <p:cTn id="14" dur="500"/>
+                                        <p:tgtEl>
+                                          <p:spTgt spid="17"/>
+                                        </p:tgtEl>
+                                      </p:cBhvr>
+                                    </p:animEffect>
+                                  </p:childTnLst>
+                                </p:cTn>
+                              </p:par>
+                            </p:childTnLst>
+                          </p:cTn>
+                        </p:par>
+                        <p:par>
+                          <p:cTn id="15" fill="hold">
+                            <p:stCondLst>
+                              <p:cond delay="1750"/>
+                            </p:stCondLst>
+                            <p:childTnLst>
+                              <p:par>
+                                <p:cTn id="16" presetID="22" presetClass="entr" presetSubtype="2" fill="hold" nodeType="afterEffect">
+                                  <p:stCondLst>
+                                    <p:cond delay="0"/>
+                                  </p:stCondLst>
+                                  <p:childTnLst>
+                                    <p:set>
+                                      <p:cBhvr>
+                                        <p:cTn id="17" dur="1" fill="hold">
+                                          <p:stCondLst>
+                                            <p:cond delay="0"/>
+                                          </p:stCondLst>
+                                        </p:cTn>
+                                        <p:tgtEl>
+                                          <p:spTgt spid="19"/>
+                                        </p:tgtEl>
+                                        <p:attrNameLst>
+                                          <p:attrName>style.visibility</p:attrName>
+                                        </p:attrNameLst>
+                                      </p:cBhvr>
+                                      <p:to>
+                                        <p:strVal val="visible"/>
+                                      </p:to>
+                                    </p:set>
+                                    <p:animEffect transition="in" filter="wipe(right)">
+                                      <p:cBhvr>
+                                        <p:cTn id="18" dur="500"/>
+                                        <p:tgtEl>
+                                          <p:spTgt spid="19"/>
+                                        </p:tgtEl>
+                                      </p:cBhvr>
+                                    </p:animEffect>
+                                  </p:childTnLst>
+                                </p:cTn>
+                              </p:par>
+                            </p:childTnLst>
+                          </p:cTn>
+                        </p:par>
+                        <p:par>
+                          <p:cTn id="19" fill="hold">
+                            <p:stCondLst>
+                              <p:cond delay="2250"/>
+                            </p:stCondLst>
+                            <p:childTnLst>
+                              <p:par>
+                                <p:cTn id="20" presetID="10" presetClass="entr" presetSubtype="0" fill="hold" grpId="0" nodeType="afterEffect">
+                                  <p:stCondLst>
+                                    <p:cond delay="0"/>
+                                  </p:stCondLst>
+                                  <p:childTnLst>
+                                    <p:set>
+                                      <p:cBhvr>
+                                        <p:cTn id="21" dur="1" fill="hold">
+                                          <p:stCondLst>
+                                            <p:cond delay="0"/>
+                                          </p:stCondLst>
+                                        </p:cTn>
+                                        <p:tgtEl>
+                                          <p:spTgt spid="33"/>
+                                        </p:tgtEl>
+                                        <p:attrNameLst>
+                                          <p:attrName>style.visibility</p:attrName>
+                                        </p:attrNameLst>
+                                      </p:cBhvr>
+                                      <p:to>
+                                        <p:strVal val="visible"/>
+                                      </p:to>
+                                    </p:set>
+                                    <p:animEffect transition="in" filter="fade">
+                                      <p:cBhvr>
+                                        <p:cTn id="22" dur="500"/>
+                                        <p:tgtEl>
+                                          <p:spTgt spid="33"/>
+                                        </p:tgtEl>
+                                      </p:cBhvr>
+                                    </p:animEffect>
+                                  </p:childTnLst>
+                                </p:cTn>
+                              </p:par>
+                            </p:childTnLst>
+                          </p:cTn>
+                        </p:par>
+                      </p:childTnLst>
+                    </p:cTn>
+                  </p:par>
+                  <p:par>
+                    <p:cTn id="23" fill="hold">
+                      <p:stCondLst>
+                        <p:cond delay="indefinite"/>
+                      </p:stCondLst>
+                      <p:childTnLst>
+                        <p:par>
+                          <p:cTn id="24" fill="hold">
+                            <p:stCondLst>
+                              <p:cond delay="0"/>
+                            </p:stCondLst>
+                            <p:childTnLst>
+                              <p:par>
+                                <p:cTn id="25" presetID="21" presetClass="entr" presetSubtype="1" fill="hold" grpId="0" nodeType="clickEffect">
+                                  <p:stCondLst>
+                                    <p:cond delay="0"/>
+                                  </p:stCondLst>
+                                  <p:childTnLst>
+                                    <p:set>
+                                      <p:cBhvr>
+                                        <p:cTn id="26" dur="1" fill="hold">
+                                          <p:stCondLst>
+                                            <p:cond delay="0"/>
+                                          </p:stCondLst>
+                                        </p:cTn>
+                                        <p:tgtEl>
+                                          <p:spTgt spid="11"/>
+                                        </p:tgtEl>
+                                        <p:attrNameLst>
+                                          <p:attrName>style.visibility</p:attrName>
+                                        </p:attrNameLst>
+                                      </p:cBhvr>
+                                      <p:to>
+                                        <p:strVal val="visible"/>
+                                      </p:to>
+                                    </p:set>
+                                    <p:animEffect transition="in" filter="wheel(1)">
+                                      <p:cBhvr>
+                                        <p:cTn id="27" dur="750"/>
+                                        <p:tgtEl>
+                                          <p:spTgt spid="11"/>
+                                        </p:tgtEl>
+                                      </p:cBhvr>
+                                    </p:animEffect>
+                                  </p:childTnLst>
+                                </p:cTn>
+                              </p:par>
+                              <p:par>
+                                <p:cTn id="28" presetID="21" presetClass="entr" presetSubtype="1" fill="hold" grpId="0" nodeType="withEffect">
+                                  <p:stCondLst>
+                                    <p:cond delay="0"/>
+                                  </p:stCondLst>
+                                  <p:childTnLst>
+                                    <p:set>
+                                      <p:cBhvr>
+                                        <p:cTn id="29" dur="1" fill="hold">
+                                          <p:stCondLst>
+                                            <p:cond delay="0"/>
+                                          </p:stCondLst>
+                                        </p:cTn>
+                                        <p:tgtEl>
+                                          <p:spTgt spid="15"/>
+                                        </p:tgtEl>
+                                        <p:attrNameLst>
+                                          <p:attrName>style.visibility</p:attrName>
+                                        </p:attrNameLst>
+                                      </p:cBhvr>
+                                      <p:to>
+                                        <p:strVal val="visible"/>
+                                      </p:to>
+                                    </p:set>
+                                    <p:animEffect transition="in" filter="wheel(1)">
+                                      <p:cBhvr>
+                                        <p:cTn id="30" dur="750"/>
+                                        <p:tgtEl>
+                                          <p:spTgt spid="15"/>
+                                        </p:tgtEl>
+                                      </p:cBhvr>
+                                    </p:animEffect>
+                                  </p:childTnLst>
+                                </p:cTn>
+                              </p:par>
+                            </p:childTnLst>
+                          </p:cTn>
+                        </p:par>
+                        <p:par>
+                          <p:cTn id="31" fill="hold">
+                            <p:stCondLst>
+                              <p:cond delay="750"/>
+                            </p:stCondLst>
+                            <p:childTnLst>
+                              <p:par>
+                                <p:cTn id="32" presetID="22" presetClass="entr" presetSubtype="2" fill="hold" nodeType="afterEffect">
+                                  <p:stCondLst>
+                                    <p:cond delay="0"/>
+                                  </p:stCondLst>
+                                  <p:childTnLst>
+                                    <p:set>
+                                      <p:cBhvr>
+                                        <p:cTn id="33" dur="1" fill="hold">
+                                          <p:stCondLst>
+                                            <p:cond delay="0"/>
+                                          </p:stCondLst>
+                                        </p:cTn>
+                                        <p:tgtEl>
+                                          <p:spTgt spid="25"/>
+                                        </p:tgtEl>
+                                        <p:attrNameLst>
+                                          <p:attrName>style.visibility</p:attrName>
+                                        </p:attrNameLst>
+                                      </p:cBhvr>
+                                      <p:to>
+                                        <p:strVal val="visible"/>
+                                      </p:to>
+                                    </p:set>
+                                    <p:animEffect transition="in" filter="wipe(right)">
+                                      <p:cBhvr>
+                                        <p:cTn id="34" dur="500"/>
+                                        <p:tgtEl>
+                                          <p:spTgt spid="25"/>
+                                        </p:tgtEl>
+                                      </p:cBhvr>
+                                    </p:animEffect>
+                                  </p:childTnLst>
+                                </p:cTn>
+                              </p:par>
+                              <p:par>
+                                <p:cTn id="35" presetID="22" presetClass="entr" presetSubtype="2" fill="hold" nodeType="withEffect">
+                                  <p:stCondLst>
+                                    <p:cond delay="0"/>
+                                  </p:stCondLst>
+                                  <p:childTnLst>
+                                    <p:set>
+                                      <p:cBhvr>
+                                        <p:cTn id="36" dur="1" fill="hold">
+                                          <p:stCondLst>
+                                            <p:cond delay="0"/>
+                                          </p:stCondLst>
+                                        </p:cTn>
+                                        <p:tgtEl>
+                                          <p:spTgt spid="30"/>
+                                        </p:tgtEl>
+                                        <p:attrNameLst>
+                                          <p:attrName>style.visibility</p:attrName>
+                                        </p:attrNameLst>
+                                      </p:cBhvr>
+                                      <p:to>
+                                        <p:strVal val="visible"/>
+                                      </p:to>
+                                    </p:set>
+                                    <p:animEffect transition="in" filter="wipe(right)">
+                                      <p:cBhvr>
+                                        <p:cTn id="37" dur="500"/>
+                                        <p:tgtEl>
+                                          <p:spTgt spid="30"/>
+                                        </p:tgtEl>
+                                      </p:cBhvr>
+                                    </p:animEffect>
+                                  </p:childTnLst>
+                                </p:cTn>
+                              </p:par>
+                            </p:childTnLst>
+                          </p:cTn>
+                        </p:par>
+                        <p:par>
+                          <p:cTn id="38" fill="hold">
+                            <p:stCondLst>
+                              <p:cond delay="1250"/>
+                            </p:stCondLst>
+                            <p:childTnLst>
+                              <p:par>
+                                <p:cTn id="39" presetID="10" presetClass="entr" presetSubtype="0" fill="hold" grpId="0" nodeType="afterEffect">
+                                  <p:stCondLst>
+                                    <p:cond delay="0"/>
+                                  </p:stCondLst>
+                                  <p:childTnLst>
+                                    <p:set>
+                                      <p:cBhvr>
+                                        <p:cTn id="40" dur="1" fill="hold">
+                                          <p:stCondLst>
+                                            <p:cond delay="0"/>
+                                          </p:stCondLst>
+                                        </p:cTn>
+                                        <p:tgtEl>
+                                          <p:spTgt spid="40"/>
+                                        </p:tgtEl>
+                                        <p:attrNameLst>
+                                          <p:attrName>style.visibility</p:attrName>
+                                        </p:attrNameLst>
+                                      </p:cBhvr>
+                                      <p:to>
+                                        <p:strVal val="visible"/>
+                                      </p:to>
+                                    </p:set>
+                                    <p:animEffect transition="in" filter="fade">
+                                      <p:cBhvr>
+                                        <p:cTn id="41" dur="500"/>
+                                        <p:tgtEl>
+                                          <p:spTgt spid="40"/>
+                                        </p:tgtEl>
+                                      </p:cBhvr>
+                                    </p:animEffect>
+                                  </p:childTnLst>
+                                </p:cTn>
+                              </p:par>
+                            </p:childTnLst>
+                          </p:cTn>
+                        </p:par>
+                      </p:childTnLst>
+                    </p:cTn>
+                  </p:par>
+                  <p:par>
+                    <p:cTn id="42" fill="hold">
+                      <p:stCondLst>
+                        <p:cond delay="indefinite"/>
+                      </p:stCondLst>
+                      <p:childTnLst>
+                        <p:par>
+                          <p:cTn id="43" fill="hold">
+                            <p:stCondLst>
+                              <p:cond delay="0"/>
+                            </p:stCondLst>
+                            <p:childTnLst>
+                              <p:par>
+                                <p:cTn id="44" presetID="10" presetClass="entr" presetSubtype="0" fill="hold" grpId="0" nodeType="clickEffect">
+                                  <p:stCondLst>
+                                    <p:cond delay="0"/>
+                                  </p:stCondLst>
+                                  <p:childTnLst>
+                                    <p:set>
+                                      <p:cBhvr>
+                                        <p:cTn id="45" dur="1" fill="hold">
+                                          <p:stCondLst>
+                                            <p:cond delay="0"/>
+                                          </p:stCondLst>
+                                        </p:cTn>
+                                        <p:tgtEl>
+                                          <p:spTgt spid="45"/>
+                                        </p:tgtEl>
+                                        <p:attrNameLst>
+                                          <p:attrName>style.visibility</p:attrName>
+                                        </p:attrNameLst>
+                                      </p:cBhvr>
+                                      <p:to>
+                                        <p:strVal val="visible"/>
+                                      </p:to>
+                                    </p:set>
+                                    <p:animEffect transition="in" filter="fade">
+                                      <p:cBhvr>
+                                        <p:cTn id="46" dur="500"/>
+                                        <p:tgtEl>
+                                          <p:spTgt spid="45"/>
+                                        </p:tgtEl>
+                                      </p:cBhvr>
+                                    </p:animEffect>
+                                  </p:childTnLst>
+                                </p:cTn>
+                              </p:par>
+                            </p:childTnLst>
+                          </p:cTn>
+                        </p:par>
+                        <p:par>
+                          <p:cTn id="47" fill="hold">
+                            <p:stCondLst>
+                              <p:cond delay="500"/>
+                            </p:stCondLst>
+                            <p:childTnLst>
+                              <p:par>
+                                <p:cTn id="48" presetID="6" presetClass="entr" presetSubtype="16" fill="hold" grpId="0" nodeType="afterEffect">
+                                  <p:stCondLst>
+                                    <p:cond delay="0"/>
+                                  </p:stCondLst>
+                                  <p:childTnLst>
+                                    <p:set>
+                                      <p:cBhvr>
+                                        <p:cTn id="49" dur="1" fill="hold">
+                                          <p:stCondLst>
+                                            <p:cond delay="0"/>
+                                          </p:stCondLst>
+                                        </p:cTn>
+                                        <p:tgtEl>
+                                          <p:spTgt spid="41"/>
+                                        </p:tgtEl>
+                                        <p:attrNameLst>
+                                          <p:attrName>style.visibility</p:attrName>
+                                        </p:attrNameLst>
+                                      </p:cBhvr>
+                                      <p:to>
+                                        <p:strVal val="visible"/>
+                                      </p:to>
+                                    </p:set>
+                                    <p:animEffect transition="in" filter="circle(in)">
+                                      <p:cBhvr>
+                                        <p:cTn id="50" dur="1000"/>
+                                        <p:tgtEl>
+                                          <p:spTgt spid="41"/>
+                                        </p:tgtEl>
+                                      </p:cBhvr>
+                                    </p:animEffect>
+                                  </p:childTnLst>
+                                </p:cTn>
+                              </p:par>
+                            </p:childTnLst>
+                          </p:cTn>
+                        </p:par>
+                        <p:par>
+                          <p:cTn id="51" fill="hold">
+                            <p:stCondLst>
+                              <p:cond delay="1500"/>
+                            </p:stCondLst>
+                            <p:childTnLst>
+                              <p:par>
+                                <p:cTn id="52" presetID="22" presetClass="entr" presetSubtype="8" fill="hold" nodeType="afterEffect">
+                                  <p:stCondLst>
+                                    <p:cond delay="0"/>
+                                  </p:stCondLst>
+                                  <p:childTnLst>
+                                    <p:set>
+                                      <p:cBhvr>
+                                        <p:cTn id="53" dur="1" fill="hold">
+                                          <p:stCondLst>
+                                            <p:cond delay="0"/>
+                                          </p:stCondLst>
+                                        </p:cTn>
+                                        <p:tgtEl>
+                                          <p:spTgt spid="43"/>
+                                        </p:tgtEl>
+                                        <p:attrNameLst>
+                                          <p:attrName>style.visibility</p:attrName>
+                                        </p:attrNameLst>
+                                      </p:cBhvr>
+                                      <p:to>
+                                        <p:strVal val="visible"/>
+                                      </p:to>
+                                    </p:set>
+                                    <p:animEffect transition="in" filter="wipe(left)">
+                                      <p:cBhvr>
+                                        <p:cTn id="54" dur="500"/>
+                                        <p:tgtEl>
+                                          <p:spTgt spid="43"/>
+                                        </p:tgtEl>
+                                      </p:cBhvr>
+                                    </p:animEffect>
+                                  </p:childTnLst>
+                                </p:cTn>
+                              </p:par>
+                            </p:childTnLst>
+                          </p:cTn>
+                        </p:par>
+                      </p:childTnLst>
+                    </p:cTn>
+                  </p:par>
+                </p:childTnLst>
+              </p:cTn>
+              <p:prevCondLst>
+                <p:cond evt="onPrev" delay="0">
+                  <p:tgtEl>
+                    <p:sldTgt/>
+                  </p:tgtEl>
+                </p:cond>
+              </p:prevCondLst>
+              <p:nextCondLst>
+                <p:cond evt="onNext" delay="0">
+                  <p:tgtEl>
+                    <p:sldTgt/>
+                  </p:tgtEl>
+                </p:cond>
+              </p:nextCondLst>
+            </p:seq>
+          </p:childTnLst>
+        </p:cTn>
+      </p:par>
+    </p:tnLst>
+    <p:bldLst>
+      <p:bldP spid="9" grpId="0" animBg="1"/>
+      <p:bldP spid="10" grpId="0" animBg="1"/>
+      <p:bldP spid="11" grpId="0" animBg="1"/>
+      <p:bldP spid="15" grpId="0" animBg="1"/>
+      <p:bldP spid="33" grpId="0"/>
+      <p:bldP spid="40" grpId="0"/>
+      <p:bldP spid="41" grpId="0" animBg="1"/>
+      <p:bldP spid="45" grpId="0"/>
+    </p:bldLst>
+  </p:timing>
+</p:sld>
+</file>
+
+<file path=ppt/slides/slide12.xml><?xml version="1.0" encoding="utf-8"?>
 <p:sld xmlns:a="http://schemas.openxmlformats.org/drawingml/2006/main" xmlns:r="http://schemas.openxmlformats.org/officeDocument/2006/relationships" xmlns:p="http://schemas.openxmlformats.org/presentationml/2006/main">
   <p:cSld>
     <p:spTree>
@@ -5653,13 +7237,13 @@
   <p:clrMapOvr>
     <a:masterClrMapping/>
   </p:clrMapOvr>
-  <mc:AlternateContent xmlns:mc="http://schemas.openxmlformats.org/markup-compatibility/2006" xmlns:p159="http://schemas.microsoft.com/office/powerpoint/2015/09/main">
-    <mc:Choice Requires="p159">
-      <p:transition xmlns:p14="http://schemas.microsoft.com/office/powerpoint/2010/main" spd="slow" p14:dur="2000">
+  <mc:AlternateContent xmlns:mc="http://schemas.openxmlformats.org/markup-compatibility/2006">
+    <mc:Choice xmlns:p159="http://schemas.microsoft.com/office/powerpoint/2015/09/main" Requires="p159">
+      <p:transition spd="slow">
         <p159:morph option="byObject"/>
       </p:transition>
     </mc:Choice>
-    <mc:Fallback xmlns="">
+    <mc:Fallback>
       <p:transition spd="slow">
         <p:fade/>
       </p:transition>
@@ -6091,7 +7675,7 @@
 </p:sld>
 </file>
 
-<file path=ppt/slides/slide12.xml><?xml version="1.0" encoding="utf-8"?>
+<file path=ppt/slides/slide13.xml><?xml version="1.0" encoding="utf-8"?>
 <p:sld xmlns:a="http://schemas.openxmlformats.org/drawingml/2006/main" xmlns:r="http://schemas.openxmlformats.org/officeDocument/2006/relationships" xmlns:p="http://schemas.openxmlformats.org/presentationml/2006/main">
   <p:cSld>
     <p:spTree>
@@ -6413,13 +7997,13 @@
   <p:clrMapOvr>
     <a:masterClrMapping/>
   </p:clrMapOvr>
-  <mc:AlternateContent xmlns:mc="http://schemas.openxmlformats.org/markup-compatibility/2006" xmlns:p159="http://schemas.microsoft.com/office/powerpoint/2015/09/main">
-    <mc:Choice Requires="p159">
-      <p:transition xmlns:p14="http://schemas.microsoft.com/office/powerpoint/2010/main" spd="slow" p14:dur="2000">
+  <mc:AlternateContent xmlns:mc="http://schemas.openxmlformats.org/markup-compatibility/2006">
+    <mc:Choice xmlns:p159="http://schemas.microsoft.com/office/powerpoint/2015/09/main" Requires="p159">
+      <p:transition spd="slow">
         <p159:morph option="byObject"/>
       </p:transition>
     </mc:Choice>
-    <mc:Fallback xmlns="">
+    <mc:Fallback>
       <p:transition spd="slow">
         <p:fade/>
       </p:transition>
@@ -6549,7 +8133,7 @@
 </p:sld>
 </file>
 
-<file path=ppt/slides/slide13.xml><?xml version="1.0" encoding="utf-8"?>
+<file path=ppt/slides/slide14.xml><?xml version="1.0" encoding="utf-8"?>
 <p:sld xmlns:a="http://schemas.openxmlformats.org/drawingml/2006/main" xmlns:r="http://schemas.openxmlformats.org/officeDocument/2006/relationships" xmlns:p="http://schemas.openxmlformats.org/presentationml/2006/main">
   <p:cSld>
     <p:spTree>
@@ -7037,7 +8621,7 @@
   </p:clrMapOvr>
   <mc:AlternateContent xmlns:mc="http://schemas.openxmlformats.org/markup-compatibility/2006">
     <mc:Choice xmlns:p159="http://schemas.microsoft.com/office/powerpoint/2015/09/main" Requires="p159">
-      <p:transition xmlns:p14="http://schemas.microsoft.com/office/powerpoint/2010/main" spd="slow" p14:dur="2000">
+      <p:transition spd="slow">
         <p159:morph option="byObject"/>
       </p:transition>
     </mc:Choice>
@@ -7081,7 +8665,7 @@
                                           </p:stCondLst>
                                         </p:cTn>
                                         <p:tgtEl>
-                                          <p:spTgt spid="15"/>
+                                          <p:spTgt spid="36"/>
                                         </p:tgtEl>
                                         <p:attrNameLst>
                                           <p:attrName>style.visibility</p:attrName>
@@ -7093,48 +8677,30 @@
                                     </p:set>
                                     <p:animEffect transition="in" filter="wipe(up)">
                                       <p:cBhvr>
-                                        <p:cTn id="7" dur="250"/>
-                                        <p:tgtEl>
-                                          <p:spTgt spid="15"/>
+                                        <p:cTn id="7" dur="500"/>
+                                        <p:tgtEl>
+                                          <p:spTgt spid="36"/>
                                         </p:tgtEl>
                                       </p:cBhvr>
                                     </p:animEffect>
                                   </p:childTnLst>
                                 </p:cTn>
                               </p:par>
-                            </p:childTnLst>
-                          </p:cTn>
-                        </p:par>
-                      </p:childTnLst>
-                    </p:cTn>
-                  </p:par>
-                  <p:par>
-                    <p:cTn id="8" fill="hold">
-                      <p:stCondLst>
-                        <p:cond delay="indefinite"/>
-                      </p:stCondLst>
-                      <p:childTnLst>
-                        <p:par>
-                          <p:cTn id="9" fill="hold">
-                            <p:stCondLst>
-                              <p:cond delay="0"/>
-                            </p:stCondLst>
-                            <p:childTnLst>
                               <p:par>
-                                <p:cTn id="10" presetID="22" presetClass="entr" presetSubtype="1" fill="hold" nodeType="clickEffect">
+                                <p:cTn id="8" presetID="22" presetClass="entr" presetSubtype="1" fill="hold" nodeType="withEffect">
                                   <p:stCondLst>
                                     <p:cond delay="0"/>
                                   </p:stCondLst>
                                   <p:childTnLst>
                                     <p:set>
                                       <p:cBhvr>
-                                        <p:cTn id="11" dur="1" fill="hold">
+                                        <p:cTn id="9" dur="1" fill="hold">
                                           <p:stCondLst>
                                             <p:cond delay="0"/>
                                           </p:stCondLst>
                                         </p:cTn>
                                         <p:tgtEl>
-                                          <p:spTgt spid="36"/>
+                                          <p:spTgt spid="38"/>
                                         </p:tgtEl>
                                         <p:attrNameLst>
                                           <p:attrName>style.visibility</p:attrName>
@@ -7146,9 +8712,9 @@
                                     </p:set>
                                     <p:animEffect transition="in" filter="wipe(up)">
                                       <p:cBhvr>
-                                        <p:cTn id="12" dur="500"/>
-                                        <p:tgtEl>
-                                          <p:spTgt spid="36"/>
+                                        <p:cTn id="10" dur="500"/>
+                                        <p:tgtEl>
+                                          <p:spTgt spid="38"/>
                                         </p:tgtEl>
                                       </p:cBhvr>
                                     </p:animEffect>
@@ -7156,20 +8722,24 @@
                                 </p:cTn>
                               </p:par>
                               <p:par>
-                                <p:cTn id="13" presetID="22" presetClass="entr" presetSubtype="1" fill="hold" nodeType="withEffect">
+                                <p:cTn id="11" presetID="22" presetClass="entr" presetSubtype="1" fill="hold" grpId="0" nodeType="withEffect">
                                   <p:stCondLst>
                                     <p:cond delay="0"/>
                                   </p:stCondLst>
                                   <p:childTnLst>
                                     <p:set>
                                       <p:cBhvr>
-                                        <p:cTn id="14" dur="1" fill="hold">
+                                        <p:cTn id="12" dur="1" fill="hold">
                                           <p:stCondLst>
                                             <p:cond delay="0"/>
                                           </p:stCondLst>
                                         </p:cTn>
                                         <p:tgtEl>
-                                          <p:spTgt spid="38"/>
+                                          <p:spTgt spid="39">
+                                            <p:txEl>
+                                              <p:pRg st="0" end="0"/>
+                                            </p:txEl>
+                                          </p:spTgt>
                                         </p:tgtEl>
                                         <p:attrNameLst>
                                           <p:attrName>style.visibility</p:attrName>
@@ -7181,46 +8751,7 @@
                                     </p:set>
                                     <p:animEffect transition="in" filter="wipe(up)">
                                       <p:cBhvr>
-                                        <p:cTn id="15" dur="500"/>
-                                        <p:tgtEl>
-                                          <p:spTgt spid="38"/>
-                                        </p:tgtEl>
-                                      </p:cBhvr>
-                                    </p:animEffect>
-                                  </p:childTnLst>
-                                </p:cTn>
-                              </p:par>
-                              <p:par>
-                                <p:cTn id="16" presetID="22" presetClass="entr" presetSubtype="1" fill="hold" grpId="0" nodeType="withEffect">
-                                  <p:stCondLst>
-                                    <p:cond delay="0"/>
-                                  </p:stCondLst>
-                                  <p:childTnLst>
-                                    <p:set>
-                                      <p:cBhvr>
-                                        <p:cTn id="17" dur="1" fill="hold">
-                                          <p:stCondLst>
-                                            <p:cond delay="0"/>
-                                          </p:stCondLst>
-                                        </p:cTn>
-                                        <p:tgtEl>
-                                          <p:spTgt spid="39">
-                                            <p:txEl>
-                                              <p:pRg st="0" end="0"/>
-                                            </p:txEl>
-                                          </p:spTgt>
-                                        </p:tgtEl>
-                                        <p:attrNameLst>
-                                          <p:attrName>style.visibility</p:attrName>
-                                        </p:attrNameLst>
-                                      </p:cBhvr>
-                                      <p:to>
-                                        <p:strVal val="visible"/>
-                                      </p:to>
-                                    </p:set>
-                                    <p:animEffect transition="in" filter="wipe(up)">
-                                      <p:cBhvr>
-                                        <p:cTn id="18" dur="500"/>
+                                        <p:cTn id="13" dur="500"/>
                                         <p:tgtEl>
                                           <p:spTgt spid="39">
                                             <p:txEl>
@@ -7237,20 +8768,20 @@
                           </p:cTn>
                         </p:par>
                         <p:par>
-                          <p:cTn id="19" fill="hold">
+                          <p:cTn id="14" fill="hold">
                             <p:stCondLst>
                               <p:cond delay="500"/>
                             </p:stCondLst>
                             <p:childTnLst>
                               <p:par>
-                                <p:cTn id="20" presetID="22" presetClass="entr" presetSubtype="1" fill="hold" nodeType="afterEffect">
+                                <p:cTn id="15" presetID="22" presetClass="entr" presetSubtype="1" fill="hold" nodeType="afterEffect">
                                   <p:stCondLst>
                                     <p:cond delay="0"/>
                                   </p:stCondLst>
                                   <p:childTnLst>
                                     <p:set>
                                       <p:cBhvr>
-                                        <p:cTn id="21" dur="1" fill="hold">
+                                        <p:cTn id="16" dur="1" fill="hold">
                                           <p:stCondLst>
                                             <p:cond delay="0"/>
                                           </p:stCondLst>
@@ -7268,7 +8799,7 @@
                                     </p:set>
                                     <p:animEffect transition="in" filter="wipe(up)">
                                       <p:cBhvr>
-                                        <p:cTn id="22" dur="500"/>
+                                        <p:cTn id="17" dur="500"/>
                                         <p:tgtEl>
                                           <p:spTgt spid="17"/>
                                         </p:tgtEl>
@@ -7278,14 +8809,14 @@
                                 </p:cTn>
                               </p:par>
                               <p:par>
-                                <p:cTn id="23" presetID="22" presetClass="entr" presetSubtype="1" fill="hold" nodeType="withEffect">
+                                <p:cTn id="18" presetID="22" presetClass="entr" presetSubtype="1" fill="hold" nodeType="withEffect">
                                   <p:stCondLst>
                                     <p:cond delay="0"/>
                                   </p:stCondLst>
                                   <p:childTnLst>
                                     <p:set>
                                       <p:cBhvr>
-                                        <p:cTn id="24" dur="1" fill="hold">
+                                        <p:cTn id="19" dur="1" fill="hold">
                                           <p:stCondLst>
                                             <p:cond delay="0"/>
                                           </p:stCondLst>
@@ -7303,7 +8834,7 @@
                                     </p:set>
                                     <p:animEffect transition="in" filter="wipe(up)">
                                       <p:cBhvr>
-                                        <p:cTn id="25" dur="500"/>
+                                        <p:cTn id="20" dur="500"/>
                                         <p:tgtEl>
                                           <p:spTgt spid="16"/>
                                         </p:tgtEl>
@@ -7313,14 +8844,14 @@
                                 </p:cTn>
                               </p:par>
                               <p:par>
-                                <p:cTn id="26" presetID="22" presetClass="entr" presetSubtype="1" fill="hold" nodeType="withEffect">
+                                <p:cTn id="21" presetID="22" presetClass="entr" presetSubtype="1" fill="hold" nodeType="withEffect">
                                   <p:stCondLst>
                                     <p:cond delay="0"/>
                                   </p:stCondLst>
                                   <p:childTnLst>
                                     <p:set>
                                       <p:cBhvr>
-                                        <p:cTn id="27" dur="1" fill="hold">
+                                        <p:cTn id="22" dur="1" fill="hold">
                                           <p:stCondLst>
                                             <p:cond delay="0"/>
                                           </p:stCondLst>
@@ -7338,7 +8869,7 @@
                                     </p:set>
                                     <p:animEffect transition="in" filter="wipe(up)">
                                       <p:cBhvr>
-                                        <p:cTn id="28" dur="500"/>
+                                        <p:cTn id="23" dur="500"/>
                                         <p:tgtEl>
                                           <p:spTgt spid="7"/>
                                         </p:tgtEl>
@@ -7348,14 +8879,14 @@
                                 </p:cTn>
                               </p:par>
                               <p:par>
-                                <p:cTn id="29" presetID="22" presetClass="entr" presetSubtype="1" fill="hold" nodeType="withEffect">
+                                <p:cTn id="24" presetID="22" presetClass="entr" presetSubtype="1" fill="hold" nodeType="withEffect">
                                   <p:stCondLst>
                                     <p:cond delay="0"/>
                                   </p:stCondLst>
                                   <p:childTnLst>
                                     <p:set>
                                       <p:cBhvr>
-                                        <p:cTn id="30" dur="1" fill="hold">
+                                        <p:cTn id="25" dur="1" fill="hold">
                                           <p:stCondLst>
                                             <p:cond delay="0"/>
                                           </p:stCondLst>
@@ -7373,7 +8904,7 @@
                                     </p:set>
                                     <p:animEffect transition="in" filter="wipe(up)">
                                       <p:cBhvr>
-                                        <p:cTn id="31" dur="500"/>
+                                        <p:cTn id="26" dur="500"/>
                                         <p:tgtEl>
                                           <p:spTgt spid="23"/>
                                         </p:tgtEl>
@@ -7383,14 +8914,14 @@
                                 </p:cTn>
                               </p:par>
                               <p:par>
-                                <p:cTn id="32" presetID="22" presetClass="entr" presetSubtype="1" fill="hold" nodeType="withEffect">
+                                <p:cTn id="27" presetID="22" presetClass="entr" presetSubtype="1" fill="hold" nodeType="withEffect">
                                   <p:stCondLst>
                                     <p:cond delay="0"/>
                                   </p:stCondLst>
                                   <p:childTnLst>
                                     <p:set>
                                       <p:cBhvr>
-                                        <p:cTn id="33" dur="1" fill="hold">
+                                        <p:cTn id="28" dur="1" fill="hold">
                                           <p:stCondLst>
                                             <p:cond delay="0"/>
                                           </p:stCondLst>
@@ -7408,7 +8939,7 @@
                                     </p:set>
                                     <p:animEffect transition="in" filter="wipe(up)">
                                       <p:cBhvr>
-                                        <p:cTn id="34" dur="500"/>
+                                        <p:cTn id="29" dur="500"/>
                                         <p:tgtEl>
                                           <p:spTgt spid="25"/>
                                         </p:tgtEl>
@@ -7418,14 +8949,14 @@
                                 </p:cTn>
                               </p:par>
                               <p:par>
-                                <p:cTn id="35" presetID="22" presetClass="entr" presetSubtype="1" fill="hold" nodeType="withEffect">
+                                <p:cTn id="30" presetID="22" presetClass="entr" presetSubtype="1" fill="hold" nodeType="withEffect">
                                   <p:stCondLst>
                                     <p:cond delay="0"/>
                                   </p:stCondLst>
                                   <p:childTnLst>
                                     <p:set>
                                       <p:cBhvr>
-                                        <p:cTn id="36" dur="1" fill="hold">
+                                        <p:cTn id="31" dur="1" fill="hold">
                                           <p:stCondLst>
                                             <p:cond delay="0"/>
                                           </p:stCondLst>
@@ -7443,7 +8974,7 @@
                                     </p:set>
                                     <p:animEffect transition="in" filter="wipe(up)">
                                       <p:cBhvr>
-                                        <p:cTn id="37" dur="500"/>
+                                        <p:cTn id="32" dur="500"/>
                                         <p:tgtEl>
                                           <p:spTgt spid="26"/>
                                         </p:tgtEl>
@@ -7486,7 +9017,7 @@
 </p:sld>
 </file>
 
-<file path=ppt/slides/slide14.xml><?xml version="1.0" encoding="utf-8"?>
+<file path=ppt/slides/slide15.xml><?xml version="1.0" encoding="utf-8"?>
 <p:sld xmlns:a="http://schemas.openxmlformats.org/drawingml/2006/main" xmlns:r="http://schemas.openxmlformats.org/officeDocument/2006/relationships" xmlns:p="http://schemas.openxmlformats.org/presentationml/2006/main">
   <p:cSld>
     <p:spTree>
@@ -7646,7 +9177,7 @@
         <p:spPr>
           <a:xfrm>
             <a:off x="497303" y="1425091"/>
-            <a:ext cx="5646058" cy="553998"/>
+            <a:ext cx="8130722" cy="553998"/>
           </a:xfrm>
           <a:prstGeom prst="rect">
             <a:avLst/>
@@ -7661,7 +9192,7 @@
           <a:p>
             <a:r>
               <a:rPr lang="en-US" sz="3000" dirty="0"/>
-              <a:t>III. Aggregation/Composition</a:t>
+              <a:t>III. Association/Aggregation/Composition</a:t>
             </a:r>
           </a:p>
         </p:txBody>
@@ -10029,13 +11560,13 @@
   <p:clrMapOvr>
     <a:masterClrMapping/>
   </p:clrMapOvr>
-  <mc:AlternateContent xmlns:mc="http://schemas.openxmlformats.org/markup-compatibility/2006" xmlns:p159="http://schemas.microsoft.com/office/powerpoint/2015/09/main">
-    <mc:Choice Requires="p159">
-      <p:transition xmlns:p14="http://schemas.microsoft.com/office/powerpoint/2010/main" spd="slow" p14:dur="2000">
+  <mc:AlternateContent xmlns:mc="http://schemas.openxmlformats.org/markup-compatibility/2006">
+    <mc:Choice xmlns:p159="http://schemas.microsoft.com/office/powerpoint/2015/09/main" Requires="p159">
+      <p:transition spd="slow">
         <p159:morph option="byObject"/>
       </p:transition>
     </mc:Choice>
-    <mc:Fallback xmlns="">
+    <mc:Fallback>
       <p:transition spd="slow">
         <p:fade/>
       </p:transition>
@@ -12639,7 +14170,7 @@
 </p:sld>
 </file>
 
-<file path=ppt/slides/slide15.xml><?xml version="1.0" encoding="utf-8"?>
+<file path=ppt/slides/slide16.xml><?xml version="1.0" encoding="utf-8"?>
 <p:sld xmlns:a="http://schemas.openxmlformats.org/drawingml/2006/main" xmlns:r="http://schemas.openxmlformats.org/officeDocument/2006/relationships" xmlns:p="http://schemas.openxmlformats.org/presentationml/2006/main">
   <p:cSld>
     <p:spTree>
@@ -12786,13 +14317,13 @@
   <p:clrMapOvr>
     <a:masterClrMapping/>
   </p:clrMapOvr>
-  <mc:AlternateContent xmlns:mc="http://schemas.openxmlformats.org/markup-compatibility/2006" xmlns:p159="http://schemas.microsoft.com/office/powerpoint/2015/09/main">
-    <mc:Choice Requires="p159">
+  <mc:AlternateContent xmlns:mc="http://schemas.openxmlformats.org/markup-compatibility/2006">
+    <mc:Choice xmlns:p159="http://schemas.microsoft.com/office/powerpoint/2015/09/main" Requires="p159">
       <p:transition spd="slow">
         <p159:morph option="byObject"/>
       </p:transition>
     </mc:Choice>
-    <mc:Fallback xmlns="">
+    <mc:Fallback>
       <p:transition spd="slow">
         <p:fade/>
       </p:transition>
@@ -13197,9 +14728,18 @@
   <p:clrMapOvr>
     <a:masterClrMapping/>
   </p:clrMapOvr>
-  <p:transition spd="slow">
-    <p:push dir="u"/>
-  </p:transition>
+  <mc:AlternateContent xmlns:mc="http://schemas.openxmlformats.org/markup-compatibility/2006">
+    <mc:Choice xmlns:p159="http://schemas.microsoft.com/office/powerpoint/2015/09/main" Requires="p159">
+      <p:transition spd="slow">
+        <p159:morph option="byObject"/>
+      </p:transition>
+    </mc:Choice>
+    <mc:Fallback>
+      <p:transition spd="slow">
+        <p:fade/>
+      </p:transition>
+    </mc:Fallback>
+  </mc:AlternateContent>
   <p:timing>
     <p:tnLst>
       <p:par>
@@ -13982,13 +15522,13 @@
   <p:clrMapOvr>
     <a:masterClrMapping/>
   </p:clrMapOvr>
-  <mc:AlternateContent xmlns:mc="http://schemas.openxmlformats.org/markup-compatibility/2006" xmlns:p159="http://schemas.microsoft.com/office/powerpoint/2015/09/main">
-    <mc:Choice Requires="p159">
+  <mc:AlternateContent xmlns:mc="http://schemas.openxmlformats.org/markup-compatibility/2006">
+    <mc:Choice xmlns:p159="http://schemas.microsoft.com/office/powerpoint/2015/09/main" Requires="p159">
       <p:transition spd="slow">
         <p159:morph option="byObject"/>
       </p:transition>
     </mc:Choice>
-    <mc:Fallback xmlns="">
+    <mc:Fallback>
       <p:transition spd="slow">
         <p:fade/>
       </p:transition>
@@ -14552,13 +16092,13 @@
   <p:clrMapOvr>
     <a:masterClrMapping/>
   </p:clrMapOvr>
-  <mc:AlternateContent xmlns:mc="http://schemas.openxmlformats.org/markup-compatibility/2006" xmlns:p159="http://schemas.microsoft.com/office/powerpoint/2015/09/main">
-    <mc:Choice Requires="p159">
-      <p:transition xmlns:p14="http://schemas.microsoft.com/office/powerpoint/2010/main" spd="slow" p14:dur="2000">
+  <mc:AlternateContent xmlns:mc="http://schemas.openxmlformats.org/markup-compatibility/2006">
+    <mc:Choice xmlns:p159="http://schemas.microsoft.com/office/powerpoint/2015/09/main" Requires="p159">
+      <p:transition spd="slow">
         <p159:morph option="byObject"/>
       </p:transition>
     </mc:Choice>
-    <mc:Fallback xmlns="">
+    <mc:Fallback>
       <p:transition spd="slow">
         <p:fade/>
       </p:transition>
@@ -15178,13 +16718,13 @@
   <p:clrMapOvr>
     <a:masterClrMapping/>
   </p:clrMapOvr>
-  <mc:AlternateContent xmlns:mc="http://schemas.openxmlformats.org/markup-compatibility/2006" xmlns:p159="http://schemas.microsoft.com/office/powerpoint/2015/09/main">
-    <mc:Choice Requires="p159">
-      <p:transition xmlns:p14="http://schemas.microsoft.com/office/powerpoint/2010/main" spd="slow" p14:dur="2000">
+  <mc:AlternateContent xmlns:mc="http://schemas.openxmlformats.org/markup-compatibility/2006">
+    <mc:Choice xmlns:p159="http://schemas.microsoft.com/office/powerpoint/2015/09/main" Requires="p159">
+      <p:transition spd="slow">
         <p159:morph option="byObject"/>
       </p:transition>
     </mc:Choice>
-    <mc:Fallback xmlns="">
+    <mc:Fallback>
       <p:transition spd="slow">
         <p:fade/>
       </p:transition>
@@ -15399,13 +16939,13 @@
   <p:clrMapOvr>
     <a:masterClrMapping/>
   </p:clrMapOvr>
-  <mc:AlternateContent xmlns:mc="http://schemas.openxmlformats.org/markup-compatibility/2006" xmlns:p159="http://schemas.microsoft.com/office/powerpoint/2015/09/main">
-    <mc:Choice Requires="p159">
-      <p:transition xmlns:p14="http://schemas.microsoft.com/office/powerpoint/2010/main" spd="slow" p14:dur="2000">
+  <mc:AlternateContent xmlns:mc="http://schemas.openxmlformats.org/markup-compatibility/2006">
+    <mc:Choice xmlns:p159="http://schemas.microsoft.com/office/powerpoint/2015/09/main" Requires="p159">
+      <p:transition spd="slow">
         <p159:morph option="byObject"/>
       </p:transition>
     </mc:Choice>
-    <mc:Fallback xmlns="">
+    <mc:Fallback>
       <p:transition spd="slow">
         <p:fade/>
       </p:transition>
@@ -15625,13 +17165,13 @@
   <p:clrMapOvr>
     <a:masterClrMapping/>
   </p:clrMapOvr>
-  <mc:AlternateContent xmlns:mc="http://schemas.openxmlformats.org/markup-compatibility/2006" xmlns:p159="http://schemas.microsoft.com/office/powerpoint/2015/09/main">
-    <mc:Choice Requires="p159">
-      <p:transition xmlns:p14="http://schemas.microsoft.com/office/powerpoint/2010/main" spd="slow" p14:dur="2000">
+  <mc:AlternateContent xmlns:mc="http://schemas.openxmlformats.org/markup-compatibility/2006">
+    <mc:Choice xmlns:p159="http://schemas.microsoft.com/office/powerpoint/2015/09/main" Requires="p159">
+      <p:transition spd="slow">
         <p159:morph option="byObject"/>
       </p:transition>
     </mc:Choice>
-    <mc:Fallback xmlns="">
+    <mc:Fallback>
       <p:transition spd="slow">
         <p:fade/>
       </p:transition>
@@ -15827,13 +17367,13 @@
   <p:clrMapOvr>
     <a:masterClrMapping/>
   </p:clrMapOvr>
-  <mc:AlternateContent xmlns:mc="http://schemas.openxmlformats.org/markup-compatibility/2006" xmlns:p159="http://schemas.microsoft.com/office/powerpoint/2015/09/main">
-    <mc:Choice Requires="p159">
-      <p:transition xmlns:p14="http://schemas.microsoft.com/office/powerpoint/2010/main" spd="slow" p14:dur="2000">
+  <mc:AlternateContent xmlns:mc="http://schemas.openxmlformats.org/markup-compatibility/2006">
+    <mc:Choice xmlns:p159="http://schemas.microsoft.com/office/powerpoint/2015/09/main" Requires="p159">
+      <p:transition spd="slow">
         <p159:morph option="byObject"/>
       </p:transition>
     </mc:Choice>
-    <mc:Fallback xmlns="">
+    <mc:Fallback>
       <p:transition spd="slow">
         <p:fade/>
       </p:transition>
@@ -16021,13 +17561,13 @@
   <p:clrMapOvr>
     <a:masterClrMapping/>
   </p:clrMapOvr>
-  <mc:AlternateContent xmlns:mc="http://schemas.openxmlformats.org/markup-compatibility/2006" xmlns:p159="http://schemas.microsoft.com/office/powerpoint/2015/09/main">
-    <mc:Choice Requires="p159">
-      <p:transition xmlns:p14="http://schemas.microsoft.com/office/powerpoint/2010/main" spd="slow" p14:dur="2000">
+  <mc:AlternateContent xmlns:mc="http://schemas.openxmlformats.org/markup-compatibility/2006">
+    <mc:Choice xmlns:p159="http://schemas.microsoft.com/office/powerpoint/2015/09/main" Requires="p159">
+      <p:transition spd="slow">
         <p159:morph option="byObject"/>
       </p:transition>
     </mc:Choice>
-    <mc:Fallback xmlns="">
+    <mc:Fallback>
       <p:transition spd="slow">
         <p:fade/>
       </p:transition>
@@ -16553,20 +18093,20 @@
 </file>
 
 <file path=customXml/item1.xml><?xml version="1.0" encoding="utf-8"?>
+<p:properties xmlns:p="http://schemas.microsoft.com/office/2006/metadata/properties" xmlns:xsi="http://www.w3.org/2001/XMLSchema-instance" xmlns:pc="http://schemas.microsoft.com/office/infopath/2007/PartnerControls">
+  <documentManagement>
+    <_activity xmlns="734ad12e-f028-4e8d-9eec-fc3955d1bf94" xsi:nil="true"/>
+  </documentManagement>
+</p:properties>
+</file>
+
+<file path=customXml/item2.xml><?xml version="1.0" encoding="utf-8"?>
 <?mso-contentType ?>
 <FormTemplates xmlns="http://schemas.microsoft.com/sharepoint/v3/contenttype/forms">
   <Display>DocumentLibraryForm</Display>
   <Edit>DocumentLibraryForm</Edit>
   <New>DocumentLibraryForm</New>
 </FormTemplates>
-</file>
-
-<file path=customXml/item2.xml><?xml version="1.0" encoding="utf-8"?>
-<p:properties xmlns:p="http://schemas.microsoft.com/office/2006/metadata/properties" xmlns:xsi="http://www.w3.org/2001/XMLSchema-instance" xmlns:pc="http://schemas.microsoft.com/office/infopath/2007/PartnerControls">
-  <documentManagement>
-    <_activity xmlns="734ad12e-f028-4e8d-9eec-fc3955d1bf94" xsi:nil="true"/>
-  </documentManagement>
-</p:properties>
 </file>
 
 <file path=customXml/item3.xml><?xml version="1.0" encoding="utf-8"?>
@@ -16797,14 +18337,6 @@
 </file>
 
 <file path=customXml/itemProps1.xml><?xml version="1.0" encoding="utf-8"?>
-<ds:datastoreItem xmlns:ds="http://schemas.openxmlformats.org/officeDocument/2006/customXml" ds:itemID="{2E95FC0E-A649-4CBC-A847-B647760ED214}">
-  <ds:schemaRefs>
-    <ds:schemaRef ds:uri="http://schemas.microsoft.com/sharepoint/v3/contenttype/forms"/>
-  </ds:schemaRefs>
-</ds:datastoreItem>
-</file>
-
-<file path=customXml/itemProps2.xml><?xml version="1.0" encoding="utf-8"?>
 <ds:datastoreItem xmlns:ds="http://schemas.openxmlformats.org/officeDocument/2006/customXml" ds:itemID="{4785FACF-F3CF-455B-920B-6C70C4F952CA}">
   <ds:schemaRefs>
     <ds:schemaRef ds:uri="2a660bb1-2241-48a6-aaaa-4d835ea00b2f"/>
@@ -16817,6 +18349,14 @@
     <ds:schemaRef ds:uri="http://schemas.openxmlformats.org/package/2006/metadata/core-properties"/>
     <ds:schemaRef ds:uri="http://schemas.microsoft.com/office/2006/metadata/properties"/>
     <ds:schemaRef ds:uri="http://purl.org/dc/dcmitype/"/>
+  </ds:schemaRefs>
+</ds:datastoreItem>
+</file>
+
+<file path=customXml/itemProps2.xml><?xml version="1.0" encoding="utf-8"?>
+<ds:datastoreItem xmlns:ds="http://schemas.openxmlformats.org/officeDocument/2006/customXml" ds:itemID="{2E95FC0E-A649-4CBC-A847-B647760ED214}">
+  <ds:schemaRefs>
+    <ds:schemaRef ds:uri="http://schemas.microsoft.com/sharepoint/v3/contenttype/forms"/>
   </ds:schemaRefs>
 </ds:datastoreItem>
 </file>
